--- a/Docs/IJUP/IJUP_2025_posterpresentation.pptx
+++ b/Docs/IJUP/IJUP_2025_posterpresentation.pptx
@@ -7,6 +7,7 @@
   </p:sldMasterIdLst>
   <p:sldIdLst>
     <p:sldId id="257" r:id="rId3"/>
+    <p:sldId id="258" r:id="rId4"/>
   </p:sldIdLst>
   <p:sldSz cx="30275213" cy="42803763"/>
   <p:notesSz cx="7099300" cy="10234613"/>
@@ -760,7 +761,7 @@
                   <a:spcPct val="0"/>
                 </a:spcAft>
               </a:pPr>
-              <a:t>‹nº›</a:t>
+              <a:t>‹#›</a:t>
             </a:fld>
             <a:endParaRPr lang="en-US" u="sng" dirty="0">
               <a:solidFill>
@@ -1394,7 +1395,7 @@
                   <a:spcPct val="0"/>
                 </a:spcAft>
               </a:pPr>
-              <a:t>‹nº›</a:t>
+              <a:t>‹#›</a:t>
             </a:fld>
             <a:endParaRPr lang="en-US" u="sng" dirty="0">
               <a:solidFill>
@@ -1778,7 +1779,7 @@
           <a:p>
             <a:fld id="{C6D3E51D-861D-B14D-BFD8-573430A28870}" type="datetimeFigureOut">
               <a:rPr lang="en-US" smtClean="0"/>
-              <a:t>3/18/2025</a:t>
+              <a:t>4/27/2025</a:t>
             </a:fld>
             <a:endParaRPr lang="en-US"/>
           </a:p>
@@ -1836,7 +1837,7 @@
           <a:p>
             <a:fld id="{8CB52A86-9ADA-4E46-B855-DE215D1CF1DC}" type="slidenum">
               <a:rPr lang="en-US" smtClean="0"/>
-              <a:t>‹nº›</a:t>
+              <a:t>‹#›</a:t>
             </a:fld>
             <a:endParaRPr lang="en-US"/>
           </a:p>
@@ -1988,7 +1989,7 @@
           <a:p>
             <a:fld id="{C6D3E51D-861D-B14D-BFD8-573430A28870}" type="datetimeFigureOut">
               <a:rPr lang="en-US" smtClean="0"/>
-              <a:t>3/18/2025</a:t>
+              <a:t>4/27/2025</a:t>
             </a:fld>
             <a:endParaRPr lang="en-US"/>
           </a:p>
@@ -2046,7 +2047,7 @@
           <a:p>
             <a:fld id="{8CB52A86-9ADA-4E46-B855-DE215D1CF1DC}" type="slidenum">
               <a:rPr lang="en-US" smtClean="0"/>
-              <a:t>‹nº›</a:t>
+              <a:t>‹#›</a:t>
             </a:fld>
             <a:endParaRPr lang="en-US"/>
           </a:p>
@@ -2264,7 +2265,7 @@
           <a:p>
             <a:fld id="{C6D3E51D-861D-B14D-BFD8-573430A28870}" type="datetimeFigureOut">
               <a:rPr lang="en-US" smtClean="0"/>
-              <a:t>3/18/2025</a:t>
+              <a:t>4/27/2025</a:t>
             </a:fld>
             <a:endParaRPr lang="en-US"/>
           </a:p>
@@ -2322,7 +2323,7 @@
           <a:p>
             <a:fld id="{8CB52A86-9ADA-4E46-B855-DE215D1CF1DC}" type="slidenum">
               <a:rPr lang="en-US" smtClean="0"/>
-              <a:t>‹nº›</a:t>
+              <a:t>‹#›</a:t>
             </a:fld>
             <a:endParaRPr lang="en-US"/>
           </a:p>
@@ -2590,7 +2591,7 @@
           <a:p>
             <a:fld id="{C6D3E51D-861D-B14D-BFD8-573430A28870}" type="datetimeFigureOut">
               <a:rPr lang="en-US" smtClean="0"/>
-              <a:t>3/18/2025</a:t>
+              <a:t>4/27/2025</a:t>
             </a:fld>
             <a:endParaRPr lang="en-US"/>
           </a:p>
@@ -2648,7 +2649,7 @@
           <a:p>
             <a:fld id="{8CB52A86-9ADA-4E46-B855-DE215D1CF1DC}" type="slidenum">
               <a:rPr lang="en-US" smtClean="0"/>
-              <a:t>‹nº›</a:t>
+              <a:t>‹#›</a:t>
             </a:fld>
             <a:endParaRPr lang="en-US"/>
           </a:p>
@@ -3093,7 +3094,7 @@
                 </a:spcAft>
                 <a:defRPr/>
               </a:pPr>
-              <a:t>março de 25</a:t>
+              <a:t>abril de 25</a:t>
             </a:fld>
             <a:endParaRPr lang="pt-PT" u="sng" dirty="0">
               <a:solidFill>
@@ -3173,7 +3174,7 @@
                 </a:spcAft>
                 <a:defRPr/>
               </a:pPr>
-              <a:t>‹nº›</a:t>
+              <a:t>‹#›</a:t>
             </a:fld>
             <a:endParaRPr lang="pt-PT" u="sng" dirty="0">
               <a:solidFill>
@@ -3610,7 +3611,7 @@
           <a:p>
             <a:fld id="{C6D3E51D-861D-B14D-BFD8-573430A28870}" type="datetimeFigureOut">
               <a:rPr lang="en-US" smtClean="0"/>
-              <a:t>3/18/2025</a:t>
+              <a:t>4/27/2025</a:t>
             </a:fld>
             <a:endParaRPr lang="en-US"/>
           </a:p>
@@ -3668,7 +3669,7 @@
           <a:p>
             <a:fld id="{8CB52A86-9ADA-4E46-B855-DE215D1CF1DC}" type="slidenum">
               <a:rPr lang="en-US" smtClean="0"/>
-              <a:t>‹nº›</a:t>
+              <a:t>‹#›</a:t>
             </a:fld>
             <a:endParaRPr lang="en-US"/>
           </a:p>
@@ -3760,7 +3761,7 @@
           <a:p>
             <a:fld id="{C6D3E51D-861D-B14D-BFD8-573430A28870}" type="datetimeFigureOut">
               <a:rPr lang="en-US" smtClean="0"/>
-              <a:t>3/18/2025</a:t>
+              <a:t>4/27/2025</a:t>
             </a:fld>
             <a:endParaRPr lang="en-US"/>
           </a:p>
@@ -3818,7 +3819,7 @@
           <a:p>
             <a:fld id="{8CB52A86-9ADA-4E46-B855-DE215D1CF1DC}" type="slidenum">
               <a:rPr lang="en-US" smtClean="0"/>
-              <a:t>‹nº›</a:t>
+              <a:t>‹#›</a:t>
             </a:fld>
             <a:endParaRPr lang="en-US"/>
           </a:p>
@@ -3879,7 +3880,7 @@
           <a:p>
             <a:fld id="{C6D3E51D-861D-B14D-BFD8-573430A28870}" type="datetimeFigureOut">
               <a:rPr lang="en-US" smtClean="0"/>
-              <a:t>3/18/2025</a:t>
+              <a:t>4/27/2025</a:t>
             </a:fld>
             <a:endParaRPr lang="en-US"/>
           </a:p>
@@ -3937,7 +3938,7 @@
           <a:p>
             <a:fld id="{8CB52A86-9ADA-4E46-B855-DE215D1CF1DC}" type="slidenum">
               <a:rPr lang="en-US" smtClean="0"/>
-              <a:t>‹nº›</a:t>
+              <a:t>‹#›</a:t>
             </a:fld>
             <a:endParaRPr lang="en-US"/>
           </a:p>
@@ -4189,7 +4190,7 @@
           <a:p>
             <a:fld id="{C6D3E51D-861D-B14D-BFD8-573430A28870}" type="datetimeFigureOut">
               <a:rPr lang="en-US" smtClean="0"/>
-              <a:t>3/18/2025</a:t>
+              <a:t>4/27/2025</a:t>
             </a:fld>
             <a:endParaRPr lang="en-US"/>
           </a:p>
@@ -4247,7 +4248,7 @@
           <a:p>
             <a:fld id="{8CB52A86-9ADA-4E46-B855-DE215D1CF1DC}" type="slidenum">
               <a:rPr lang="en-US" smtClean="0"/>
-              <a:t>‹nº›</a:t>
+              <a:t>‹#›</a:t>
             </a:fld>
             <a:endParaRPr lang="en-US"/>
           </a:p>
@@ -4475,7 +4476,7 @@
           <a:p>
             <a:fld id="{C6D3E51D-861D-B14D-BFD8-573430A28870}" type="datetimeFigureOut">
               <a:rPr lang="en-US" smtClean="0"/>
-              <a:t>3/18/2025</a:t>
+              <a:t>4/27/2025</a:t>
             </a:fld>
             <a:endParaRPr lang="en-US"/>
           </a:p>
@@ -4533,7 +4534,7 @@
           <a:p>
             <a:fld id="{8CB52A86-9ADA-4E46-B855-DE215D1CF1DC}" type="slidenum">
               <a:rPr lang="en-US" smtClean="0"/>
-              <a:t>‹nº›</a:t>
+              <a:t>‹#›</a:t>
             </a:fld>
             <a:endParaRPr lang="en-US"/>
           </a:p>
@@ -4685,7 +4686,7 @@
           <a:p>
             <a:fld id="{C6D3E51D-861D-B14D-BFD8-573430A28870}" type="datetimeFigureOut">
               <a:rPr lang="en-US" smtClean="0"/>
-              <a:t>3/18/2025</a:t>
+              <a:t>4/27/2025</a:t>
             </a:fld>
             <a:endParaRPr lang="en-US"/>
           </a:p>
@@ -4743,7 +4744,7 @@
           <a:p>
             <a:fld id="{8CB52A86-9ADA-4E46-B855-DE215D1CF1DC}" type="slidenum">
               <a:rPr lang="en-US" smtClean="0"/>
-              <a:t>‹nº›</a:t>
+              <a:t>‹#›</a:t>
             </a:fld>
             <a:endParaRPr lang="en-US"/>
           </a:p>
@@ -4895,7 +4896,7 @@
           <a:p>
             <a:fld id="{C6D3E51D-861D-B14D-BFD8-573430A28870}" type="datetimeFigureOut">
               <a:rPr lang="en-US" smtClean="0"/>
-              <a:t>3/18/2025</a:t>
+              <a:t>4/27/2025</a:t>
             </a:fld>
             <a:endParaRPr lang="en-US"/>
           </a:p>
@@ -4953,7 +4954,7 @@
           <a:p>
             <a:fld id="{8CB52A86-9ADA-4E46-B855-DE215D1CF1DC}" type="slidenum">
               <a:rPr lang="en-US" smtClean="0"/>
-              <a:t>‹nº›</a:t>
+              <a:t>‹#›</a:t>
             </a:fld>
             <a:endParaRPr lang="en-US"/>
           </a:p>
@@ -5417,7 +5418,7 @@
                   <a:spcPct val="0"/>
                 </a:spcAft>
               </a:pPr>
-              <a:t>‹nº›</a:t>
+              <a:t>‹#›</a:t>
             </a:fld>
             <a:endParaRPr lang="en-US" u="sng" dirty="0">
               <a:solidFill>
@@ -6271,7 +6272,7 @@
                   <a:spcPct val="0"/>
                 </a:spcAft>
               </a:pPr>
-              <a:t>‹nº›</a:t>
+              <a:t>‹#›</a:t>
             </a:fld>
             <a:endParaRPr lang="en-US" u="sng" dirty="0">
               <a:solidFill>
@@ -6596,7 +6597,7 @@
               <a:pPr defTabSz="1513367">
                 <a:defRPr/>
               </a:pPr>
-              <a:t>3/18/2025</a:t>
+              <a:t>4/27/2025</a:t>
             </a:fld>
             <a:endParaRPr lang="en-US" sz="3973">
               <a:solidFill>
@@ -6684,7 +6685,7 @@
               <a:pPr algn="r" defTabSz="1513367">
                 <a:defRPr/>
               </a:pPr>
-              <a:t>‹nº›</a:t>
+              <a:t>‹#›</a:t>
             </a:fld>
             <a:endParaRPr lang="en-US" sz="3973">
               <a:solidFill>
@@ -6765,7 +6766,7 @@
               <a:pPr defTabSz="1513367">
                 <a:defRPr/>
               </a:pPr>
-              <a:t>3/18/2025</a:t>
+              <a:t>4/27/2025</a:t>
             </a:fld>
             <a:endParaRPr lang="en-US" sz="3973">
               <a:solidFill>
@@ -6853,7 +6854,7 @@
               <a:pPr algn="r" defTabSz="1513367">
                 <a:defRPr/>
               </a:pPr>
-              <a:t>‹nº›</a:t>
+              <a:t>‹#›</a:t>
             </a:fld>
             <a:endParaRPr lang="en-US" sz="3973">
               <a:solidFill>
@@ -7877,6 +7878,4691 @@
               <a:defRPr/>
             </a:pPr>
             <a:r>
+              <a:rPr lang="en-US" altLang="en-US" sz="5400" b="1" dirty="0">
+                <a:latin typeface="Arial Black" panose="020B0A04020102020204" pitchFamily="34" charset="0"/>
+                <a:ea typeface="ＭＳ Ｐゴシック" panose="020B0600070205080204" pitchFamily="34" charset="-128"/>
+              </a:rPr>
+              <a:t>An interactive tool for supporting university timetabling</a:t>
+            </a:r>
+            <a:endParaRPr lang="en-GB" sz="5400" b="1" cap="all" dirty="0">
+              <a:ln w="3175" cap="flat">
+                <a:noFill/>
+                <a:round/>
+              </a:ln>
+              <a:latin typeface="Arial Black" panose="020B0A04020102020204" pitchFamily="34" charset="0"/>
+              <a:cs typeface="Arial" panose="020B0604020202020204" pitchFamily="34" charset="0"/>
+            </a:endParaRPr>
+          </a:p>
+        </p:txBody>
+      </p:sp>
+      <p:sp>
+        <p:nvSpPr>
+          <p:cNvPr id="5" name="Rectangle 4">
+            <a:extLst>
+              <a:ext uri="{FF2B5EF4-FFF2-40B4-BE49-F238E27FC236}">
+                <a16:creationId xmlns:a16="http://schemas.microsoft.com/office/drawing/2014/main" id="{7B57AB3A-9A50-62C5-83C6-5AAF02BD5F0C}"/>
+              </a:ext>
+            </a:extLst>
+          </p:cNvPr>
+          <p:cNvSpPr>
+            <a:spLocks noChangeArrowheads="1"/>
+          </p:cNvSpPr>
+          <p:nvPr/>
+        </p:nvSpPr>
+        <p:spPr bwMode="auto">
+          <a:xfrm>
+            <a:off x="1083173" y="12080875"/>
+            <a:ext cx="28080000" cy="24123650"/>
+          </a:xfrm>
+          <a:prstGeom prst="rect">
+            <a:avLst/>
+          </a:prstGeom>
+          <a:noFill/>
+          <a:ln w="12700">
+            <a:noFill/>
+            <a:miter lim="800000"/>
+            <a:headEnd/>
+            <a:tailEnd/>
+          </a:ln>
+          <a:extLst>
+            <a:ext uri="{909E8E84-426E-40DD-AFC4-6F175D3DCCD1}">
+              <a14:hiddenFill xmlns:a14="http://schemas.microsoft.com/office/drawing/2010/main">
+                <a:solidFill>
+                  <a:srgbClr val="FFFFFF"/>
+                </a:solidFill>
+              </a14:hiddenFill>
+            </a:ext>
+          </a:extLst>
+        </p:spPr>
+        <p:txBody>
+          <a:bodyPr wrap="none" lIns="91435" tIns="45717" rIns="91435" bIns="45717" anchor="ctr"/>
+          <a:lstStyle>
+            <a:lvl1pPr defTabSz="4810125" eaLnBrk="0" hangingPunct="0">
+              <a:defRPr sz="8100">
+                <a:solidFill>
+                  <a:schemeClr val="tx1"/>
+                </a:solidFill>
+                <a:latin typeface="Arial" panose="020B0604020202020204" pitchFamily="34" charset="0"/>
+                <a:cs typeface="Arial" panose="020B0604020202020204" pitchFamily="34" charset="0"/>
+              </a:defRPr>
+            </a:lvl1pPr>
+            <a:lvl2pPr marL="742950" indent="-285750" defTabSz="4810125" eaLnBrk="0" hangingPunct="0">
+              <a:defRPr sz="8100">
+                <a:solidFill>
+                  <a:schemeClr val="tx1"/>
+                </a:solidFill>
+                <a:latin typeface="Arial" panose="020B0604020202020204" pitchFamily="34" charset="0"/>
+                <a:cs typeface="Arial" panose="020B0604020202020204" pitchFamily="34" charset="0"/>
+              </a:defRPr>
+            </a:lvl2pPr>
+            <a:lvl3pPr marL="1143000" indent="-228600" defTabSz="4810125" eaLnBrk="0" hangingPunct="0">
+              <a:defRPr sz="8100">
+                <a:solidFill>
+                  <a:schemeClr val="tx1"/>
+                </a:solidFill>
+                <a:latin typeface="Arial" panose="020B0604020202020204" pitchFamily="34" charset="0"/>
+                <a:cs typeface="Arial" panose="020B0604020202020204" pitchFamily="34" charset="0"/>
+              </a:defRPr>
+            </a:lvl3pPr>
+            <a:lvl4pPr marL="1600200" indent="-228600" defTabSz="4810125" eaLnBrk="0" hangingPunct="0">
+              <a:defRPr sz="8100">
+                <a:solidFill>
+                  <a:schemeClr val="tx1"/>
+                </a:solidFill>
+                <a:latin typeface="Arial" panose="020B0604020202020204" pitchFamily="34" charset="0"/>
+                <a:cs typeface="Arial" panose="020B0604020202020204" pitchFamily="34" charset="0"/>
+              </a:defRPr>
+            </a:lvl4pPr>
+            <a:lvl5pPr marL="2057400" indent="-228600" defTabSz="4810125" eaLnBrk="0" hangingPunct="0">
+              <a:defRPr sz="8100">
+                <a:solidFill>
+                  <a:schemeClr val="tx1"/>
+                </a:solidFill>
+                <a:latin typeface="Arial" panose="020B0604020202020204" pitchFamily="34" charset="0"/>
+                <a:cs typeface="Arial" panose="020B0604020202020204" pitchFamily="34" charset="0"/>
+              </a:defRPr>
+            </a:lvl5pPr>
+            <a:lvl6pPr marL="2514600" indent="-228600" defTabSz="4810125" eaLnBrk="0" fontAlgn="base" hangingPunct="0">
+              <a:spcBef>
+                <a:spcPct val="0"/>
+              </a:spcBef>
+              <a:spcAft>
+                <a:spcPct val="0"/>
+              </a:spcAft>
+              <a:defRPr sz="8100">
+                <a:solidFill>
+                  <a:schemeClr val="tx1"/>
+                </a:solidFill>
+                <a:latin typeface="Arial" panose="020B0604020202020204" pitchFamily="34" charset="0"/>
+                <a:cs typeface="Arial" panose="020B0604020202020204" pitchFamily="34" charset="0"/>
+              </a:defRPr>
+            </a:lvl6pPr>
+            <a:lvl7pPr marL="2971800" indent="-228600" defTabSz="4810125" eaLnBrk="0" fontAlgn="base" hangingPunct="0">
+              <a:spcBef>
+                <a:spcPct val="0"/>
+              </a:spcBef>
+              <a:spcAft>
+                <a:spcPct val="0"/>
+              </a:spcAft>
+              <a:defRPr sz="8100">
+                <a:solidFill>
+                  <a:schemeClr val="tx1"/>
+                </a:solidFill>
+                <a:latin typeface="Arial" panose="020B0604020202020204" pitchFamily="34" charset="0"/>
+                <a:cs typeface="Arial" panose="020B0604020202020204" pitchFamily="34" charset="0"/>
+              </a:defRPr>
+            </a:lvl7pPr>
+            <a:lvl8pPr marL="3429000" indent="-228600" defTabSz="4810125" eaLnBrk="0" fontAlgn="base" hangingPunct="0">
+              <a:spcBef>
+                <a:spcPct val="0"/>
+              </a:spcBef>
+              <a:spcAft>
+                <a:spcPct val="0"/>
+              </a:spcAft>
+              <a:defRPr sz="8100">
+                <a:solidFill>
+                  <a:schemeClr val="tx1"/>
+                </a:solidFill>
+                <a:latin typeface="Arial" panose="020B0604020202020204" pitchFamily="34" charset="0"/>
+                <a:cs typeface="Arial" panose="020B0604020202020204" pitchFamily="34" charset="0"/>
+              </a:defRPr>
+            </a:lvl8pPr>
+            <a:lvl9pPr marL="3886200" indent="-228600" defTabSz="4810125" eaLnBrk="0" fontAlgn="base" hangingPunct="0">
+              <a:spcBef>
+                <a:spcPct val="0"/>
+              </a:spcBef>
+              <a:spcAft>
+                <a:spcPct val="0"/>
+              </a:spcAft>
+              <a:defRPr sz="8100">
+                <a:solidFill>
+                  <a:schemeClr val="tx1"/>
+                </a:solidFill>
+                <a:latin typeface="Arial" panose="020B0604020202020204" pitchFamily="34" charset="0"/>
+                <a:cs typeface="Arial" panose="020B0604020202020204" pitchFamily="34" charset="0"/>
+              </a:defRPr>
+            </a:lvl9pPr>
+          </a:lstStyle>
+          <a:p>
+            <a:pPr algn="ctr" eaLnBrk="1" hangingPunct="1"/>
+            <a:endParaRPr lang="en-US" dirty="0">
+              <a:latin typeface="Calibri" panose="020F0502020204030204" pitchFamily="34" charset="0"/>
+            </a:endParaRPr>
+          </a:p>
+        </p:txBody>
+      </p:sp>
+      <p:sp>
+        <p:nvSpPr>
+          <p:cNvPr id="6" name="Text Box 4">
+            <a:extLst>
+              <a:ext uri="{FF2B5EF4-FFF2-40B4-BE49-F238E27FC236}">
+                <a16:creationId xmlns:a16="http://schemas.microsoft.com/office/drawing/2014/main" id="{697BCF60-63A7-1CAA-A505-A37100695FEB}"/>
+              </a:ext>
+            </a:extLst>
+          </p:cNvPr>
+          <p:cNvSpPr txBox="1">
+            <a:spLocks noChangeArrowheads="1"/>
+          </p:cNvSpPr>
+          <p:nvPr/>
+        </p:nvSpPr>
+        <p:spPr bwMode="auto">
+          <a:xfrm>
+            <a:off x="1033908" y="2632840"/>
+            <a:ext cx="23963621" cy="1846128"/>
+          </a:xfrm>
+          <a:prstGeom prst="rect">
+            <a:avLst/>
+          </a:prstGeom>
+          <a:noFill/>
+          <a:ln w="9525">
+            <a:noFill/>
+            <a:miter lim="800000"/>
+            <a:headEnd/>
+            <a:tailEnd/>
+          </a:ln>
+        </p:spPr>
+        <p:txBody>
+          <a:bodyPr lIns="233986" tIns="45717" rIns="233986" bIns="45717"/>
+          <a:lstStyle/>
+          <a:p>
+            <a:r>
+              <a:rPr lang="pt-PT" sz="2800" dirty="0">
+                <a:latin typeface="Arial" panose="020B0604020202020204" pitchFamily="34" charset="0"/>
+                <a:cs typeface="Arial" panose="020B0604020202020204" pitchFamily="34" charset="0"/>
+              </a:rPr>
+              <a:t>Daniela Tomás (up202004946@edu.fc.up.pt), </a:t>
+            </a:r>
+            <a:r>
+              <a:rPr lang="en-US" sz="2800" dirty="0">
+                <a:effectLst/>
+                <a:latin typeface="Arial" panose="020B0604020202020204" pitchFamily="34" charset="0"/>
+                <a:ea typeface="Cambria" panose="02040503050406030204" pitchFamily="18" charset="0"/>
+                <a:cs typeface="Arial" panose="020B0604020202020204" pitchFamily="34" charset="0"/>
+              </a:rPr>
+              <a:t>Department of Computer Science, Faculty of Sciences of the University of Porto</a:t>
+            </a:r>
+            <a:r>
+              <a:rPr lang="pt-PT" sz="2800" dirty="0">
+                <a:latin typeface="Arial" panose="020B0604020202020204" pitchFamily="34" charset="0"/>
+                <a:cs typeface="Arial" panose="020B0604020202020204" pitchFamily="34" charset="0"/>
+              </a:rPr>
+              <a:t>, Portugal</a:t>
+            </a:r>
+          </a:p>
+          <a:p>
+            <a:r>
+              <a:rPr lang="pt-PT" sz="2800" dirty="0">
+                <a:latin typeface="Arial" panose="020B0604020202020204" pitchFamily="34" charset="0"/>
+                <a:cs typeface="Arial" panose="020B0604020202020204" pitchFamily="34" charset="0"/>
+              </a:rPr>
+              <a:t>João Pedro Pedroso (jpp@fc.up.pt), </a:t>
+            </a:r>
+            <a:r>
+              <a:rPr lang="en-US" sz="2800" dirty="0">
+                <a:effectLst/>
+                <a:latin typeface="Arial" panose="020B0604020202020204" pitchFamily="34" charset="0"/>
+                <a:ea typeface="Cambria" panose="02040503050406030204" pitchFamily="18" charset="0"/>
+                <a:cs typeface="Arial" panose="020B0604020202020204" pitchFamily="34" charset="0"/>
+              </a:rPr>
+              <a:t>Department of Computer Science, Faculty of Sciences of the University of Porto</a:t>
+            </a:r>
+            <a:r>
+              <a:rPr lang="pt-PT" sz="2800" dirty="0">
+                <a:latin typeface="Arial" panose="020B0604020202020204" pitchFamily="34" charset="0"/>
+                <a:cs typeface="Arial" panose="020B0604020202020204" pitchFamily="34" charset="0"/>
+              </a:rPr>
+              <a:t>, Portugal</a:t>
+            </a:r>
+            <a:endParaRPr lang="pt-PT" sz="2800" b="1" dirty="0">
+              <a:latin typeface="Arial" panose="020B0604020202020204" pitchFamily="34" charset="0"/>
+              <a:cs typeface="Arial" panose="020B0604020202020204" pitchFamily="34" charset="0"/>
+            </a:endParaRPr>
+          </a:p>
+          <a:p>
+            <a:endParaRPr lang="pt-PT" sz="2800" dirty="0">
+              <a:latin typeface="Arial" panose="020B0604020202020204" pitchFamily="34" charset="0"/>
+              <a:cs typeface="Arial" panose="020B0604020202020204" pitchFamily="34" charset="0"/>
+            </a:endParaRPr>
+          </a:p>
+        </p:txBody>
+      </p:sp>
+      <p:sp>
+        <p:nvSpPr>
+          <p:cNvPr id="7" name="Text Box 29">
+            <a:extLst>
+              <a:ext uri="{FF2B5EF4-FFF2-40B4-BE49-F238E27FC236}">
+                <a16:creationId xmlns:a16="http://schemas.microsoft.com/office/drawing/2014/main" id="{15B54127-A24D-9CDF-237A-CE377AB8047F}"/>
+              </a:ext>
+            </a:extLst>
+          </p:cNvPr>
+          <p:cNvSpPr txBox="1">
+            <a:spLocks noChangeArrowheads="1"/>
+          </p:cNvSpPr>
+          <p:nvPr/>
+        </p:nvSpPr>
+        <p:spPr bwMode="auto">
+          <a:xfrm>
+            <a:off x="1083172" y="3680141"/>
+            <a:ext cx="8424863" cy="1079500"/>
+          </a:xfrm>
+          <a:prstGeom prst="snip2DiagRect">
+            <a:avLst/>
+          </a:prstGeom>
+          <a:noFill/>
+          <a:ln w="9525">
+            <a:noFill/>
+            <a:miter lim="800000"/>
+            <a:headEnd/>
+            <a:tailEnd/>
+          </a:ln>
+        </p:spPr>
+        <p:txBody>
+          <a:bodyPr lIns="91435" tIns="0" rIns="91435" bIns="0" anchor="ctr"/>
+          <a:lstStyle/>
+          <a:p>
+            <a:pPr defTabSz="4811437" fontAlgn="auto">
+              <a:spcBef>
+                <a:spcPct val="50000"/>
+              </a:spcBef>
+              <a:spcAft>
+                <a:spcPts val="0"/>
+              </a:spcAft>
+              <a:defRPr/>
+            </a:pPr>
+            <a:r>
+              <a:rPr lang="en-US" sz="5500" b="1" dirty="0">
+                <a:latin typeface="+mn-lt"/>
+                <a:cs typeface="+mn-cs"/>
+              </a:rPr>
+              <a:t>Introduction</a:t>
+            </a:r>
+          </a:p>
+        </p:txBody>
+      </p:sp>
+      <p:sp>
+        <p:nvSpPr>
+          <p:cNvPr id="8" name="Rectângulo 12">
+            <a:extLst>
+              <a:ext uri="{FF2B5EF4-FFF2-40B4-BE49-F238E27FC236}">
+                <a16:creationId xmlns:a16="http://schemas.microsoft.com/office/drawing/2014/main" id="{B84705F5-7FE2-4B50-C431-74190FA49084}"/>
+              </a:ext>
+            </a:extLst>
+          </p:cNvPr>
+          <p:cNvSpPr/>
+          <p:nvPr/>
+        </p:nvSpPr>
+        <p:spPr>
+          <a:xfrm>
+            <a:off x="-32918" y="2139339"/>
+            <a:ext cx="14835188" cy="288000"/>
+          </a:xfrm>
+          <a:prstGeom prst="rect">
+            <a:avLst/>
+          </a:prstGeom>
+          <a:solidFill>
+            <a:srgbClr val="4E266C"/>
+          </a:solidFill>
+          <a:ln>
+            <a:noFill/>
+          </a:ln>
+        </p:spPr>
+        <p:style>
+          <a:lnRef idx="2">
+            <a:schemeClr val="accent1">
+              <a:shade val="50000"/>
+            </a:schemeClr>
+          </a:lnRef>
+          <a:fillRef idx="1">
+            <a:schemeClr val="accent1"/>
+          </a:fillRef>
+          <a:effectRef idx="0">
+            <a:schemeClr val="accent1"/>
+          </a:effectRef>
+          <a:fontRef idx="minor">
+            <a:schemeClr val="lt1"/>
+          </a:fontRef>
+        </p:style>
+        <p:txBody>
+          <a:bodyPr rtlCol="0" anchor="ctr"/>
+          <a:lstStyle/>
+          <a:p>
+            <a:pPr algn="ctr"/>
+            <a:endParaRPr lang="pt-PT"/>
+          </a:p>
+        </p:txBody>
+      </p:sp>
+      <p:sp>
+        <p:nvSpPr>
+          <p:cNvPr id="9" name="Rectângulo 19">
+            <a:extLst>
+              <a:ext uri="{FF2B5EF4-FFF2-40B4-BE49-F238E27FC236}">
+                <a16:creationId xmlns:a16="http://schemas.microsoft.com/office/drawing/2014/main" id="{AED1D9AB-F024-D0BC-E013-C6D60F956241}"/>
+              </a:ext>
+            </a:extLst>
+          </p:cNvPr>
+          <p:cNvSpPr/>
+          <p:nvPr/>
+        </p:nvSpPr>
+        <p:spPr>
+          <a:xfrm>
+            <a:off x="1226047" y="4724795"/>
+            <a:ext cx="1800000" cy="144000"/>
+          </a:xfrm>
+          <a:prstGeom prst="rect">
+            <a:avLst/>
+          </a:prstGeom>
+          <a:solidFill>
+            <a:srgbClr val="88CFBC"/>
+          </a:solidFill>
+          <a:ln>
+            <a:noFill/>
+          </a:ln>
+        </p:spPr>
+        <p:style>
+          <a:lnRef idx="2">
+            <a:schemeClr val="accent1">
+              <a:shade val="50000"/>
+            </a:schemeClr>
+          </a:lnRef>
+          <a:fillRef idx="1">
+            <a:schemeClr val="accent1"/>
+          </a:fillRef>
+          <a:effectRef idx="0">
+            <a:schemeClr val="accent1"/>
+          </a:effectRef>
+          <a:fontRef idx="minor">
+            <a:schemeClr val="lt1"/>
+          </a:fontRef>
+        </p:style>
+        <p:txBody>
+          <a:bodyPr rtlCol="0" anchor="ctr"/>
+          <a:lstStyle/>
+          <a:p>
+            <a:pPr algn="ctr"/>
+            <a:endParaRPr lang="pt-PT"/>
+          </a:p>
+        </p:txBody>
+      </p:sp>
+      <p:sp>
+        <p:nvSpPr>
+          <p:cNvPr id="10" name="Text Box 29">
+            <a:extLst>
+              <a:ext uri="{FF2B5EF4-FFF2-40B4-BE49-F238E27FC236}">
+                <a16:creationId xmlns:a16="http://schemas.microsoft.com/office/drawing/2014/main" id="{DFAB443C-15FE-2565-F6BA-6618ACE418D6}"/>
+              </a:ext>
+            </a:extLst>
+          </p:cNvPr>
+          <p:cNvSpPr txBox="1">
+            <a:spLocks noChangeArrowheads="1"/>
+          </p:cNvSpPr>
+          <p:nvPr/>
+        </p:nvSpPr>
+        <p:spPr bwMode="auto">
+          <a:xfrm>
+            <a:off x="15902737" y="3717295"/>
+            <a:ext cx="8424863" cy="1079500"/>
+          </a:xfrm>
+          <a:prstGeom prst="snip2DiagRect">
+            <a:avLst/>
+          </a:prstGeom>
+          <a:noFill/>
+          <a:ln w="9525">
+            <a:noFill/>
+            <a:miter lim="800000"/>
+            <a:headEnd/>
+            <a:tailEnd/>
+          </a:ln>
+        </p:spPr>
+        <p:txBody>
+          <a:bodyPr lIns="91435" tIns="0" rIns="91435" bIns="0" anchor="ctr"/>
+          <a:lstStyle/>
+          <a:p>
+            <a:pPr defTabSz="4811437" fontAlgn="auto">
+              <a:spcBef>
+                <a:spcPct val="50000"/>
+              </a:spcBef>
+              <a:spcAft>
+                <a:spcPts val="0"/>
+              </a:spcAft>
+              <a:defRPr/>
+            </a:pPr>
+            <a:r>
+              <a:rPr lang="en-US" sz="5500" b="1" dirty="0"/>
+              <a:t>Preliminary Results</a:t>
+            </a:r>
+            <a:endParaRPr lang="en-US" sz="5500" b="1" dirty="0">
+              <a:latin typeface="+mn-lt"/>
+              <a:cs typeface="+mn-cs"/>
+            </a:endParaRPr>
+          </a:p>
+        </p:txBody>
+      </p:sp>
+      <p:sp>
+        <p:nvSpPr>
+          <p:cNvPr id="11" name="Rectângulo 19">
+            <a:extLst>
+              <a:ext uri="{FF2B5EF4-FFF2-40B4-BE49-F238E27FC236}">
+                <a16:creationId xmlns:a16="http://schemas.microsoft.com/office/drawing/2014/main" id="{F283FCB4-A358-9676-30DA-94FFB36A9964}"/>
+              </a:ext>
+            </a:extLst>
+          </p:cNvPr>
+          <p:cNvSpPr/>
+          <p:nvPr/>
+        </p:nvSpPr>
+        <p:spPr>
+          <a:xfrm>
+            <a:off x="16108402" y="4790524"/>
+            <a:ext cx="1800000" cy="144000"/>
+          </a:xfrm>
+          <a:prstGeom prst="rect">
+            <a:avLst/>
+          </a:prstGeom>
+          <a:solidFill>
+            <a:srgbClr val="88CFBC"/>
+          </a:solidFill>
+          <a:ln>
+            <a:noFill/>
+          </a:ln>
+        </p:spPr>
+        <p:style>
+          <a:lnRef idx="2">
+            <a:schemeClr val="accent1">
+              <a:shade val="50000"/>
+            </a:schemeClr>
+          </a:lnRef>
+          <a:fillRef idx="1">
+            <a:schemeClr val="accent1"/>
+          </a:fillRef>
+          <a:effectRef idx="0">
+            <a:schemeClr val="accent1"/>
+          </a:effectRef>
+          <a:fontRef idx="minor">
+            <a:schemeClr val="lt1"/>
+          </a:fontRef>
+        </p:style>
+        <p:txBody>
+          <a:bodyPr rtlCol="0" anchor="ctr"/>
+          <a:lstStyle/>
+          <a:p>
+            <a:pPr algn="ctr"/>
+            <a:endParaRPr lang="pt-PT"/>
+          </a:p>
+        </p:txBody>
+      </p:sp>
+      <p:sp>
+        <p:nvSpPr>
+          <p:cNvPr id="13" name="Text Box 29">
+            <a:extLst>
+              <a:ext uri="{FF2B5EF4-FFF2-40B4-BE49-F238E27FC236}">
+                <a16:creationId xmlns:a16="http://schemas.microsoft.com/office/drawing/2014/main" id="{6318C7D0-4A6F-A0AC-92E0-F954CE54A94D}"/>
+              </a:ext>
+            </a:extLst>
+          </p:cNvPr>
+          <p:cNvSpPr txBox="1">
+            <a:spLocks noChangeArrowheads="1"/>
+          </p:cNvSpPr>
+          <p:nvPr/>
+        </p:nvSpPr>
+        <p:spPr bwMode="auto">
+          <a:xfrm>
+            <a:off x="1083172" y="17948584"/>
+            <a:ext cx="10608085" cy="1079500"/>
+          </a:xfrm>
+          <a:prstGeom prst="snip2DiagRect">
+            <a:avLst/>
+          </a:prstGeom>
+          <a:noFill/>
+          <a:ln w="9525">
+            <a:noFill/>
+            <a:miter lim="800000"/>
+            <a:headEnd/>
+            <a:tailEnd/>
+          </a:ln>
+        </p:spPr>
+        <p:txBody>
+          <a:bodyPr lIns="91435" tIns="0" rIns="91435" bIns="0" anchor="ctr"/>
+          <a:lstStyle/>
+          <a:p>
+            <a:pPr defTabSz="4811437" fontAlgn="auto">
+              <a:spcBef>
+                <a:spcPct val="50000"/>
+              </a:spcBef>
+              <a:spcAft>
+                <a:spcPts val="0"/>
+              </a:spcAft>
+              <a:defRPr/>
+            </a:pPr>
+            <a:r>
+              <a:rPr lang="en-US" sz="5500" b="1" dirty="0"/>
+              <a:t>Aim</a:t>
+            </a:r>
+            <a:endParaRPr lang="en-US" sz="5500" b="1" dirty="0">
+              <a:latin typeface="+mn-lt"/>
+              <a:cs typeface="+mn-cs"/>
+            </a:endParaRPr>
+          </a:p>
+        </p:txBody>
+      </p:sp>
+      <p:sp>
+        <p:nvSpPr>
+          <p:cNvPr id="14" name="Rectângulo 19">
+            <a:extLst>
+              <a:ext uri="{FF2B5EF4-FFF2-40B4-BE49-F238E27FC236}">
+                <a16:creationId xmlns:a16="http://schemas.microsoft.com/office/drawing/2014/main" id="{3FCD342C-9F59-1469-BDB6-6FD9D211A1C5}"/>
+              </a:ext>
+            </a:extLst>
+          </p:cNvPr>
+          <p:cNvSpPr/>
+          <p:nvPr/>
+        </p:nvSpPr>
+        <p:spPr>
+          <a:xfrm>
+            <a:off x="1288837" y="19021813"/>
+            <a:ext cx="1800000" cy="144000"/>
+          </a:xfrm>
+          <a:prstGeom prst="rect">
+            <a:avLst/>
+          </a:prstGeom>
+          <a:solidFill>
+            <a:srgbClr val="88CFBC"/>
+          </a:solidFill>
+          <a:ln>
+            <a:noFill/>
+          </a:ln>
+        </p:spPr>
+        <p:style>
+          <a:lnRef idx="2">
+            <a:schemeClr val="accent1">
+              <a:shade val="50000"/>
+            </a:schemeClr>
+          </a:lnRef>
+          <a:fillRef idx="1">
+            <a:schemeClr val="accent1"/>
+          </a:fillRef>
+          <a:effectRef idx="0">
+            <a:schemeClr val="accent1"/>
+          </a:effectRef>
+          <a:fontRef idx="minor">
+            <a:schemeClr val="lt1"/>
+          </a:fontRef>
+        </p:style>
+        <p:txBody>
+          <a:bodyPr rtlCol="0" anchor="ctr"/>
+          <a:lstStyle/>
+          <a:p>
+            <a:pPr algn="ctr"/>
+            <a:endParaRPr lang="pt-PT"/>
+          </a:p>
+        </p:txBody>
+      </p:sp>
+      <p:sp>
+        <p:nvSpPr>
+          <p:cNvPr id="15" name="Retângulo 41">
+            <a:extLst>
+              <a:ext uri="{FF2B5EF4-FFF2-40B4-BE49-F238E27FC236}">
+                <a16:creationId xmlns:a16="http://schemas.microsoft.com/office/drawing/2014/main" id="{54B8644C-9396-6735-4689-1678F9E5E11C}"/>
+              </a:ext>
+            </a:extLst>
+          </p:cNvPr>
+          <p:cNvSpPr/>
+          <p:nvPr/>
+        </p:nvSpPr>
+        <p:spPr>
+          <a:xfrm>
+            <a:off x="4478580" y="26065677"/>
+            <a:ext cx="251190" cy="507831"/>
+          </a:xfrm>
+          <a:prstGeom prst="rect">
+            <a:avLst/>
+          </a:prstGeom>
+          <a:solidFill>
+            <a:schemeClr val="bg1"/>
+          </a:solidFill>
+          <a:ln>
+            <a:noFill/>
+          </a:ln>
+        </p:spPr>
+        <p:style>
+          <a:lnRef idx="2">
+            <a:schemeClr val="accent1">
+              <a:shade val="50000"/>
+            </a:schemeClr>
+          </a:lnRef>
+          <a:fillRef idx="1">
+            <a:schemeClr val="accent1"/>
+          </a:fillRef>
+          <a:effectRef idx="0">
+            <a:schemeClr val="accent1"/>
+          </a:effectRef>
+          <a:fontRef idx="minor">
+            <a:schemeClr val="lt1"/>
+          </a:fontRef>
+        </p:style>
+        <p:txBody>
+          <a:bodyPr rtlCol="0" anchor="ctr"/>
+          <a:lstStyle/>
+          <a:p>
+            <a:pPr algn="ctr"/>
+            <a:endParaRPr lang="pt-PT"/>
+          </a:p>
+        </p:txBody>
+      </p:sp>
+      <p:sp>
+        <p:nvSpPr>
+          <p:cNvPr id="16" name="Retângulo 42">
+            <a:extLst>
+              <a:ext uri="{FF2B5EF4-FFF2-40B4-BE49-F238E27FC236}">
+                <a16:creationId xmlns:a16="http://schemas.microsoft.com/office/drawing/2014/main" id="{1A8FEA59-A4DA-FA01-29DB-9AA692F917BA}"/>
+              </a:ext>
+            </a:extLst>
+          </p:cNvPr>
+          <p:cNvSpPr/>
+          <p:nvPr/>
+        </p:nvSpPr>
+        <p:spPr>
+          <a:xfrm>
+            <a:off x="5728069" y="24992732"/>
+            <a:ext cx="311529" cy="512144"/>
+          </a:xfrm>
+          <a:prstGeom prst="rect">
+            <a:avLst/>
+          </a:prstGeom>
+          <a:solidFill>
+            <a:schemeClr val="bg1"/>
+          </a:solidFill>
+          <a:ln>
+            <a:noFill/>
+          </a:ln>
+        </p:spPr>
+        <p:style>
+          <a:lnRef idx="2">
+            <a:schemeClr val="accent1">
+              <a:shade val="50000"/>
+            </a:schemeClr>
+          </a:lnRef>
+          <a:fillRef idx="1">
+            <a:schemeClr val="accent1"/>
+          </a:fillRef>
+          <a:effectRef idx="0">
+            <a:schemeClr val="accent1"/>
+          </a:effectRef>
+          <a:fontRef idx="minor">
+            <a:schemeClr val="lt1"/>
+          </a:fontRef>
+        </p:style>
+        <p:txBody>
+          <a:bodyPr rtlCol="0" anchor="ctr"/>
+          <a:lstStyle/>
+          <a:p>
+            <a:pPr algn="ctr"/>
+            <a:endParaRPr lang="pt-PT"/>
+          </a:p>
+        </p:txBody>
+      </p:sp>
+      <p:sp>
+        <p:nvSpPr>
+          <p:cNvPr id="17" name="Retângulo 44">
+            <a:extLst>
+              <a:ext uri="{FF2B5EF4-FFF2-40B4-BE49-F238E27FC236}">
+                <a16:creationId xmlns:a16="http://schemas.microsoft.com/office/drawing/2014/main" id="{A0AA7B27-F0C4-DBD6-0F1F-90D5CDC42301}"/>
+              </a:ext>
+            </a:extLst>
+          </p:cNvPr>
+          <p:cNvSpPr/>
+          <p:nvPr/>
+        </p:nvSpPr>
+        <p:spPr>
+          <a:xfrm>
+            <a:off x="3256547" y="35004702"/>
+            <a:ext cx="289659" cy="707886"/>
+          </a:xfrm>
+          <a:prstGeom prst="rect">
+            <a:avLst/>
+          </a:prstGeom>
+          <a:solidFill>
+            <a:schemeClr val="bg1"/>
+          </a:solidFill>
+          <a:ln>
+            <a:noFill/>
+          </a:ln>
+        </p:spPr>
+        <p:style>
+          <a:lnRef idx="2">
+            <a:schemeClr val="accent1">
+              <a:shade val="50000"/>
+            </a:schemeClr>
+          </a:lnRef>
+          <a:fillRef idx="1">
+            <a:schemeClr val="accent1"/>
+          </a:fillRef>
+          <a:effectRef idx="0">
+            <a:schemeClr val="accent1"/>
+          </a:effectRef>
+          <a:fontRef idx="minor">
+            <a:schemeClr val="lt1"/>
+          </a:fontRef>
+        </p:style>
+        <p:txBody>
+          <a:bodyPr rtlCol="0" anchor="ctr"/>
+          <a:lstStyle/>
+          <a:p>
+            <a:pPr algn="ctr"/>
+            <a:endParaRPr lang="pt-PT"/>
+          </a:p>
+        </p:txBody>
+      </p:sp>
+      <p:sp>
+        <p:nvSpPr>
+          <p:cNvPr id="18" name="Retângulo 46">
+            <a:extLst>
+              <a:ext uri="{FF2B5EF4-FFF2-40B4-BE49-F238E27FC236}">
+                <a16:creationId xmlns:a16="http://schemas.microsoft.com/office/drawing/2014/main" id="{AC195EEA-8C30-80EE-5376-74969EDE01F3}"/>
+              </a:ext>
+            </a:extLst>
+          </p:cNvPr>
+          <p:cNvSpPr/>
+          <p:nvPr/>
+        </p:nvSpPr>
+        <p:spPr>
+          <a:xfrm>
+            <a:off x="7403235" y="28098368"/>
+            <a:ext cx="182695" cy="586920"/>
+          </a:xfrm>
+          <a:prstGeom prst="rect">
+            <a:avLst/>
+          </a:prstGeom>
+          <a:solidFill>
+            <a:schemeClr val="bg1"/>
+          </a:solidFill>
+          <a:ln>
+            <a:noFill/>
+          </a:ln>
+        </p:spPr>
+        <p:style>
+          <a:lnRef idx="2">
+            <a:schemeClr val="accent1">
+              <a:shade val="50000"/>
+            </a:schemeClr>
+          </a:lnRef>
+          <a:fillRef idx="1">
+            <a:schemeClr val="accent1"/>
+          </a:fillRef>
+          <a:effectRef idx="0">
+            <a:schemeClr val="accent1"/>
+          </a:effectRef>
+          <a:fontRef idx="minor">
+            <a:schemeClr val="lt1"/>
+          </a:fontRef>
+        </p:style>
+        <p:txBody>
+          <a:bodyPr rtlCol="0" anchor="ctr"/>
+          <a:lstStyle/>
+          <a:p>
+            <a:pPr algn="ctr"/>
+            <a:endParaRPr lang="pt-PT"/>
+          </a:p>
+        </p:txBody>
+      </p:sp>
+      <p:sp>
+        <p:nvSpPr>
+          <p:cNvPr id="19" name="Retângulo 51">
+            <a:extLst>
+              <a:ext uri="{FF2B5EF4-FFF2-40B4-BE49-F238E27FC236}">
+                <a16:creationId xmlns:a16="http://schemas.microsoft.com/office/drawing/2014/main" id="{4A464A23-D09A-48E5-3308-C296853A0244}"/>
+              </a:ext>
+            </a:extLst>
+          </p:cNvPr>
+          <p:cNvSpPr/>
+          <p:nvPr/>
+        </p:nvSpPr>
+        <p:spPr>
+          <a:xfrm>
+            <a:off x="28168468" y="32373613"/>
+            <a:ext cx="445375" cy="504485"/>
+          </a:xfrm>
+          <a:prstGeom prst="rect">
+            <a:avLst/>
+          </a:prstGeom>
+          <a:solidFill>
+            <a:schemeClr val="bg1"/>
+          </a:solidFill>
+          <a:ln>
+            <a:noFill/>
+          </a:ln>
+        </p:spPr>
+        <p:style>
+          <a:lnRef idx="2">
+            <a:schemeClr val="accent1">
+              <a:shade val="50000"/>
+            </a:schemeClr>
+          </a:lnRef>
+          <a:fillRef idx="1">
+            <a:schemeClr val="accent1"/>
+          </a:fillRef>
+          <a:effectRef idx="0">
+            <a:schemeClr val="accent1"/>
+          </a:effectRef>
+          <a:fontRef idx="minor">
+            <a:schemeClr val="lt1"/>
+          </a:fontRef>
+        </p:style>
+        <p:txBody>
+          <a:bodyPr rtlCol="0" anchor="ctr"/>
+          <a:lstStyle/>
+          <a:p>
+            <a:pPr algn="ctr"/>
+            <a:endParaRPr lang="pt-PT"/>
+          </a:p>
+        </p:txBody>
+      </p:sp>
+      <p:sp>
+        <p:nvSpPr>
+          <p:cNvPr id="20" name="Retângulo 59">
+            <a:extLst>
+              <a:ext uri="{FF2B5EF4-FFF2-40B4-BE49-F238E27FC236}">
+                <a16:creationId xmlns:a16="http://schemas.microsoft.com/office/drawing/2014/main" id="{5769CEB1-C547-98C5-300F-27C31BA881FD}"/>
+              </a:ext>
+            </a:extLst>
+          </p:cNvPr>
+          <p:cNvSpPr/>
+          <p:nvPr/>
+        </p:nvSpPr>
+        <p:spPr>
+          <a:xfrm>
+            <a:off x="28525233" y="35450499"/>
+            <a:ext cx="365121" cy="591148"/>
+          </a:xfrm>
+          <a:prstGeom prst="rect">
+            <a:avLst/>
+          </a:prstGeom>
+          <a:solidFill>
+            <a:schemeClr val="bg1"/>
+          </a:solidFill>
+          <a:ln>
+            <a:noFill/>
+          </a:ln>
+        </p:spPr>
+        <p:style>
+          <a:lnRef idx="2">
+            <a:schemeClr val="accent1">
+              <a:shade val="50000"/>
+            </a:schemeClr>
+          </a:lnRef>
+          <a:fillRef idx="1">
+            <a:schemeClr val="accent1"/>
+          </a:fillRef>
+          <a:effectRef idx="0">
+            <a:schemeClr val="accent1"/>
+          </a:effectRef>
+          <a:fontRef idx="minor">
+            <a:schemeClr val="lt1"/>
+          </a:fontRef>
+        </p:style>
+        <p:txBody>
+          <a:bodyPr rtlCol="0" anchor="ctr"/>
+          <a:lstStyle/>
+          <a:p>
+            <a:pPr algn="ctr"/>
+            <a:endParaRPr lang="pt-PT"/>
+          </a:p>
+        </p:txBody>
+      </p:sp>
+      <p:sp>
+        <p:nvSpPr>
+          <p:cNvPr id="21" name="Text Box 29">
+            <a:extLst>
+              <a:ext uri="{FF2B5EF4-FFF2-40B4-BE49-F238E27FC236}">
+                <a16:creationId xmlns:a16="http://schemas.microsoft.com/office/drawing/2014/main" id="{5AE07E00-1F18-EE67-B3EE-8D8764D0E953}"/>
+              </a:ext>
+            </a:extLst>
+          </p:cNvPr>
+          <p:cNvSpPr txBox="1">
+            <a:spLocks noChangeArrowheads="1"/>
+          </p:cNvSpPr>
+          <p:nvPr/>
+        </p:nvSpPr>
+        <p:spPr bwMode="auto">
+          <a:xfrm>
+            <a:off x="15902738" y="29181876"/>
+            <a:ext cx="8424863" cy="1079500"/>
+          </a:xfrm>
+          <a:prstGeom prst="snip2DiagRect">
+            <a:avLst/>
+          </a:prstGeom>
+          <a:noFill/>
+          <a:ln w="9525">
+            <a:noFill/>
+            <a:miter lim="800000"/>
+            <a:headEnd/>
+            <a:tailEnd/>
+          </a:ln>
+        </p:spPr>
+        <p:txBody>
+          <a:bodyPr lIns="91435" tIns="0" rIns="91435" bIns="0" anchor="ctr"/>
+          <a:lstStyle/>
+          <a:p>
+            <a:pPr defTabSz="4811437" fontAlgn="auto">
+              <a:spcBef>
+                <a:spcPct val="50000"/>
+              </a:spcBef>
+              <a:spcAft>
+                <a:spcPts val="0"/>
+              </a:spcAft>
+              <a:defRPr/>
+            </a:pPr>
+            <a:r>
+              <a:rPr lang="en-US" sz="5500" b="1" dirty="0"/>
+              <a:t>References</a:t>
+            </a:r>
+            <a:endParaRPr lang="en-US" sz="5500" b="1" dirty="0">
+              <a:latin typeface="+mn-lt"/>
+              <a:cs typeface="+mn-cs"/>
+            </a:endParaRPr>
+          </a:p>
+        </p:txBody>
+      </p:sp>
+      <p:sp>
+        <p:nvSpPr>
+          <p:cNvPr id="22" name="Text Box 29">
+            <a:extLst>
+              <a:ext uri="{FF2B5EF4-FFF2-40B4-BE49-F238E27FC236}">
+                <a16:creationId xmlns:a16="http://schemas.microsoft.com/office/drawing/2014/main" id="{6DBE3C1A-4538-DD7A-AA28-37390E74EC96}"/>
+              </a:ext>
+            </a:extLst>
+          </p:cNvPr>
+          <p:cNvSpPr txBox="1">
+            <a:spLocks noChangeArrowheads="1"/>
+          </p:cNvSpPr>
+          <p:nvPr/>
+        </p:nvSpPr>
+        <p:spPr bwMode="auto">
+          <a:xfrm>
+            <a:off x="1033425" y="22970936"/>
+            <a:ext cx="10608085" cy="1079500"/>
+          </a:xfrm>
+          <a:prstGeom prst="snip2DiagRect">
+            <a:avLst/>
+          </a:prstGeom>
+          <a:noFill/>
+          <a:ln w="9525">
+            <a:noFill/>
+            <a:miter lim="800000"/>
+            <a:headEnd/>
+            <a:tailEnd/>
+          </a:ln>
+        </p:spPr>
+        <p:txBody>
+          <a:bodyPr lIns="91435" tIns="0" rIns="91435" bIns="0" anchor="ctr"/>
+          <a:lstStyle/>
+          <a:p>
+            <a:pPr defTabSz="4811437" fontAlgn="auto">
+              <a:spcBef>
+                <a:spcPct val="50000"/>
+              </a:spcBef>
+              <a:spcAft>
+                <a:spcPts val="0"/>
+              </a:spcAft>
+              <a:defRPr/>
+            </a:pPr>
+            <a:r>
+              <a:rPr lang="en-US" sz="5500" b="1" dirty="0"/>
+              <a:t>Methodology</a:t>
+            </a:r>
+            <a:endParaRPr lang="en-US" sz="5500" b="1" dirty="0">
+              <a:latin typeface="+mn-lt"/>
+              <a:cs typeface="+mn-cs"/>
+            </a:endParaRPr>
+          </a:p>
+        </p:txBody>
+      </p:sp>
+      <p:sp>
+        <p:nvSpPr>
+          <p:cNvPr id="23" name="Rectângulo 19">
+            <a:extLst>
+              <a:ext uri="{FF2B5EF4-FFF2-40B4-BE49-F238E27FC236}">
+                <a16:creationId xmlns:a16="http://schemas.microsoft.com/office/drawing/2014/main" id="{8737A997-8210-EBEE-EB28-D3B88A3EEF4D}"/>
+              </a:ext>
+            </a:extLst>
+          </p:cNvPr>
+          <p:cNvSpPr/>
+          <p:nvPr/>
+        </p:nvSpPr>
+        <p:spPr>
+          <a:xfrm>
+            <a:off x="1239090" y="24044165"/>
+            <a:ext cx="1800000" cy="144000"/>
+          </a:xfrm>
+          <a:prstGeom prst="rect">
+            <a:avLst/>
+          </a:prstGeom>
+          <a:solidFill>
+            <a:srgbClr val="88CFBC"/>
+          </a:solidFill>
+          <a:ln>
+            <a:noFill/>
+          </a:ln>
+        </p:spPr>
+        <p:style>
+          <a:lnRef idx="2">
+            <a:schemeClr val="accent1">
+              <a:shade val="50000"/>
+            </a:schemeClr>
+          </a:lnRef>
+          <a:fillRef idx="1">
+            <a:schemeClr val="accent1"/>
+          </a:fillRef>
+          <a:effectRef idx="0">
+            <a:schemeClr val="accent1"/>
+          </a:effectRef>
+          <a:fontRef idx="minor">
+            <a:schemeClr val="lt1"/>
+          </a:fontRef>
+        </p:style>
+        <p:txBody>
+          <a:bodyPr rtlCol="0" anchor="ctr"/>
+          <a:lstStyle/>
+          <a:p>
+            <a:pPr algn="ctr"/>
+            <a:endParaRPr lang="pt-PT">
+              <a:solidFill>
+                <a:schemeClr val="tx1"/>
+              </a:solidFill>
+            </a:endParaRPr>
+          </a:p>
+        </p:txBody>
+      </p:sp>
+      <p:sp>
+        <p:nvSpPr>
+          <p:cNvPr id="24" name="TextBox 23">
+            <a:extLst>
+              <a:ext uri="{FF2B5EF4-FFF2-40B4-BE49-F238E27FC236}">
+                <a16:creationId xmlns:a16="http://schemas.microsoft.com/office/drawing/2014/main" id="{3422329F-4A56-52CE-4108-094E7B03742D}"/>
+              </a:ext>
+            </a:extLst>
+          </p:cNvPr>
+          <p:cNvSpPr txBox="1"/>
+          <p:nvPr/>
+        </p:nvSpPr>
+        <p:spPr>
+          <a:xfrm>
+            <a:off x="1033909" y="24494484"/>
+            <a:ext cx="13768361" cy="4524315"/>
+          </a:xfrm>
+          <a:prstGeom prst="rect">
+            <a:avLst/>
+          </a:prstGeom>
+          <a:noFill/>
+        </p:spPr>
+        <p:txBody>
+          <a:bodyPr wrap="square" rtlCol="0">
+            <a:spAutoFit/>
+          </a:bodyPr>
+          <a:lstStyle/>
+          <a:p>
+            <a:pPr algn="just"/>
+            <a:r>
+              <a:rPr lang="en-US" sz="3200" b="1" i="1" dirty="0">
+                <a:effectLst/>
+                <a:latin typeface="Arial" panose="020B0604020202020204" pitchFamily="34" charset="0"/>
+                <a:ea typeface="Cambria" panose="02040503050406030204" pitchFamily="18" charset="0"/>
+                <a:cs typeface="Arial" panose="020B0604020202020204" pitchFamily="34" charset="0"/>
+              </a:rPr>
+              <a:t>Monte Carlo Tree Search </a:t>
+            </a:r>
+            <a:r>
+              <a:rPr lang="en-US" sz="3200" i="1" dirty="0">
+                <a:effectLst/>
+                <a:latin typeface="Arial" panose="020B0604020202020204" pitchFamily="34" charset="0"/>
+                <a:ea typeface="Cambria" panose="02040503050406030204" pitchFamily="18" charset="0"/>
+                <a:cs typeface="Arial" panose="020B0604020202020204" pitchFamily="34" charset="0"/>
+              </a:rPr>
+              <a:t>(MCTS) chosen due to its effectiveness in games and optimization problems</a:t>
+            </a:r>
+            <a:r>
+              <a:rPr lang="en-US" sz="3200" i="1" dirty="0">
+                <a:latin typeface="Arial" panose="020B0604020202020204" pitchFamily="34" charset="0"/>
+                <a:ea typeface="Cambria" panose="02040503050406030204" pitchFamily="18" charset="0"/>
+                <a:cs typeface="Arial" panose="020B0604020202020204" pitchFamily="34" charset="0"/>
+              </a:rPr>
+              <a:t>, as well as </a:t>
+            </a:r>
+            <a:r>
+              <a:rPr lang="en-US" sz="3200" i="1" dirty="0">
+                <a:effectLst/>
+                <a:latin typeface="Arial" panose="020B0604020202020204" pitchFamily="34" charset="0"/>
+                <a:ea typeface="Cambria" panose="02040503050406030204" pitchFamily="18" charset="0"/>
+                <a:cs typeface="Arial" panose="020B0604020202020204" pitchFamily="34" charset="0"/>
+              </a:rPr>
+              <a:t>its ability to navigate large search spaces effectively (Figure 2). Although it has shown positive results in various areas, in the context of CB-CTT there are no studies that use MCTS. </a:t>
+            </a:r>
+          </a:p>
+          <a:p>
+            <a:pPr algn="just"/>
+            <a:endParaRPr lang="en-US" sz="1600" i="1" dirty="0">
+              <a:effectLst/>
+              <a:latin typeface="Arial" panose="020B0604020202020204" pitchFamily="34" charset="0"/>
+              <a:ea typeface="Cambria" panose="02040503050406030204" pitchFamily="18" charset="0"/>
+              <a:cs typeface="Arial" panose="020B0604020202020204" pitchFamily="34" charset="0"/>
+            </a:endParaRPr>
+          </a:p>
+          <a:p>
+            <a:pPr algn="just"/>
+            <a:r>
+              <a:rPr lang="en-US" sz="3200" b="1" i="1" dirty="0">
+                <a:effectLst/>
+                <a:latin typeface="Arial" panose="020B0604020202020204" pitchFamily="34" charset="0"/>
+                <a:ea typeface="Cambria" panose="02040503050406030204" pitchFamily="18" charset="0"/>
+                <a:cs typeface="Arial" panose="020B0604020202020204" pitchFamily="34" charset="0"/>
+              </a:rPr>
+              <a:t>Hill Climbing </a:t>
+            </a:r>
+            <a:r>
+              <a:rPr lang="en-US" sz="3200" i="1" dirty="0">
+                <a:effectLst/>
+                <a:latin typeface="Arial" panose="020B0604020202020204" pitchFamily="34" charset="0"/>
+                <a:ea typeface="Cambria" panose="02040503050406030204" pitchFamily="18" charset="0"/>
+                <a:cs typeface="Arial" panose="020B0604020202020204" pitchFamily="34" charset="0"/>
+              </a:rPr>
+              <a:t>(HC) used in simulation phase for local optimization.</a:t>
+            </a:r>
+          </a:p>
+          <a:p>
+            <a:pPr algn="just"/>
+            <a:endParaRPr lang="en-US" sz="1600" i="1" dirty="0">
+              <a:latin typeface="Arial" panose="020B0604020202020204" pitchFamily="34" charset="0"/>
+              <a:ea typeface="Cambria" panose="02040503050406030204" pitchFamily="18" charset="0"/>
+              <a:cs typeface="Arial" panose="020B0604020202020204" pitchFamily="34" charset="0"/>
+            </a:endParaRPr>
+          </a:p>
+          <a:p>
+            <a:pPr algn="just"/>
+            <a:r>
+              <a:rPr lang="en-US" sz="3200" i="1" dirty="0">
+                <a:effectLst/>
+                <a:latin typeface="Arial" panose="020B0604020202020204" pitchFamily="34" charset="0"/>
+                <a:ea typeface="Cambria" panose="02040503050406030204" pitchFamily="18" charset="0"/>
+                <a:cs typeface="Arial" panose="020B0604020202020204" pitchFamily="34" charset="0"/>
+              </a:rPr>
+              <a:t>To get an idea of how the algorithm is performing, the </a:t>
+            </a:r>
+            <a:r>
+              <a:rPr lang="en-US" sz="3200" b="1" i="1" dirty="0">
+                <a:effectLst/>
+                <a:latin typeface="Arial" panose="020B0604020202020204" pitchFamily="34" charset="0"/>
+                <a:ea typeface="Cambria" panose="02040503050406030204" pitchFamily="18" charset="0"/>
+                <a:cs typeface="Arial" panose="020B0604020202020204" pitchFamily="34" charset="0"/>
+              </a:rPr>
+              <a:t>benchmark datasets </a:t>
+            </a:r>
+            <a:r>
+              <a:rPr lang="en-US" sz="3200" i="1" dirty="0">
+                <a:effectLst/>
+                <a:latin typeface="Arial" panose="020B0604020202020204" pitchFamily="34" charset="0"/>
+                <a:ea typeface="Cambria" panose="02040503050406030204" pitchFamily="18" charset="0"/>
+                <a:cs typeface="Arial" panose="020B0604020202020204" pitchFamily="34" charset="0"/>
+              </a:rPr>
+              <a:t>from the </a:t>
+            </a:r>
+            <a:r>
+              <a:rPr lang="en-US" sz="3200" b="1" i="1" dirty="0">
+                <a:effectLst/>
+                <a:latin typeface="Arial" panose="020B0604020202020204" pitchFamily="34" charset="0"/>
+                <a:ea typeface="Cambria" panose="02040503050406030204" pitchFamily="18" charset="0"/>
+                <a:cs typeface="Arial" panose="020B0604020202020204" pitchFamily="34" charset="0"/>
+              </a:rPr>
+              <a:t>ITC-2007 track 3 </a:t>
+            </a:r>
+            <a:r>
+              <a:rPr lang="en-US" sz="3200" i="1" dirty="0">
+                <a:effectLst/>
+                <a:latin typeface="Arial" panose="020B0604020202020204" pitchFamily="34" charset="0"/>
+                <a:ea typeface="Cambria" panose="02040503050406030204" pitchFamily="18" charset="0"/>
+                <a:cs typeface="Arial" panose="020B0604020202020204" pitchFamily="34" charset="0"/>
+              </a:rPr>
+              <a:t>are being used.</a:t>
+            </a:r>
+            <a:endParaRPr lang="pt-PT" sz="3200" i="1" dirty="0">
+              <a:effectLst/>
+              <a:latin typeface="Arial" panose="020B0604020202020204" pitchFamily="34" charset="0"/>
+              <a:ea typeface="Cambria" panose="02040503050406030204" pitchFamily="18" charset="0"/>
+              <a:cs typeface="Arial" panose="020B0604020202020204" pitchFamily="34" charset="0"/>
+            </a:endParaRPr>
+          </a:p>
+        </p:txBody>
+      </p:sp>
+      <p:sp>
+        <p:nvSpPr>
+          <p:cNvPr id="25" name="Text Box 4">
+            <a:extLst>
+              <a:ext uri="{FF2B5EF4-FFF2-40B4-BE49-F238E27FC236}">
+                <a16:creationId xmlns:a16="http://schemas.microsoft.com/office/drawing/2014/main" id="{CABA5EA2-38EB-D01E-C0DA-8FE78C8D5BE2}"/>
+              </a:ext>
+            </a:extLst>
+          </p:cNvPr>
+          <p:cNvSpPr txBox="1">
+            <a:spLocks noChangeArrowheads="1"/>
+          </p:cNvSpPr>
+          <p:nvPr/>
+        </p:nvSpPr>
+        <p:spPr bwMode="auto">
+          <a:xfrm>
+            <a:off x="1033909" y="19585628"/>
+            <a:ext cx="14103698" cy="4164107"/>
+          </a:xfrm>
+          <a:prstGeom prst="rect">
+            <a:avLst/>
+          </a:prstGeom>
+          <a:noFill/>
+          <a:ln w="12700">
+            <a:noFill/>
+            <a:miter lim="800000"/>
+            <a:headEnd/>
+            <a:tailEnd/>
+          </a:ln>
+          <a:extLst>
+            <a:ext uri="{909E8E84-426E-40DD-AFC4-6F175D3DCCD1}">
+              <a14:hiddenFill xmlns:a14="http://schemas.microsoft.com/office/drawing/2010/main">
+                <a:solidFill>
+                  <a:srgbClr val="FFFFFF"/>
+                </a:solidFill>
+              </a14:hiddenFill>
+            </a:ext>
+          </a:extLst>
+        </p:spPr>
+        <p:txBody>
+          <a:bodyPr lIns="233986" tIns="45717" rIns="233986" bIns="45717"/>
+          <a:lstStyle>
+            <a:lvl1pPr defTabSz="912813" eaLnBrk="0" hangingPunct="0">
+              <a:defRPr sz="8100">
+                <a:solidFill>
+                  <a:schemeClr val="tx1"/>
+                </a:solidFill>
+                <a:latin typeface="Arial" panose="020B0604020202020204" pitchFamily="34" charset="0"/>
+                <a:cs typeface="Arial" panose="020B0604020202020204" pitchFamily="34" charset="0"/>
+              </a:defRPr>
+            </a:lvl1pPr>
+            <a:lvl2pPr marL="742950" indent="-285750" defTabSz="912813" eaLnBrk="0" hangingPunct="0">
+              <a:defRPr sz="8100">
+                <a:solidFill>
+                  <a:schemeClr val="tx1"/>
+                </a:solidFill>
+                <a:latin typeface="Arial" panose="020B0604020202020204" pitchFamily="34" charset="0"/>
+                <a:cs typeface="Arial" panose="020B0604020202020204" pitchFamily="34" charset="0"/>
+              </a:defRPr>
+            </a:lvl2pPr>
+            <a:lvl3pPr marL="1143000" indent="-228600" defTabSz="912813" eaLnBrk="0" hangingPunct="0">
+              <a:defRPr sz="8100">
+                <a:solidFill>
+                  <a:schemeClr val="tx1"/>
+                </a:solidFill>
+                <a:latin typeface="Arial" panose="020B0604020202020204" pitchFamily="34" charset="0"/>
+                <a:cs typeface="Arial" panose="020B0604020202020204" pitchFamily="34" charset="0"/>
+              </a:defRPr>
+            </a:lvl3pPr>
+            <a:lvl4pPr marL="1600200" indent="-228600" defTabSz="912813" eaLnBrk="0" hangingPunct="0">
+              <a:defRPr sz="8100">
+                <a:solidFill>
+                  <a:schemeClr val="tx1"/>
+                </a:solidFill>
+                <a:latin typeface="Arial" panose="020B0604020202020204" pitchFamily="34" charset="0"/>
+                <a:cs typeface="Arial" panose="020B0604020202020204" pitchFamily="34" charset="0"/>
+              </a:defRPr>
+            </a:lvl4pPr>
+            <a:lvl5pPr marL="2057400" indent="-228600" defTabSz="912813" eaLnBrk="0" hangingPunct="0">
+              <a:defRPr sz="8100">
+                <a:solidFill>
+                  <a:schemeClr val="tx1"/>
+                </a:solidFill>
+                <a:latin typeface="Arial" panose="020B0604020202020204" pitchFamily="34" charset="0"/>
+                <a:cs typeface="Arial" panose="020B0604020202020204" pitchFamily="34" charset="0"/>
+              </a:defRPr>
+            </a:lvl5pPr>
+            <a:lvl6pPr marL="2514600" indent="-228600" defTabSz="912813" eaLnBrk="0" fontAlgn="base" hangingPunct="0">
+              <a:spcBef>
+                <a:spcPct val="0"/>
+              </a:spcBef>
+              <a:spcAft>
+                <a:spcPct val="0"/>
+              </a:spcAft>
+              <a:defRPr sz="8100">
+                <a:solidFill>
+                  <a:schemeClr val="tx1"/>
+                </a:solidFill>
+                <a:latin typeface="Arial" panose="020B0604020202020204" pitchFamily="34" charset="0"/>
+                <a:cs typeface="Arial" panose="020B0604020202020204" pitchFamily="34" charset="0"/>
+              </a:defRPr>
+            </a:lvl6pPr>
+            <a:lvl7pPr marL="2971800" indent="-228600" defTabSz="912813" eaLnBrk="0" fontAlgn="base" hangingPunct="0">
+              <a:spcBef>
+                <a:spcPct val="0"/>
+              </a:spcBef>
+              <a:spcAft>
+                <a:spcPct val="0"/>
+              </a:spcAft>
+              <a:defRPr sz="8100">
+                <a:solidFill>
+                  <a:schemeClr val="tx1"/>
+                </a:solidFill>
+                <a:latin typeface="Arial" panose="020B0604020202020204" pitchFamily="34" charset="0"/>
+                <a:cs typeface="Arial" panose="020B0604020202020204" pitchFamily="34" charset="0"/>
+              </a:defRPr>
+            </a:lvl7pPr>
+            <a:lvl8pPr marL="3429000" indent="-228600" defTabSz="912813" eaLnBrk="0" fontAlgn="base" hangingPunct="0">
+              <a:spcBef>
+                <a:spcPct val="0"/>
+              </a:spcBef>
+              <a:spcAft>
+                <a:spcPct val="0"/>
+              </a:spcAft>
+              <a:defRPr sz="8100">
+                <a:solidFill>
+                  <a:schemeClr val="tx1"/>
+                </a:solidFill>
+                <a:latin typeface="Arial" panose="020B0604020202020204" pitchFamily="34" charset="0"/>
+                <a:cs typeface="Arial" panose="020B0604020202020204" pitchFamily="34" charset="0"/>
+              </a:defRPr>
+            </a:lvl8pPr>
+            <a:lvl9pPr marL="3886200" indent="-228600" defTabSz="912813" eaLnBrk="0" fontAlgn="base" hangingPunct="0">
+              <a:spcBef>
+                <a:spcPct val="0"/>
+              </a:spcBef>
+              <a:spcAft>
+                <a:spcPct val="0"/>
+              </a:spcAft>
+              <a:defRPr sz="8100">
+                <a:solidFill>
+                  <a:schemeClr val="tx1"/>
+                </a:solidFill>
+                <a:latin typeface="Arial" panose="020B0604020202020204" pitchFamily="34" charset="0"/>
+                <a:cs typeface="Arial" panose="020B0604020202020204" pitchFamily="34" charset="0"/>
+              </a:defRPr>
+            </a:lvl9pPr>
+          </a:lstStyle>
+          <a:p>
+            <a:pPr marL="457200" indent="-457200" algn="just">
+              <a:buFont typeface="Wingdings" panose="05000000000000000000" pitchFamily="2" charset="2"/>
+              <a:buChar char="Ø"/>
+            </a:pPr>
+            <a:r>
+              <a:rPr lang="en-US" altLang="en-US" sz="3200" i="1" dirty="0"/>
+              <a:t>Enhance the </a:t>
+            </a:r>
+            <a:r>
+              <a:rPr lang="en-US" altLang="en-US" sz="3200" b="1" i="1" dirty="0"/>
+              <a:t>efficiency</a:t>
+            </a:r>
+            <a:r>
+              <a:rPr lang="en-US" altLang="en-US" sz="3200" i="1" dirty="0"/>
+              <a:t> and </a:t>
+            </a:r>
+            <a:r>
+              <a:rPr lang="en-US" altLang="en-US" sz="3200" b="1" i="1" dirty="0"/>
+              <a:t>quality</a:t>
+            </a:r>
+            <a:r>
+              <a:rPr lang="en-US" altLang="en-US" sz="3200" i="1" dirty="0"/>
+              <a:t> of FCUP's timetabling.</a:t>
+            </a:r>
+          </a:p>
+          <a:p>
+            <a:pPr marL="457200" indent="-457200" algn="just">
+              <a:buFont typeface="Wingdings" panose="05000000000000000000" pitchFamily="2" charset="2"/>
+              <a:buChar char="Ø"/>
+            </a:pPr>
+            <a:endParaRPr lang="en-US" altLang="en-US" sz="1600" i="1" dirty="0"/>
+          </a:p>
+          <a:p>
+            <a:pPr marL="457200" indent="-457200" algn="just">
+              <a:buFont typeface="Wingdings" panose="05000000000000000000" pitchFamily="2" charset="2"/>
+              <a:buChar char="Ø"/>
+            </a:pPr>
+            <a:r>
+              <a:rPr lang="en-US" altLang="en-US" sz="3200" i="1" dirty="0"/>
+              <a:t>Provide step-by-step interactive </a:t>
+            </a:r>
+            <a:r>
+              <a:rPr lang="en-US" altLang="en-US" sz="3200" b="1" i="1" dirty="0"/>
+              <a:t>recommendations</a:t>
+            </a:r>
+            <a:r>
+              <a:rPr lang="en-US" altLang="en-US" sz="3200" i="1" dirty="0"/>
+              <a:t>.</a:t>
+            </a:r>
+          </a:p>
+          <a:p>
+            <a:pPr marL="457200" indent="-457200" algn="just">
+              <a:buFont typeface="Wingdings" panose="05000000000000000000" pitchFamily="2" charset="2"/>
+              <a:buChar char="Ø"/>
+            </a:pPr>
+            <a:endParaRPr lang="en-US" altLang="en-US" sz="1600" i="1" dirty="0"/>
+          </a:p>
+          <a:p>
+            <a:pPr marL="457200" indent="-457200" algn="just">
+              <a:buFont typeface="Wingdings" panose="05000000000000000000" pitchFamily="2" charset="2"/>
+              <a:buChar char="Ø"/>
+            </a:pPr>
+            <a:r>
+              <a:rPr lang="en-US" altLang="en-US" sz="3200" i="1" dirty="0"/>
+              <a:t>Detect potential </a:t>
+            </a:r>
+            <a:r>
+              <a:rPr lang="en-US" altLang="en-US" sz="3200" b="1" i="1" dirty="0"/>
+              <a:t>conflicts</a:t>
+            </a:r>
+            <a:r>
+              <a:rPr lang="en-US" altLang="en-US" sz="3200" i="1" dirty="0"/>
+              <a:t>. </a:t>
+            </a:r>
+          </a:p>
+          <a:p>
+            <a:pPr marL="457200" indent="-457200" algn="just">
+              <a:buFont typeface="Wingdings" panose="05000000000000000000" pitchFamily="2" charset="2"/>
+              <a:buChar char="Ø"/>
+            </a:pPr>
+            <a:endParaRPr lang="en-US" altLang="en-US" sz="1600" i="1" dirty="0"/>
+          </a:p>
+          <a:p>
+            <a:pPr marL="457200" indent="-457200" algn="just">
+              <a:buFont typeface="Wingdings" panose="05000000000000000000" pitchFamily="2" charset="2"/>
+              <a:buChar char="Ø"/>
+            </a:pPr>
+            <a:r>
+              <a:rPr lang="en-US" altLang="en-US" sz="3200" i="1" dirty="0"/>
+              <a:t>Integrate these functionalities into a timetable visualization </a:t>
+            </a:r>
+            <a:r>
+              <a:rPr lang="en-US" altLang="en-US" sz="3200" b="1" i="1" dirty="0"/>
+              <a:t>interface</a:t>
+            </a:r>
+            <a:r>
+              <a:rPr lang="en-US" altLang="en-US" sz="3200" i="1" dirty="0"/>
+              <a:t> that was previously developed using reactive programming.</a:t>
+            </a:r>
+          </a:p>
+          <a:p>
+            <a:pPr algn="just" eaLnBrk="1" hangingPunct="1"/>
+            <a:endParaRPr lang="pt-PT" sz="3200" i="1" dirty="0"/>
+          </a:p>
+        </p:txBody>
+      </p:sp>
+      <p:sp>
+        <p:nvSpPr>
+          <p:cNvPr id="26" name="Text Box 29">
+            <a:extLst>
+              <a:ext uri="{FF2B5EF4-FFF2-40B4-BE49-F238E27FC236}">
+                <a16:creationId xmlns:a16="http://schemas.microsoft.com/office/drawing/2014/main" id="{5DD9E5CB-91F8-3290-5708-A4042C80613A}"/>
+              </a:ext>
+            </a:extLst>
+          </p:cNvPr>
+          <p:cNvSpPr txBox="1">
+            <a:spLocks noChangeArrowheads="1"/>
+          </p:cNvSpPr>
+          <p:nvPr/>
+        </p:nvSpPr>
+        <p:spPr bwMode="auto">
+          <a:xfrm>
+            <a:off x="15903699" y="23124230"/>
+            <a:ext cx="8424863" cy="1079500"/>
+          </a:xfrm>
+          <a:prstGeom prst="snip2DiagRect">
+            <a:avLst/>
+          </a:prstGeom>
+          <a:noFill/>
+          <a:ln w="9525">
+            <a:noFill/>
+            <a:miter lim="800000"/>
+            <a:headEnd/>
+            <a:tailEnd/>
+          </a:ln>
+        </p:spPr>
+        <p:txBody>
+          <a:bodyPr lIns="91435" tIns="0" rIns="91435" bIns="0" anchor="ctr"/>
+          <a:lstStyle/>
+          <a:p>
+            <a:pPr defTabSz="4811437" fontAlgn="auto">
+              <a:spcBef>
+                <a:spcPct val="50000"/>
+              </a:spcBef>
+              <a:spcAft>
+                <a:spcPts val="0"/>
+              </a:spcAft>
+              <a:defRPr/>
+            </a:pPr>
+            <a:r>
+              <a:rPr lang="en-US" sz="5500" b="1" dirty="0"/>
+              <a:t>Conclusion</a:t>
+            </a:r>
+            <a:endParaRPr lang="en-US" sz="5500" b="1" dirty="0">
+              <a:latin typeface="+mn-lt"/>
+              <a:cs typeface="+mn-cs"/>
+            </a:endParaRPr>
+          </a:p>
+        </p:txBody>
+      </p:sp>
+      <p:sp>
+        <p:nvSpPr>
+          <p:cNvPr id="27" name="Rectângulo 19">
+            <a:extLst>
+              <a:ext uri="{FF2B5EF4-FFF2-40B4-BE49-F238E27FC236}">
+                <a16:creationId xmlns:a16="http://schemas.microsoft.com/office/drawing/2014/main" id="{56ADBD2C-0D75-2148-3A25-17599A8AA24F}"/>
+              </a:ext>
+            </a:extLst>
+          </p:cNvPr>
+          <p:cNvSpPr/>
+          <p:nvPr/>
+        </p:nvSpPr>
+        <p:spPr>
+          <a:xfrm>
+            <a:off x="16126584" y="24197459"/>
+            <a:ext cx="1800000" cy="144000"/>
+          </a:xfrm>
+          <a:prstGeom prst="rect">
+            <a:avLst/>
+          </a:prstGeom>
+          <a:solidFill>
+            <a:srgbClr val="88CFBC"/>
+          </a:solidFill>
+          <a:ln>
+            <a:noFill/>
+          </a:ln>
+        </p:spPr>
+        <p:style>
+          <a:lnRef idx="2">
+            <a:schemeClr val="accent1">
+              <a:shade val="50000"/>
+            </a:schemeClr>
+          </a:lnRef>
+          <a:fillRef idx="1">
+            <a:schemeClr val="accent1"/>
+          </a:fillRef>
+          <a:effectRef idx="0">
+            <a:schemeClr val="accent1"/>
+          </a:effectRef>
+          <a:fontRef idx="minor">
+            <a:schemeClr val="lt1"/>
+          </a:fontRef>
+        </p:style>
+        <p:txBody>
+          <a:bodyPr rtlCol="0" anchor="ctr"/>
+          <a:lstStyle/>
+          <a:p>
+            <a:pPr algn="ctr"/>
+            <a:endParaRPr lang="pt-PT"/>
+          </a:p>
+        </p:txBody>
+      </p:sp>
+      <p:sp>
+        <p:nvSpPr>
+          <p:cNvPr id="28" name="TextBox 1">
+            <a:extLst>
+              <a:ext uri="{FF2B5EF4-FFF2-40B4-BE49-F238E27FC236}">
+                <a16:creationId xmlns:a16="http://schemas.microsoft.com/office/drawing/2014/main" id="{F63F5D0A-9157-922E-0728-9F1BC8A7B9F9}"/>
+              </a:ext>
+            </a:extLst>
+          </p:cNvPr>
+          <p:cNvSpPr txBox="1"/>
+          <p:nvPr/>
+        </p:nvSpPr>
+        <p:spPr>
+          <a:xfrm>
+            <a:off x="15989424" y="24780496"/>
+            <a:ext cx="13173749" cy="4278094"/>
+          </a:xfrm>
+          <a:prstGeom prst="rect">
+            <a:avLst/>
+          </a:prstGeom>
+          <a:noFill/>
+        </p:spPr>
+        <p:txBody>
+          <a:bodyPr wrap="square" rtlCol="0">
+            <a:spAutoFit/>
+          </a:bodyPr>
+          <a:lstStyle/>
+          <a:p>
+            <a:pPr algn="just"/>
+            <a:r>
+              <a:rPr lang="en-US" sz="3200" i="1" dirty="0">
+                <a:effectLst/>
+                <a:latin typeface="Arial" panose="020B0604020202020204" pitchFamily="34" charset="0"/>
+                <a:ea typeface="Cambria" panose="02040503050406030204" pitchFamily="18" charset="0"/>
+                <a:cs typeface="Arial" panose="020B0604020202020204" pitchFamily="34" charset="0"/>
+              </a:rPr>
+              <a:t>The proposed system presents a </a:t>
+            </a:r>
+            <a:r>
+              <a:rPr lang="en-US" sz="3200" b="1" i="1" dirty="0">
+                <a:effectLst/>
+                <a:latin typeface="Arial" panose="020B0604020202020204" pitchFamily="34" charset="0"/>
+                <a:ea typeface="Cambria" panose="02040503050406030204" pitchFamily="18" charset="0"/>
+                <a:cs typeface="Arial" panose="020B0604020202020204" pitchFamily="34" charset="0"/>
+              </a:rPr>
+              <a:t>novel</a:t>
+            </a:r>
+            <a:r>
+              <a:rPr lang="en-US" sz="3200" i="1" dirty="0">
+                <a:effectLst/>
+                <a:latin typeface="Arial" panose="020B0604020202020204" pitchFamily="34" charset="0"/>
+                <a:ea typeface="Cambria" panose="02040503050406030204" pitchFamily="18" charset="0"/>
+                <a:cs typeface="Arial" panose="020B0604020202020204" pitchFamily="34" charset="0"/>
+              </a:rPr>
+              <a:t> application of MCTS to UCTTP, combined with HC for local improvements. By leveraging interactive recommendations and conflict detection, the tool provides a more effective and adaptive scheduling process for FCUP and can be extended to other institutions and help in other studies. </a:t>
+            </a:r>
+          </a:p>
+          <a:p>
+            <a:pPr algn="just"/>
+            <a:endParaRPr lang="en-US" sz="1600" i="1" dirty="0">
+              <a:latin typeface="Arial" panose="020B0604020202020204" pitchFamily="34" charset="0"/>
+              <a:ea typeface="Cambria" panose="02040503050406030204" pitchFamily="18" charset="0"/>
+              <a:cs typeface="Arial" panose="020B0604020202020204" pitchFamily="34" charset="0"/>
+            </a:endParaRPr>
+          </a:p>
+          <a:p>
+            <a:pPr algn="just"/>
+            <a:r>
+              <a:rPr lang="en-US" sz="3200" i="1" dirty="0">
+                <a:effectLst/>
+                <a:latin typeface="Arial" panose="020B0604020202020204" pitchFamily="34" charset="0"/>
+                <a:ea typeface="Cambria" panose="02040503050406030204" pitchFamily="18" charset="0"/>
+                <a:cs typeface="Arial" panose="020B0604020202020204" pitchFamily="34" charset="0"/>
+              </a:rPr>
+              <a:t>Future work will focus on </a:t>
+            </a:r>
+            <a:r>
+              <a:rPr lang="en-US" sz="3200" b="1" i="1" dirty="0">
+                <a:effectLst/>
+                <a:latin typeface="Arial" panose="020B0604020202020204" pitchFamily="34" charset="0"/>
+                <a:ea typeface="Cambria" panose="02040503050406030204" pitchFamily="18" charset="0"/>
+                <a:cs typeface="Arial" panose="020B0604020202020204" pitchFamily="34" charset="0"/>
+              </a:rPr>
+              <a:t>refining the heuristic functions</a:t>
+            </a:r>
+            <a:r>
+              <a:rPr lang="en-US" sz="3200" i="1" dirty="0">
+                <a:latin typeface="Arial" panose="020B0604020202020204" pitchFamily="34" charset="0"/>
+                <a:ea typeface="Cambria" panose="02040503050406030204" pitchFamily="18" charset="0"/>
+                <a:cs typeface="Arial" panose="020B0604020202020204" pitchFamily="34" charset="0"/>
+              </a:rPr>
+              <a:t> and</a:t>
+            </a:r>
+            <a:r>
+              <a:rPr lang="en-US" sz="3200" i="1" dirty="0">
+                <a:effectLst/>
+                <a:latin typeface="Arial" panose="020B0604020202020204" pitchFamily="34" charset="0"/>
+                <a:ea typeface="Cambria" panose="02040503050406030204" pitchFamily="18" charset="0"/>
+                <a:cs typeface="Arial" panose="020B0604020202020204" pitchFamily="34" charset="0"/>
+              </a:rPr>
+              <a:t> </a:t>
+            </a:r>
+            <a:r>
+              <a:rPr lang="en-US" sz="3200" b="1" i="1" dirty="0">
+                <a:effectLst/>
+                <a:latin typeface="Arial" panose="020B0604020202020204" pitchFamily="34" charset="0"/>
+                <a:ea typeface="Cambria" panose="02040503050406030204" pitchFamily="18" charset="0"/>
+                <a:cs typeface="Arial" panose="020B0604020202020204" pitchFamily="34" charset="0"/>
+              </a:rPr>
+              <a:t>improving computational performance</a:t>
+            </a:r>
+            <a:r>
+              <a:rPr lang="en-US" sz="3200" i="1" dirty="0">
+                <a:effectLst/>
+                <a:latin typeface="Arial" panose="020B0604020202020204" pitchFamily="34" charset="0"/>
+                <a:ea typeface="Cambria" panose="02040503050406030204" pitchFamily="18" charset="0"/>
+                <a:cs typeface="Arial" panose="020B0604020202020204" pitchFamily="34" charset="0"/>
+              </a:rPr>
+              <a:t>.</a:t>
+            </a:r>
+            <a:endParaRPr lang="pt-PT" sz="3200" i="1" dirty="0">
+              <a:effectLst/>
+              <a:latin typeface="Arial" panose="020B0604020202020204" pitchFamily="34" charset="0"/>
+              <a:ea typeface="Cambria" panose="02040503050406030204" pitchFamily="18" charset="0"/>
+              <a:cs typeface="Arial" panose="020B0604020202020204" pitchFamily="34" charset="0"/>
+            </a:endParaRPr>
+          </a:p>
+          <a:p>
+            <a:pPr algn="just"/>
+            <a:endParaRPr lang="pt-PT" sz="3200" i="1" dirty="0">
+              <a:latin typeface="Arial" panose="020B0604020202020204" pitchFamily="34" charset="0"/>
+              <a:cs typeface="Arial" panose="020B0604020202020204" pitchFamily="34" charset="0"/>
+            </a:endParaRPr>
+          </a:p>
+        </p:txBody>
+      </p:sp>
+      <p:sp>
+        <p:nvSpPr>
+          <p:cNvPr id="29" name="TextBox 1">
+            <a:extLst>
+              <a:ext uri="{FF2B5EF4-FFF2-40B4-BE49-F238E27FC236}">
+                <a16:creationId xmlns:a16="http://schemas.microsoft.com/office/drawing/2014/main" id="{A60728CF-150A-7ED0-7D49-5655CD6E586C}"/>
+              </a:ext>
+            </a:extLst>
+          </p:cNvPr>
+          <p:cNvSpPr txBox="1"/>
+          <p:nvPr/>
+        </p:nvSpPr>
+        <p:spPr>
+          <a:xfrm>
+            <a:off x="15902738" y="5265254"/>
+            <a:ext cx="13299664" cy="3046988"/>
+          </a:xfrm>
+          <a:prstGeom prst="rect">
+            <a:avLst/>
+          </a:prstGeom>
+          <a:noFill/>
+        </p:spPr>
+        <p:txBody>
+          <a:bodyPr wrap="square" rtlCol="0">
+            <a:spAutoFit/>
+          </a:bodyPr>
+          <a:lstStyle/>
+          <a:p>
+            <a:pPr algn="just"/>
+            <a:r>
+              <a:rPr lang="en-US" sz="3200" i="1" dirty="0">
+                <a:latin typeface="Arial" panose="020B0604020202020204" pitchFamily="34" charset="0"/>
+                <a:cs typeface="Arial" panose="020B0604020202020204" pitchFamily="34" charset="0"/>
+              </a:rPr>
+              <a:t>Tested </a:t>
+            </a:r>
+            <a:r>
+              <a:rPr lang="en-US" sz="3200" b="1" i="1" dirty="0">
+                <a:latin typeface="Arial" panose="020B0604020202020204" pitchFamily="34" charset="0"/>
+                <a:cs typeface="Arial" panose="020B0604020202020204" pitchFamily="34" charset="0"/>
+              </a:rPr>
+              <a:t>C</a:t>
+            </a:r>
+            <a:r>
+              <a:rPr lang="en-US" sz="3200" i="1" dirty="0">
+                <a:latin typeface="Arial" panose="020B0604020202020204" pitchFamily="34" charset="0"/>
+                <a:cs typeface="Arial" panose="020B0604020202020204" pitchFamily="34" charset="0"/>
+              </a:rPr>
+              <a:t> values (0.1 to 1000) in the </a:t>
+            </a:r>
+            <a:r>
+              <a:rPr lang="en-US" sz="3200" b="1" i="1" dirty="0">
+                <a:latin typeface="Arial" panose="020B0604020202020204" pitchFamily="34" charset="0"/>
+                <a:cs typeface="Arial" panose="020B0604020202020204" pitchFamily="34" charset="0"/>
+              </a:rPr>
+              <a:t>UCT formula</a:t>
+            </a:r>
+            <a:r>
+              <a:rPr lang="en-US" sz="3200" i="1" dirty="0">
+                <a:latin typeface="Arial" panose="020B0604020202020204" pitchFamily="34" charset="0"/>
+                <a:cs typeface="Arial" panose="020B0604020202020204" pitchFamily="34" charset="0"/>
+              </a:rPr>
+              <a:t> and in a </a:t>
+            </a:r>
+            <a:r>
+              <a:rPr lang="en-US" sz="3200" b="1" i="1" dirty="0">
+                <a:latin typeface="Arial" panose="020B0604020202020204" pitchFamily="34" charset="0"/>
+                <a:cs typeface="Arial" panose="020B0604020202020204" pitchFamily="34" charset="0"/>
+              </a:rPr>
+              <a:t>modified version </a:t>
+            </a:r>
+            <a:r>
+              <a:rPr lang="en-US" sz="3200" i="1" dirty="0">
+                <a:latin typeface="Arial" panose="020B0604020202020204" pitchFamily="34" charset="0"/>
+                <a:cs typeface="Arial" panose="020B0604020202020204" pitchFamily="34" charset="0"/>
+              </a:rPr>
+              <a:t>incorporating accumulated rewards for exploitation.</a:t>
+            </a:r>
+          </a:p>
+          <a:p>
+            <a:pPr algn="just"/>
+            <a:endParaRPr lang="en-US" sz="1600" i="1" dirty="0">
+              <a:latin typeface="Arial" panose="020B0604020202020204" pitchFamily="34" charset="0"/>
+              <a:cs typeface="Arial" panose="020B0604020202020204" pitchFamily="34" charset="0"/>
+            </a:endParaRPr>
+          </a:p>
+          <a:p>
+            <a:pPr algn="just"/>
+            <a:r>
+              <a:rPr lang="en-US" sz="3200" i="1" dirty="0">
+                <a:latin typeface="Arial" panose="020B0604020202020204" pitchFamily="34" charset="0"/>
+                <a:cs typeface="Arial" panose="020B0604020202020204" pitchFamily="34" charset="0"/>
+              </a:rPr>
+              <a:t>So far, all the executed tests have found </a:t>
+            </a:r>
+            <a:r>
+              <a:rPr lang="en-US" sz="3200" b="1" i="1" dirty="0">
+                <a:latin typeface="Arial" panose="020B0604020202020204" pitchFamily="34" charset="0"/>
+                <a:cs typeface="Arial" panose="020B0604020202020204" pitchFamily="34" charset="0"/>
+              </a:rPr>
+              <a:t>feasible solutions</a:t>
+            </a:r>
+            <a:r>
+              <a:rPr lang="en-US" sz="3200" i="1" dirty="0">
+                <a:latin typeface="Arial" panose="020B0604020202020204" pitchFamily="34" charset="0"/>
+                <a:cs typeface="Arial" panose="020B0604020202020204" pitchFamily="34" charset="0"/>
+              </a:rPr>
+              <a:t>. </a:t>
+            </a:r>
+            <a:endParaRPr lang="pt-PT" sz="3200" i="1" dirty="0">
+              <a:solidFill>
+                <a:schemeClr val="tx1"/>
+              </a:solidFill>
+              <a:latin typeface="Arial" panose="020B0604020202020204" pitchFamily="34" charset="0"/>
+              <a:cs typeface="Arial" panose="020B0604020202020204" pitchFamily="34" charset="0"/>
+            </a:endParaRPr>
+          </a:p>
+          <a:p>
+            <a:pPr algn="just"/>
+            <a:endParaRPr lang="en-US" sz="1600" i="1" dirty="0">
+              <a:latin typeface="Arial" panose="020B0604020202020204" pitchFamily="34" charset="0"/>
+              <a:cs typeface="Arial" panose="020B0604020202020204" pitchFamily="34" charset="0"/>
+            </a:endParaRPr>
+          </a:p>
+          <a:p>
+            <a:pPr algn="just"/>
+            <a:r>
+              <a:rPr lang="en-US" sz="3200" i="1" dirty="0">
+                <a:latin typeface="Arial" panose="020B0604020202020204" pitchFamily="34" charset="0"/>
+                <a:cs typeface="Arial" panose="020B0604020202020204" pitchFamily="34" charset="0"/>
+              </a:rPr>
+              <a:t>C = 100 in the alternative UCT formula yielded the best results in most instances (Figure 2) but remains less competitive than top solutions.</a:t>
+            </a:r>
+          </a:p>
+        </p:txBody>
+      </p:sp>
+      <p:sp>
+        <p:nvSpPr>
+          <p:cNvPr id="30" name="TextBox 1">
+            <a:extLst>
+              <a:ext uri="{FF2B5EF4-FFF2-40B4-BE49-F238E27FC236}">
+                <a16:creationId xmlns:a16="http://schemas.microsoft.com/office/drawing/2014/main" id="{1ADD60CB-9071-2684-4959-5D89C6CE439B}"/>
+              </a:ext>
+            </a:extLst>
+          </p:cNvPr>
+          <p:cNvSpPr txBox="1"/>
+          <p:nvPr/>
+        </p:nvSpPr>
+        <p:spPr>
+          <a:xfrm>
+            <a:off x="15959596" y="30707578"/>
+            <a:ext cx="13203577" cy="8279190"/>
+          </a:xfrm>
+          <a:prstGeom prst="rect">
+            <a:avLst/>
+          </a:prstGeom>
+          <a:noFill/>
+        </p:spPr>
+        <p:txBody>
+          <a:bodyPr wrap="square" rtlCol="0">
+            <a:spAutoFit/>
+          </a:bodyPr>
+          <a:lstStyle/>
+          <a:p>
+            <a:pPr marL="0" indent="0"/>
+            <a:r>
+              <a:rPr lang="en-US" altLang="en-US" sz="2800" dirty="0">
+                <a:solidFill>
+                  <a:schemeClr val="tx1"/>
+                </a:solidFill>
+                <a:latin typeface="Arial Narrow" panose="020B0606020202030204" pitchFamily="34" charset="0"/>
+              </a:rPr>
+              <a:t>[1] </a:t>
+            </a:r>
+            <a:r>
+              <a:rPr lang="en-US" sz="2800" dirty="0">
+                <a:effectLst/>
+                <a:latin typeface="Arial Narrow" panose="020B0606020202030204" pitchFamily="34" charset="0"/>
+                <a:ea typeface="Cambria" panose="02040503050406030204" pitchFamily="18" charset="0"/>
+              </a:rPr>
+              <a:t>International Timetabling Competition --- eeecs.qub.ac.uk. </a:t>
+            </a:r>
+            <a:r>
+              <a:rPr lang="en-US" sz="2800" u="sng" dirty="0">
+                <a:effectLst/>
+                <a:latin typeface="Arial Narrow" panose="020B0606020202030204" pitchFamily="34" charset="0"/>
+                <a:ea typeface="Cambria" panose="02040503050406030204" pitchFamily="18" charset="0"/>
+                <a:cs typeface="Times New Roman" panose="02020603050405020304" pitchFamily="18" charset="0"/>
+                <a:hlinkClick r:id="rId2">
+                  <a:extLst>
+                    <a:ext uri="{A12FA001-AC4F-418D-AE19-62706E023703}">
+                      <ahyp:hlinkClr xmlns:ahyp="http://schemas.microsoft.com/office/drawing/2018/hyperlinkcolor" val="tx"/>
+                    </a:ext>
+                  </a:extLst>
+                </a:hlinkClick>
+              </a:rPr>
+              <a:t>https://www.eeecs.qub.ac.uk/itc2007/Login/SecretPage.php</a:t>
+            </a:r>
+            <a:endParaRPr lang="en-US" altLang="en-US" sz="2800" dirty="0">
+              <a:latin typeface="Arial Narrow" panose="020B0606020202030204" pitchFamily="34" charset="0"/>
+            </a:endParaRPr>
+          </a:p>
+          <a:p>
+            <a:pPr marL="0" indent="0"/>
+            <a:r>
+              <a:rPr lang="en-US" altLang="en-US" sz="2800">
+                <a:solidFill>
+                  <a:schemeClr val="tx1"/>
+                </a:solidFill>
+                <a:latin typeface="Arial Narrow" panose="020B0606020202030204" pitchFamily="34" charset="0"/>
+              </a:rPr>
+              <a:t>[2] R</a:t>
+            </a:r>
+            <a:r>
+              <a:rPr lang="en-US" altLang="en-US" sz="2800" dirty="0">
+                <a:solidFill>
+                  <a:schemeClr val="tx1"/>
+                </a:solidFill>
+                <a:latin typeface="Arial Narrow" panose="020B0606020202030204" pitchFamily="34" charset="0"/>
+              </a:rPr>
+              <a:t>. Lewis, “A survey of metaheuristic-based techniques for university timetabling problems,” OR Spectrum, vol. 30, no. 1, pp. 167–190, Jan. 2008.  Available: 	</a:t>
+            </a:r>
+            <a:r>
+              <a:rPr lang="en-US" altLang="en-US" sz="2800" dirty="0">
+                <a:solidFill>
+                  <a:schemeClr val="tx1"/>
+                </a:solidFill>
+                <a:latin typeface="Arial Narrow" panose="020B0606020202030204" pitchFamily="34" charset="0"/>
+                <a:hlinkClick r:id="rId3">
+                  <a:extLst>
+                    <a:ext uri="{A12FA001-AC4F-418D-AE19-62706E023703}">
+                      <ahyp:hlinkClr xmlns:ahyp="http://schemas.microsoft.com/office/drawing/2018/hyperlinkcolor" val="tx"/>
+                    </a:ext>
+                  </a:extLst>
+                </a:hlinkClick>
+              </a:rPr>
+              <a:t>https://doi.org/10.1007/s00291-007-0097-0</a:t>
+            </a:r>
+            <a:endParaRPr lang="en-US" altLang="en-US" sz="2800" dirty="0">
+              <a:solidFill>
+                <a:schemeClr val="tx1"/>
+              </a:solidFill>
+              <a:latin typeface="Arial Narrow" panose="020B0606020202030204" pitchFamily="34" charset="0"/>
+            </a:endParaRPr>
+          </a:p>
+          <a:p>
+            <a:pPr marL="0" indent="0"/>
+            <a:r>
+              <a:rPr lang="en-US" altLang="en-US" sz="2800" dirty="0">
+                <a:solidFill>
+                  <a:schemeClr val="tx1"/>
+                </a:solidFill>
+                <a:latin typeface="Arial Narrow" panose="020B0606020202030204" pitchFamily="34" charset="0"/>
+              </a:rPr>
+              <a:t>[2] S. </a:t>
+            </a:r>
+            <a:r>
+              <a:rPr lang="en-US" altLang="en-US" sz="2800" dirty="0" err="1">
+                <a:solidFill>
+                  <a:schemeClr val="tx1"/>
+                </a:solidFill>
+                <a:latin typeface="Arial Narrow" panose="020B0606020202030204" pitchFamily="34" charset="0"/>
+              </a:rPr>
+              <a:t>Abdipoor</a:t>
+            </a:r>
+            <a:r>
+              <a:rPr lang="en-US" altLang="en-US" sz="2800" dirty="0">
+                <a:solidFill>
+                  <a:schemeClr val="tx1"/>
+                </a:solidFill>
+                <a:latin typeface="Arial Narrow" panose="020B0606020202030204" pitchFamily="34" charset="0"/>
+              </a:rPr>
+              <a:t>, R. Yaakob, S. L. Goh, and S. Abdullah, “Meta-heuristic approaches for the university course timetabling problem,” Intelligent Systems with Applications, vol. 19, p. 200253, Sep. 2023. Available: </a:t>
+            </a:r>
+            <a:r>
+              <a:rPr lang="en-US" altLang="en-US" sz="2800" dirty="0">
+                <a:solidFill>
+                  <a:schemeClr val="tx1"/>
+                </a:solidFill>
+                <a:latin typeface="Arial Narrow" panose="020B0606020202030204" pitchFamily="34" charset="0"/>
+                <a:hlinkClick r:id="rId4">
+                  <a:extLst>
+                    <a:ext uri="{A12FA001-AC4F-418D-AE19-62706E023703}">
+                      <ahyp:hlinkClr xmlns:ahyp="http://schemas.microsoft.com/office/drawing/2018/hyperlinkcolor" val="tx"/>
+                    </a:ext>
+                  </a:extLst>
+                </a:hlinkClick>
+              </a:rPr>
+              <a:t>https://linkinghub.elsevier.com/retrieve/pii/S2667305323000789</a:t>
+            </a:r>
+            <a:endParaRPr lang="en-US" altLang="en-US" sz="2800" dirty="0">
+              <a:solidFill>
+                <a:schemeClr val="tx1"/>
+              </a:solidFill>
+              <a:latin typeface="Arial Narrow" panose="020B0606020202030204" pitchFamily="34" charset="0"/>
+            </a:endParaRPr>
+          </a:p>
+          <a:p>
+            <a:pPr marL="0" indent="0"/>
+            <a:r>
+              <a:rPr lang="en-US" altLang="en-US" sz="2800" dirty="0">
+                <a:solidFill>
+                  <a:schemeClr val="tx1"/>
+                </a:solidFill>
+                <a:latin typeface="Arial Narrow" panose="020B0606020202030204" pitchFamily="34" charset="0"/>
+              </a:rPr>
+              <a:t>[3] H. Babaei, J. Karimpour, and A. </a:t>
+            </a:r>
+            <a:r>
+              <a:rPr lang="en-US" altLang="en-US" sz="2800" dirty="0" err="1">
+                <a:solidFill>
+                  <a:schemeClr val="tx1"/>
+                </a:solidFill>
+                <a:latin typeface="Arial Narrow" panose="020B0606020202030204" pitchFamily="34" charset="0"/>
+              </a:rPr>
+              <a:t>Hadidi</a:t>
+            </a:r>
+            <a:r>
+              <a:rPr lang="en-US" altLang="en-US" sz="2800" dirty="0">
+                <a:solidFill>
+                  <a:schemeClr val="tx1"/>
+                </a:solidFill>
+                <a:latin typeface="Arial Narrow" panose="020B0606020202030204" pitchFamily="34" charset="0"/>
+              </a:rPr>
+              <a:t>, “A survey of approaches for university course timetabling problem,” Computers &amp; Industrial Engineering, vol. 86, pp.43–59, Aug. 2015. Available: </a:t>
+            </a:r>
+            <a:r>
+              <a:rPr lang="en-US" altLang="en-US" sz="2800" dirty="0">
+                <a:solidFill>
+                  <a:schemeClr val="tx1"/>
+                </a:solidFill>
+                <a:latin typeface="Arial Narrow" panose="020B0606020202030204" pitchFamily="34" charset="0"/>
+                <a:hlinkClick r:id="rId5">
+                  <a:extLst>
+                    <a:ext uri="{A12FA001-AC4F-418D-AE19-62706E023703}">
+                      <ahyp:hlinkClr xmlns:ahyp="http://schemas.microsoft.com/office/drawing/2018/hyperlinkcolor" val="tx"/>
+                    </a:ext>
+                  </a:extLst>
+                </a:hlinkClick>
+              </a:rPr>
+              <a:t>https://linkinghub.elsevier.com/retrieve/pii/S0360835214003714</a:t>
+            </a:r>
+            <a:endParaRPr lang="en-US" altLang="en-US" sz="2800" dirty="0">
+              <a:solidFill>
+                <a:schemeClr val="tx1"/>
+              </a:solidFill>
+              <a:latin typeface="Arial Narrow" panose="020B0606020202030204" pitchFamily="34" charset="0"/>
+            </a:endParaRPr>
+          </a:p>
+          <a:p>
+            <a:pPr marL="0" indent="0"/>
+            <a:r>
+              <a:rPr lang="en-US" altLang="en-US" sz="2800" dirty="0">
+                <a:solidFill>
+                  <a:schemeClr val="tx1"/>
+                </a:solidFill>
+                <a:latin typeface="Arial Narrow" panose="020B0606020202030204" pitchFamily="34" charset="0"/>
+              </a:rPr>
+              <a:t>[4] M. C. Chen, S. N. Sze, S. L. Goh, N. R. Sabar, and G. Kendall, “A survey of 	university course timetabling problem: Perspectives, trends and opportunities,” IEEE Access, vol. 9, pp. 106 515–106 529, 2021, conference Name: IEEE Access. Available: </a:t>
+            </a:r>
+            <a:r>
+              <a:rPr lang="en-US" altLang="en-US" sz="2800" dirty="0">
+                <a:solidFill>
+                  <a:schemeClr val="tx1"/>
+                </a:solidFill>
+                <a:latin typeface="Arial Narrow" panose="020B0606020202030204" pitchFamily="34" charset="0"/>
+                <a:hlinkClick r:id="rId6">
+                  <a:extLst>
+                    <a:ext uri="{A12FA001-AC4F-418D-AE19-62706E023703}">
+                      <ahyp:hlinkClr xmlns:ahyp="http://schemas.microsoft.com/office/drawing/2018/hyperlinkcolor" val="tx"/>
+                    </a:ext>
+                  </a:extLst>
+                </a:hlinkClick>
+              </a:rPr>
+              <a:t>https://ieeexplore.ieee.org/document/9499056/?arnumber=9499056</a:t>
+            </a:r>
+            <a:endParaRPr lang="en-US" altLang="en-US" sz="2800" dirty="0">
+              <a:solidFill>
+                <a:schemeClr val="tx1"/>
+              </a:solidFill>
+              <a:latin typeface="Arial Narrow" panose="020B0606020202030204" pitchFamily="34" charset="0"/>
+            </a:endParaRPr>
+          </a:p>
+          <a:p>
+            <a:pPr marL="0" indent="0"/>
+            <a:r>
+              <a:rPr lang="en-US" altLang="en-US" sz="2800" dirty="0">
+                <a:latin typeface="Arial Narrow" panose="020B0606020202030204" pitchFamily="34" charset="0"/>
+              </a:rPr>
+              <a:t>[5] T. Müller, “Itc2007 solver description: a hybrid approach,” Annals of Operations Research, vol. 172, no. 1, pp. 429–446, Nov. 2009. Available: </a:t>
+            </a:r>
+            <a:r>
+              <a:rPr lang="en-US" altLang="en-US" sz="2800" dirty="0">
+                <a:solidFill>
+                  <a:schemeClr val="tx1"/>
+                </a:solidFill>
+                <a:latin typeface="Arial Narrow" panose="020B0606020202030204" pitchFamily="34" charset="0"/>
+                <a:hlinkClick r:id="rId7">
+                  <a:extLst>
+                    <a:ext uri="{A12FA001-AC4F-418D-AE19-62706E023703}">
+                      <ahyp:hlinkClr xmlns:ahyp="http://schemas.microsoft.com/office/drawing/2018/hyperlinkcolor" val="tx"/>
+                    </a:ext>
+                  </a:extLst>
+                </a:hlinkClick>
+              </a:rPr>
+              <a:t>http://link.springer.com/10.1007/s10479-009-0644-y</a:t>
+            </a:r>
+            <a:endParaRPr lang="en-US" altLang="en-US" sz="2800" dirty="0">
+              <a:solidFill>
+                <a:schemeClr val="tx1"/>
+              </a:solidFill>
+              <a:latin typeface="Arial Narrow" panose="020B0606020202030204" pitchFamily="34" charset="0"/>
+            </a:endParaRPr>
+          </a:p>
+          <a:p>
+            <a:pPr marL="0" indent="0"/>
+            <a:r>
+              <a:rPr lang="en-US" sz="2800" dirty="0">
+                <a:solidFill>
+                  <a:schemeClr val="tx1"/>
+                </a:solidFill>
+                <a:latin typeface="Arial Narrow" panose="020B0606020202030204" pitchFamily="34" charset="0"/>
+              </a:rPr>
+              <a:t>[6] </a:t>
+            </a:r>
+            <a:r>
+              <a:rPr lang="en-US" sz="2800" dirty="0">
+                <a:latin typeface="Arial Narrow" panose="020B0606020202030204" pitchFamily="34" charset="0"/>
+              </a:rPr>
+              <a:t>S. L. Goh, “An investigation of monte </a:t>
+            </a:r>
+            <a:r>
+              <a:rPr lang="en-US" sz="2800" dirty="0" err="1">
+                <a:latin typeface="Arial Narrow" panose="020B0606020202030204" pitchFamily="34" charset="0"/>
+              </a:rPr>
+              <a:t>carlo</a:t>
+            </a:r>
+            <a:r>
+              <a:rPr lang="en-US" sz="2800" dirty="0">
+                <a:latin typeface="Arial Narrow" panose="020B0606020202030204" pitchFamily="34" charset="0"/>
+              </a:rPr>
+              <a:t> tree search and local search for course timetabling problems,”, pp. 76–105, Jul. 2017. Available: </a:t>
+            </a:r>
+            <a:r>
+              <a:rPr lang="en-US" sz="2800" dirty="0">
+                <a:solidFill>
+                  <a:schemeClr val="tx1"/>
+                </a:solidFill>
+                <a:latin typeface="Arial Narrow" panose="020B0606020202030204" pitchFamily="34" charset="0"/>
+                <a:hlinkClick r:id="rId8">
+                  <a:extLst>
+                    <a:ext uri="{A12FA001-AC4F-418D-AE19-62706E023703}">
+                      <ahyp:hlinkClr xmlns:ahyp="http://schemas.microsoft.com/office/drawing/2018/hyperlinkcolor" val="tx"/>
+                    </a:ext>
+                  </a:extLst>
+                </a:hlinkClick>
+              </a:rPr>
+              <a:t>https://eprints.nottingham.ac.uk/43558/</a:t>
+            </a:r>
+            <a:endParaRPr lang="en-US" sz="2800" dirty="0">
+              <a:solidFill>
+                <a:schemeClr val="tx1"/>
+              </a:solidFill>
+              <a:latin typeface="Arial Narrow" panose="020B0606020202030204" pitchFamily="34" charset="0"/>
+            </a:endParaRPr>
+          </a:p>
+        </p:txBody>
+      </p:sp>
+      <p:sp>
+        <p:nvSpPr>
+          <p:cNvPr id="31" name="TextBox 1">
+            <a:extLst>
+              <a:ext uri="{FF2B5EF4-FFF2-40B4-BE49-F238E27FC236}">
+                <a16:creationId xmlns:a16="http://schemas.microsoft.com/office/drawing/2014/main" id="{7EBEDD7F-6D22-C3F9-ACA5-540565E1F047}"/>
+              </a:ext>
+            </a:extLst>
+          </p:cNvPr>
+          <p:cNvSpPr txBox="1"/>
+          <p:nvPr/>
+        </p:nvSpPr>
+        <p:spPr>
+          <a:xfrm>
+            <a:off x="1033909" y="5265254"/>
+            <a:ext cx="13281709" cy="6986528"/>
+          </a:xfrm>
+          <a:prstGeom prst="rect">
+            <a:avLst/>
+          </a:prstGeom>
+          <a:noFill/>
+        </p:spPr>
+        <p:txBody>
+          <a:bodyPr wrap="square" rtlCol="0">
+            <a:spAutoFit/>
+          </a:bodyPr>
+          <a:lstStyle/>
+          <a:p>
+            <a:pPr algn="just"/>
+            <a:r>
+              <a:rPr lang="en-US" sz="3200" b="1" i="1" dirty="0">
+                <a:effectLst/>
+                <a:latin typeface="Arial" panose="020B0604020202020204" pitchFamily="34" charset="0"/>
+                <a:ea typeface="Cambria" panose="02040503050406030204" pitchFamily="18" charset="0"/>
+                <a:cs typeface="Arial" panose="020B0604020202020204" pitchFamily="34" charset="0"/>
+              </a:rPr>
+              <a:t>University Course Timetabling Problem </a:t>
+            </a:r>
+            <a:r>
+              <a:rPr lang="en-US" sz="3200" i="1" dirty="0">
+                <a:effectLst/>
+                <a:latin typeface="Arial" panose="020B0604020202020204" pitchFamily="34" charset="0"/>
+                <a:ea typeface="Cambria" panose="02040503050406030204" pitchFamily="18" charset="0"/>
+                <a:cs typeface="Arial" panose="020B0604020202020204" pitchFamily="34" charset="0"/>
+              </a:rPr>
+              <a:t>(UCTTP) is a combinatorial optimization problem that consists of allocating </a:t>
+            </a:r>
+            <a:r>
+              <a:rPr lang="en-US" sz="3200" i="1" u="sng" dirty="0">
+                <a:effectLst/>
+                <a:latin typeface="Arial" panose="020B0604020202020204" pitchFamily="34" charset="0"/>
+                <a:ea typeface="Cambria" panose="02040503050406030204" pitchFamily="18" charset="0"/>
+                <a:cs typeface="Arial" panose="020B0604020202020204" pitchFamily="34" charset="0"/>
+              </a:rPr>
+              <a:t>events</a:t>
+            </a:r>
+            <a:r>
+              <a:rPr lang="en-US" sz="3200" i="1" dirty="0">
+                <a:effectLst/>
+                <a:latin typeface="Arial" panose="020B0604020202020204" pitchFamily="34" charset="0"/>
+                <a:ea typeface="Cambria" panose="02040503050406030204" pitchFamily="18" charset="0"/>
+                <a:cs typeface="Arial" panose="020B0604020202020204" pitchFamily="34" charset="0"/>
+              </a:rPr>
+              <a:t>, </a:t>
+            </a:r>
+            <a:r>
+              <a:rPr lang="en-US" sz="3200" i="1" u="sng" dirty="0">
+                <a:effectLst/>
+                <a:latin typeface="Arial" panose="020B0604020202020204" pitchFamily="34" charset="0"/>
+                <a:ea typeface="Cambria" panose="02040503050406030204" pitchFamily="18" charset="0"/>
+                <a:cs typeface="Arial" panose="020B0604020202020204" pitchFamily="34" charset="0"/>
+              </a:rPr>
+              <a:t>rooms</a:t>
+            </a:r>
+            <a:r>
+              <a:rPr lang="en-US" sz="3200" i="1" dirty="0">
+                <a:effectLst/>
+                <a:latin typeface="Arial" panose="020B0604020202020204" pitchFamily="34" charset="0"/>
+                <a:ea typeface="Cambria" panose="02040503050406030204" pitchFamily="18" charset="0"/>
+                <a:cs typeface="Arial" panose="020B0604020202020204" pitchFamily="34" charset="0"/>
+              </a:rPr>
+              <a:t>, </a:t>
+            </a:r>
+            <a:r>
+              <a:rPr lang="en-US" sz="3200" i="1" u="sng" dirty="0">
+                <a:effectLst/>
+                <a:latin typeface="Arial" panose="020B0604020202020204" pitchFamily="34" charset="0"/>
+                <a:ea typeface="Cambria" panose="02040503050406030204" pitchFamily="18" charset="0"/>
+                <a:cs typeface="Arial" panose="020B0604020202020204" pitchFamily="34" charset="0"/>
+              </a:rPr>
+              <a:t>lecturers</a:t>
+            </a:r>
+            <a:r>
+              <a:rPr lang="en-US" sz="3200" i="1" dirty="0">
+                <a:effectLst/>
+                <a:latin typeface="Arial" panose="020B0604020202020204" pitchFamily="34" charset="0"/>
+                <a:ea typeface="Cambria" panose="02040503050406030204" pitchFamily="18" charset="0"/>
+                <a:cs typeface="Arial" panose="020B0604020202020204" pitchFamily="34" charset="0"/>
+              </a:rPr>
+              <a:t>, and </a:t>
+            </a:r>
+            <a:r>
+              <a:rPr lang="en-US" sz="3200" i="1" u="sng" dirty="0">
+                <a:effectLst/>
+                <a:latin typeface="Arial" panose="020B0604020202020204" pitchFamily="34" charset="0"/>
+                <a:ea typeface="Cambria" panose="02040503050406030204" pitchFamily="18" charset="0"/>
+                <a:cs typeface="Arial" panose="020B0604020202020204" pitchFamily="34" charset="0"/>
+              </a:rPr>
+              <a:t>students</a:t>
+            </a:r>
+            <a:r>
+              <a:rPr lang="en-US" sz="3200" i="1" dirty="0">
+                <a:effectLst/>
+                <a:latin typeface="Arial" panose="020B0604020202020204" pitchFamily="34" charset="0"/>
+                <a:ea typeface="Cambria" panose="02040503050406030204" pitchFamily="18" charset="0"/>
+                <a:cs typeface="Arial" panose="020B0604020202020204" pitchFamily="34" charset="0"/>
+              </a:rPr>
+              <a:t> to weekly schedules while meeting certain </a:t>
+            </a:r>
+            <a:r>
+              <a:rPr lang="en-US" sz="3200" i="1" u="sng" dirty="0">
+                <a:effectLst/>
+                <a:latin typeface="Arial" panose="020B0604020202020204" pitchFamily="34" charset="0"/>
+                <a:ea typeface="Cambria" panose="02040503050406030204" pitchFamily="18" charset="0"/>
+                <a:cs typeface="Arial" panose="020B0604020202020204" pitchFamily="34" charset="0"/>
+              </a:rPr>
+              <a:t>constraints</a:t>
+            </a:r>
+            <a:r>
+              <a:rPr lang="en-US" sz="3200" i="1" dirty="0">
+                <a:effectLst/>
+                <a:latin typeface="Arial" panose="020B0604020202020204" pitchFamily="34" charset="0"/>
+                <a:ea typeface="Cambria" panose="02040503050406030204" pitchFamily="18" charset="0"/>
+                <a:cs typeface="Arial" panose="020B0604020202020204" pitchFamily="34" charset="0"/>
+              </a:rPr>
+              <a:t>. </a:t>
+            </a:r>
+            <a:r>
+              <a:rPr kumimoji="0" lang="pt-PT" altLang="pt-PT" sz="3200" b="0" i="1" strike="noStrike" cap="none" normalizeH="0" baseline="0" dirty="0" err="1">
+                <a:ln>
+                  <a:noFill/>
+                </a:ln>
+                <a:solidFill>
+                  <a:schemeClr val="tx1"/>
+                </a:solidFill>
+                <a:effectLst/>
+                <a:latin typeface="Arial" panose="020B0604020202020204" pitchFamily="34" charset="0"/>
+                <a:cs typeface="Arial" panose="020B0604020202020204" pitchFamily="34" charset="0"/>
+              </a:rPr>
+              <a:t>This</a:t>
+            </a:r>
+            <a:r>
+              <a:rPr kumimoji="0" lang="pt-PT" altLang="pt-PT" sz="3200" b="0" i="1" strike="noStrike" cap="none" normalizeH="0" baseline="0" dirty="0">
+                <a:ln>
+                  <a:noFill/>
+                </a:ln>
+                <a:solidFill>
+                  <a:schemeClr val="tx1"/>
+                </a:solidFill>
+                <a:effectLst/>
+                <a:latin typeface="Arial" panose="020B0604020202020204" pitchFamily="34" charset="0"/>
+                <a:cs typeface="Arial" panose="020B0604020202020204" pitchFamily="34" charset="0"/>
+              </a:rPr>
+              <a:t> research </a:t>
+            </a:r>
+            <a:r>
+              <a:rPr kumimoji="0" lang="pt-PT" altLang="pt-PT" sz="3200" b="0" i="1" strike="noStrike" cap="none" normalizeH="0" baseline="0" dirty="0" err="1">
+                <a:ln>
+                  <a:noFill/>
+                </a:ln>
+                <a:solidFill>
+                  <a:schemeClr val="tx1"/>
+                </a:solidFill>
+                <a:effectLst/>
+                <a:latin typeface="Arial" panose="020B0604020202020204" pitchFamily="34" charset="0"/>
+                <a:cs typeface="Arial" panose="020B0604020202020204" pitchFamily="34" charset="0"/>
+              </a:rPr>
+              <a:t>focuses</a:t>
+            </a:r>
+            <a:r>
+              <a:rPr kumimoji="0" lang="pt-PT" altLang="pt-PT" sz="3200" b="0" i="1" strike="noStrike" cap="none" normalizeH="0" baseline="0" dirty="0">
+                <a:ln>
+                  <a:noFill/>
+                </a:ln>
+                <a:solidFill>
+                  <a:schemeClr val="tx1"/>
+                </a:solidFill>
+                <a:effectLst/>
+                <a:latin typeface="Arial" panose="020B0604020202020204" pitchFamily="34" charset="0"/>
+                <a:cs typeface="Arial" panose="020B0604020202020204" pitchFamily="34" charset="0"/>
+              </a:rPr>
+              <a:t> </a:t>
+            </a:r>
+            <a:r>
+              <a:rPr kumimoji="0" lang="pt-PT" altLang="pt-PT" sz="3200" b="0" i="1" strike="noStrike" cap="none" normalizeH="0" baseline="0" dirty="0" err="1">
+                <a:ln>
+                  <a:noFill/>
+                </a:ln>
+                <a:solidFill>
+                  <a:schemeClr val="tx1"/>
+                </a:solidFill>
+                <a:effectLst/>
+                <a:latin typeface="Arial" panose="020B0604020202020204" pitchFamily="34" charset="0"/>
+                <a:cs typeface="Arial" panose="020B0604020202020204" pitchFamily="34" charset="0"/>
+              </a:rPr>
+              <a:t>on</a:t>
+            </a:r>
+            <a:r>
+              <a:rPr kumimoji="0" lang="pt-PT" altLang="pt-PT" sz="3200" b="0" i="1" strike="noStrike" cap="none" normalizeH="0" baseline="0" dirty="0">
+                <a:ln>
+                  <a:noFill/>
+                </a:ln>
+                <a:solidFill>
+                  <a:schemeClr val="tx1"/>
+                </a:solidFill>
+                <a:effectLst/>
+                <a:latin typeface="Arial" panose="020B0604020202020204" pitchFamily="34" charset="0"/>
+                <a:cs typeface="Arial" panose="020B0604020202020204" pitchFamily="34" charset="0"/>
+              </a:rPr>
+              <a:t> </a:t>
+            </a:r>
+            <a:r>
+              <a:rPr kumimoji="0" lang="pt-PT" altLang="pt-PT" sz="3200" b="1" i="1" strike="noStrike" cap="none" normalizeH="0" baseline="0" dirty="0">
+                <a:ln>
+                  <a:noFill/>
+                </a:ln>
+                <a:solidFill>
+                  <a:schemeClr val="tx1"/>
+                </a:solidFill>
+                <a:effectLst/>
+                <a:latin typeface="Arial" panose="020B0604020202020204" pitchFamily="34" charset="0"/>
+                <a:cs typeface="Arial" panose="020B0604020202020204" pitchFamily="34" charset="0"/>
+              </a:rPr>
+              <a:t>Curriculum-</a:t>
+            </a:r>
+            <a:r>
+              <a:rPr kumimoji="0" lang="pt-PT" altLang="pt-PT" sz="3200" b="1" i="1" strike="noStrike" cap="none" normalizeH="0" baseline="0" dirty="0" err="1">
+                <a:ln>
+                  <a:noFill/>
+                </a:ln>
+                <a:solidFill>
+                  <a:schemeClr val="tx1"/>
+                </a:solidFill>
+                <a:effectLst/>
+                <a:latin typeface="Arial" panose="020B0604020202020204" pitchFamily="34" charset="0"/>
+                <a:cs typeface="Arial" panose="020B0604020202020204" pitchFamily="34" charset="0"/>
+              </a:rPr>
+              <a:t>Based</a:t>
+            </a:r>
+            <a:r>
+              <a:rPr kumimoji="0" lang="pt-PT" altLang="pt-PT" sz="3200" b="1" i="1" strike="noStrike" cap="none" normalizeH="0" baseline="0" dirty="0">
+                <a:ln>
+                  <a:noFill/>
+                </a:ln>
+                <a:solidFill>
+                  <a:schemeClr val="tx1"/>
+                </a:solidFill>
+                <a:effectLst/>
+                <a:latin typeface="Arial" panose="020B0604020202020204" pitchFamily="34" charset="0"/>
+                <a:cs typeface="Arial" panose="020B0604020202020204" pitchFamily="34" charset="0"/>
+              </a:rPr>
+              <a:t> </a:t>
+            </a:r>
+            <a:r>
+              <a:rPr kumimoji="0" lang="pt-PT" altLang="pt-PT" sz="3200" b="1" i="1" strike="noStrike" cap="none" normalizeH="0" baseline="0" dirty="0" err="1">
+                <a:ln>
+                  <a:noFill/>
+                </a:ln>
+                <a:solidFill>
+                  <a:schemeClr val="tx1"/>
+                </a:solidFill>
+                <a:effectLst/>
+                <a:latin typeface="Arial" panose="020B0604020202020204" pitchFamily="34" charset="0"/>
+                <a:cs typeface="Arial" panose="020B0604020202020204" pitchFamily="34" charset="0"/>
+              </a:rPr>
+              <a:t>Course</a:t>
+            </a:r>
+            <a:r>
+              <a:rPr kumimoji="0" lang="pt-PT" altLang="pt-PT" sz="3200" b="1" i="1" strike="noStrike" cap="none" normalizeH="0" baseline="0" dirty="0">
+                <a:ln>
+                  <a:noFill/>
+                </a:ln>
+                <a:solidFill>
+                  <a:schemeClr val="tx1"/>
+                </a:solidFill>
+                <a:effectLst/>
+                <a:latin typeface="Arial" panose="020B0604020202020204" pitchFamily="34" charset="0"/>
+                <a:cs typeface="Arial" panose="020B0604020202020204" pitchFamily="34" charset="0"/>
+              </a:rPr>
+              <a:t> </a:t>
+            </a:r>
+            <a:r>
+              <a:rPr kumimoji="0" lang="pt-PT" altLang="pt-PT" sz="3200" b="1" i="1" strike="noStrike" cap="none" normalizeH="0" baseline="0" dirty="0" err="1">
+                <a:ln>
+                  <a:noFill/>
+                </a:ln>
+                <a:solidFill>
+                  <a:schemeClr val="tx1"/>
+                </a:solidFill>
+                <a:effectLst/>
+                <a:latin typeface="Arial" panose="020B0604020202020204" pitchFamily="34" charset="0"/>
+                <a:cs typeface="Arial" panose="020B0604020202020204" pitchFamily="34" charset="0"/>
+              </a:rPr>
+              <a:t>Timetabling</a:t>
+            </a:r>
+            <a:r>
+              <a:rPr kumimoji="0" lang="pt-PT" altLang="pt-PT" sz="3200" b="0" i="1" strike="noStrike" cap="none" normalizeH="0" baseline="0" dirty="0">
+                <a:ln>
+                  <a:noFill/>
+                </a:ln>
+                <a:solidFill>
+                  <a:schemeClr val="tx1"/>
+                </a:solidFill>
+                <a:effectLst/>
+                <a:latin typeface="Arial" panose="020B0604020202020204" pitchFamily="34" charset="0"/>
+                <a:cs typeface="Arial" panose="020B0604020202020204" pitchFamily="34" charset="0"/>
+              </a:rPr>
+              <a:t> (CB-CTT), a </a:t>
+            </a:r>
+            <a:r>
+              <a:rPr kumimoji="0" lang="pt-PT" altLang="pt-PT" sz="3200" b="0" i="1" strike="noStrike" cap="none" normalizeH="0" baseline="0" dirty="0" err="1">
+                <a:ln>
+                  <a:noFill/>
+                </a:ln>
+                <a:solidFill>
+                  <a:schemeClr val="tx1"/>
+                </a:solidFill>
+                <a:effectLst/>
+                <a:latin typeface="Arial" panose="020B0604020202020204" pitchFamily="34" charset="0"/>
+                <a:cs typeface="Arial" panose="020B0604020202020204" pitchFamily="34" charset="0"/>
+              </a:rPr>
+              <a:t>variant</a:t>
+            </a:r>
+            <a:r>
+              <a:rPr kumimoji="0" lang="pt-PT" altLang="pt-PT" sz="3200" b="0" i="1" strike="noStrike" cap="none" normalizeH="0" baseline="0" dirty="0">
+                <a:ln>
+                  <a:noFill/>
+                </a:ln>
+                <a:solidFill>
+                  <a:schemeClr val="tx1"/>
+                </a:solidFill>
+                <a:effectLst/>
+                <a:latin typeface="Arial" panose="020B0604020202020204" pitchFamily="34" charset="0"/>
+                <a:cs typeface="Arial" panose="020B0604020202020204" pitchFamily="34" charset="0"/>
+              </a:rPr>
+              <a:t> </a:t>
+            </a:r>
+            <a:r>
+              <a:rPr kumimoji="0" lang="pt-PT" altLang="pt-PT" sz="3200" b="0" i="1" strike="noStrike" cap="none" normalizeH="0" baseline="0" dirty="0" err="1">
+                <a:ln>
+                  <a:noFill/>
+                </a:ln>
+                <a:solidFill>
+                  <a:schemeClr val="tx1"/>
+                </a:solidFill>
+                <a:effectLst/>
+                <a:latin typeface="Arial" panose="020B0604020202020204" pitchFamily="34" charset="0"/>
+                <a:cs typeface="Arial" panose="020B0604020202020204" pitchFamily="34" charset="0"/>
+              </a:rPr>
+              <a:t>of</a:t>
+            </a:r>
+            <a:r>
+              <a:rPr kumimoji="0" lang="pt-PT" altLang="pt-PT" sz="3200" b="0" i="1" strike="noStrike" cap="none" normalizeH="0" baseline="0" dirty="0">
+                <a:ln>
+                  <a:noFill/>
+                </a:ln>
+                <a:solidFill>
+                  <a:schemeClr val="tx1"/>
+                </a:solidFill>
+                <a:effectLst/>
+                <a:latin typeface="Arial" panose="020B0604020202020204" pitchFamily="34" charset="0"/>
+                <a:cs typeface="Arial" panose="020B0604020202020204" pitchFamily="34" charset="0"/>
+              </a:rPr>
+              <a:t> UCTTP </a:t>
+            </a:r>
+            <a:r>
+              <a:rPr kumimoji="0" lang="pt-PT" altLang="pt-PT" sz="3200" b="0" i="1" strike="noStrike" cap="none" normalizeH="0" baseline="0" dirty="0" err="1">
+                <a:ln>
+                  <a:noFill/>
+                </a:ln>
+                <a:solidFill>
+                  <a:schemeClr val="tx1"/>
+                </a:solidFill>
+                <a:effectLst/>
+                <a:latin typeface="Arial" panose="020B0604020202020204" pitchFamily="34" charset="0"/>
+                <a:cs typeface="Arial" panose="020B0604020202020204" pitchFamily="34" charset="0"/>
+              </a:rPr>
+              <a:t>that</a:t>
+            </a:r>
+            <a:r>
+              <a:rPr kumimoji="0" lang="pt-PT" altLang="pt-PT" sz="3200" b="0" i="1" strike="noStrike" cap="none" normalizeH="0" baseline="0" dirty="0">
+                <a:ln>
+                  <a:noFill/>
+                </a:ln>
+                <a:solidFill>
+                  <a:schemeClr val="tx1"/>
+                </a:solidFill>
+                <a:effectLst/>
+                <a:latin typeface="Arial" panose="020B0604020202020204" pitchFamily="34" charset="0"/>
+                <a:cs typeface="Arial" panose="020B0604020202020204" pitchFamily="34" charset="0"/>
+              </a:rPr>
+              <a:t> </a:t>
+            </a:r>
+            <a:r>
+              <a:rPr kumimoji="0" lang="pt-PT" altLang="pt-PT" sz="3200" b="0" i="1" strike="noStrike" cap="none" normalizeH="0" baseline="0" dirty="0" err="1">
+                <a:ln>
+                  <a:noFill/>
+                </a:ln>
+                <a:solidFill>
+                  <a:schemeClr val="tx1"/>
+                </a:solidFill>
+                <a:effectLst/>
+                <a:latin typeface="Arial" panose="020B0604020202020204" pitchFamily="34" charset="0"/>
+                <a:cs typeface="Arial" panose="020B0604020202020204" pitchFamily="34" charset="0"/>
+              </a:rPr>
+              <a:t>focuses</a:t>
+            </a:r>
+            <a:r>
+              <a:rPr kumimoji="0" lang="pt-PT" altLang="pt-PT" sz="3200" b="0" i="1" strike="noStrike" cap="none" normalizeH="0" baseline="0" dirty="0">
+                <a:ln>
+                  <a:noFill/>
+                </a:ln>
+                <a:solidFill>
+                  <a:schemeClr val="tx1"/>
+                </a:solidFill>
+                <a:effectLst/>
+                <a:latin typeface="Arial" panose="020B0604020202020204" pitchFamily="34" charset="0"/>
+                <a:cs typeface="Arial" panose="020B0604020202020204" pitchFamily="34" charset="0"/>
+              </a:rPr>
+              <a:t> </a:t>
+            </a:r>
+            <a:r>
+              <a:rPr kumimoji="0" lang="pt-PT" altLang="pt-PT" sz="3200" b="0" i="1" strike="noStrike" cap="none" normalizeH="0" baseline="0" dirty="0" err="1">
+                <a:ln>
+                  <a:noFill/>
+                </a:ln>
+                <a:solidFill>
+                  <a:schemeClr val="tx1"/>
+                </a:solidFill>
+                <a:effectLst/>
+                <a:latin typeface="Arial" panose="020B0604020202020204" pitchFamily="34" charset="0"/>
+                <a:cs typeface="Arial" panose="020B0604020202020204" pitchFamily="34" charset="0"/>
+              </a:rPr>
+              <a:t>on</a:t>
+            </a:r>
+            <a:r>
+              <a:rPr kumimoji="0" lang="pt-PT" altLang="pt-PT" sz="3200" b="0" i="1" strike="noStrike" cap="none" normalizeH="0" baseline="0" dirty="0">
+                <a:ln>
+                  <a:noFill/>
+                </a:ln>
+                <a:solidFill>
+                  <a:schemeClr val="tx1"/>
+                </a:solidFill>
+                <a:effectLst/>
+                <a:latin typeface="Arial" panose="020B0604020202020204" pitchFamily="34" charset="0"/>
+                <a:cs typeface="Arial" panose="020B0604020202020204" pitchFamily="34" charset="0"/>
+              </a:rPr>
+              <a:t> </a:t>
+            </a:r>
+            <a:r>
+              <a:rPr kumimoji="0" lang="pt-PT" altLang="pt-PT" sz="3200" b="0" i="1" strike="noStrike" cap="none" normalizeH="0" baseline="0" dirty="0" err="1">
+                <a:ln>
+                  <a:noFill/>
+                </a:ln>
+                <a:solidFill>
+                  <a:schemeClr val="tx1"/>
+                </a:solidFill>
+                <a:effectLst/>
+                <a:latin typeface="Arial" panose="020B0604020202020204" pitchFamily="34" charset="0"/>
+                <a:cs typeface="Arial" panose="020B0604020202020204" pitchFamily="34" charset="0"/>
+              </a:rPr>
+              <a:t>course</a:t>
+            </a:r>
+            <a:r>
+              <a:rPr kumimoji="0" lang="pt-PT" altLang="pt-PT" sz="3200" b="0" i="1" strike="noStrike" cap="none" normalizeH="0" baseline="0" dirty="0">
+                <a:ln>
+                  <a:noFill/>
+                </a:ln>
+                <a:solidFill>
+                  <a:schemeClr val="tx1"/>
+                </a:solidFill>
+                <a:effectLst/>
+                <a:latin typeface="Arial" panose="020B0604020202020204" pitchFamily="34" charset="0"/>
+                <a:cs typeface="Arial" panose="020B0604020202020204" pitchFamily="34" charset="0"/>
+              </a:rPr>
+              <a:t> </a:t>
+            </a:r>
+            <a:r>
+              <a:rPr kumimoji="0" lang="pt-PT" altLang="pt-PT" sz="3200" b="0" i="1" strike="noStrike" cap="none" normalizeH="0" baseline="0" dirty="0" err="1">
+                <a:ln>
+                  <a:noFill/>
+                </a:ln>
+                <a:solidFill>
+                  <a:schemeClr val="tx1"/>
+                </a:solidFill>
+                <a:effectLst/>
+                <a:latin typeface="Arial" panose="020B0604020202020204" pitchFamily="34" charset="0"/>
+                <a:cs typeface="Arial" panose="020B0604020202020204" pitchFamily="34" charset="0"/>
+              </a:rPr>
+              <a:t>scheduling</a:t>
+            </a:r>
+            <a:r>
+              <a:rPr kumimoji="0" lang="pt-PT" altLang="pt-PT" sz="3200" b="0" i="1" strike="noStrike" cap="none" normalizeH="0" baseline="0" dirty="0">
+                <a:ln>
+                  <a:noFill/>
+                </a:ln>
+                <a:solidFill>
+                  <a:schemeClr val="tx1"/>
+                </a:solidFill>
+                <a:effectLst/>
+                <a:latin typeface="Arial" panose="020B0604020202020204" pitchFamily="34" charset="0"/>
+                <a:cs typeface="Arial" panose="020B0604020202020204" pitchFamily="34" charset="0"/>
+              </a:rPr>
+              <a:t>.</a:t>
+            </a:r>
+          </a:p>
+          <a:p>
+            <a:pPr algn="just"/>
+            <a:endParaRPr kumimoji="0" lang="pt-PT" altLang="pt-PT" sz="1600" b="0" i="1" strike="noStrike" cap="none" normalizeH="0" baseline="0" dirty="0">
+              <a:ln>
+                <a:noFill/>
+              </a:ln>
+              <a:solidFill>
+                <a:schemeClr val="tx1"/>
+              </a:solidFill>
+              <a:effectLst/>
+              <a:latin typeface="Arial" panose="020B0604020202020204" pitchFamily="34" charset="0"/>
+              <a:cs typeface="Arial" panose="020B0604020202020204" pitchFamily="34" charset="0"/>
+            </a:endParaRPr>
+          </a:p>
+          <a:p>
+            <a:pPr algn="just"/>
+            <a:r>
+              <a:rPr lang="en-US" sz="3200" i="1" dirty="0">
+                <a:effectLst/>
+                <a:latin typeface="Arial" panose="020B0604020202020204" pitchFamily="34" charset="0"/>
+                <a:ea typeface="Cambria" panose="02040503050406030204" pitchFamily="18" charset="0"/>
+                <a:cs typeface="Arial" panose="020B0604020202020204" pitchFamily="34" charset="0"/>
+              </a:rPr>
+              <a:t>Due to the size and complexity of the problem, obtaining an optimal solution in usable time is typically </a:t>
+            </a:r>
+            <a:r>
+              <a:rPr lang="en-US" sz="3200" i="1" dirty="0">
+                <a:latin typeface="Arial" panose="020B0604020202020204" pitchFamily="34" charset="0"/>
+                <a:ea typeface="Cambria" panose="02040503050406030204" pitchFamily="18" charset="0"/>
+                <a:cs typeface="Arial" panose="020B0604020202020204" pitchFamily="34" charset="0"/>
+              </a:rPr>
+              <a:t>in</a:t>
+            </a:r>
+            <a:r>
+              <a:rPr lang="en-US" sz="3200" i="1" dirty="0">
+                <a:effectLst/>
+                <a:latin typeface="Arial" panose="020B0604020202020204" pitchFamily="34" charset="0"/>
+                <a:ea typeface="Cambria" panose="02040503050406030204" pitchFamily="18" charset="0"/>
+                <a:cs typeface="Arial" panose="020B0604020202020204" pitchFamily="34" charset="0"/>
+              </a:rPr>
+              <a:t>feasible. However, using </a:t>
+            </a:r>
+            <a:r>
+              <a:rPr lang="en-US" sz="3200" b="1" i="1" dirty="0">
+                <a:effectLst/>
+                <a:latin typeface="Arial" panose="020B0604020202020204" pitchFamily="34" charset="0"/>
+                <a:ea typeface="Cambria" panose="02040503050406030204" pitchFamily="18" charset="0"/>
+                <a:cs typeface="Arial" panose="020B0604020202020204" pitchFamily="34" charset="0"/>
+              </a:rPr>
+              <a:t>heuristic algorithms</a:t>
+            </a:r>
+            <a:r>
+              <a:rPr lang="en-US" sz="3200" i="1" dirty="0">
+                <a:effectLst/>
+                <a:latin typeface="Arial" panose="020B0604020202020204" pitchFamily="34" charset="0"/>
+                <a:ea typeface="Cambria" panose="02040503050406030204" pitchFamily="18" charset="0"/>
+                <a:cs typeface="Arial" panose="020B0604020202020204" pitchFamily="34" charset="0"/>
+              </a:rPr>
+              <a:t>, it is possible to get approximate and good-quality solutions effectively. </a:t>
+            </a:r>
+          </a:p>
+          <a:p>
+            <a:pPr algn="just"/>
+            <a:endParaRPr kumimoji="0" lang="pt-PT" altLang="pt-PT" sz="1600" b="0" i="1" strike="noStrike" cap="none" normalizeH="0" baseline="0" dirty="0">
+              <a:ln>
+                <a:noFill/>
+              </a:ln>
+              <a:solidFill>
+                <a:schemeClr val="tx1"/>
+              </a:solidFill>
+              <a:effectLst/>
+              <a:latin typeface="Arial" panose="020B0604020202020204" pitchFamily="34" charset="0"/>
+              <a:cs typeface="Arial" panose="020B0604020202020204" pitchFamily="34" charset="0"/>
+            </a:endParaRPr>
+          </a:p>
+          <a:p>
+            <a:pPr algn="just"/>
+            <a:r>
+              <a:rPr lang="en-US" sz="3200" b="1" i="1" dirty="0">
+                <a:effectLst/>
+                <a:latin typeface="Arial" panose="020B0604020202020204" pitchFamily="34" charset="0"/>
+                <a:ea typeface="Cambria" panose="02040503050406030204" pitchFamily="18" charset="0"/>
+                <a:cs typeface="Arial" panose="020B0604020202020204" pitchFamily="34" charset="0"/>
+              </a:rPr>
+              <a:t>FCUP’s timetabling building process</a:t>
+            </a:r>
+            <a:r>
+              <a:rPr lang="en-US" sz="3200" i="1" dirty="0">
+                <a:effectLst/>
+                <a:latin typeface="Arial" panose="020B0604020202020204" pitchFamily="34" charset="0"/>
+                <a:ea typeface="Cambria" panose="02040503050406030204" pitchFamily="18" charset="0"/>
+                <a:cs typeface="Arial" panose="020B0604020202020204" pitchFamily="34" charset="0"/>
+              </a:rPr>
+              <a:t> is </a:t>
+            </a:r>
+            <a:r>
+              <a:rPr lang="en-US" sz="3200" i="1" u="sng" dirty="0">
+                <a:effectLst/>
+                <a:latin typeface="Arial" panose="020B0604020202020204" pitchFamily="34" charset="0"/>
+                <a:ea typeface="Cambria" panose="02040503050406030204" pitchFamily="18" charset="0"/>
+                <a:cs typeface="Arial" panose="020B0604020202020204" pitchFamily="34" charset="0"/>
+              </a:rPr>
+              <a:t>time-consuming</a:t>
+            </a:r>
+            <a:r>
+              <a:rPr lang="en-US" sz="3200" i="1" dirty="0">
+                <a:effectLst/>
+                <a:latin typeface="Arial" panose="020B0604020202020204" pitchFamily="34" charset="0"/>
+                <a:ea typeface="Cambria" panose="02040503050406030204" pitchFamily="18" charset="0"/>
+                <a:cs typeface="Arial" panose="020B0604020202020204" pitchFamily="34" charset="0"/>
+              </a:rPr>
+              <a:t>, </a:t>
+            </a:r>
+            <a:r>
+              <a:rPr lang="en-US" sz="3200" i="1" u="sng" dirty="0">
+                <a:effectLst/>
+                <a:latin typeface="Arial" panose="020B0604020202020204" pitchFamily="34" charset="0"/>
+                <a:ea typeface="Cambria" panose="02040503050406030204" pitchFamily="18" charset="0"/>
+                <a:cs typeface="Arial" panose="020B0604020202020204" pitchFamily="34" charset="0"/>
+              </a:rPr>
+              <a:t>not automated</a:t>
+            </a:r>
+            <a:r>
+              <a:rPr lang="en-US" sz="3200" i="1" dirty="0">
+                <a:effectLst/>
+                <a:latin typeface="Arial" panose="020B0604020202020204" pitchFamily="34" charset="0"/>
+                <a:ea typeface="Cambria" panose="02040503050406030204" pitchFamily="18" charset="0"/>
+                <a:cs typeface="Arial" panose="020B0604020202020204" pitchFamily="34" charset="0"/>
+              </a:rPr>
+              <a:t>, and </a:t>
+            </a:r>
+            <a:r>
+              <a:rPr lang="en-US" sz="3200" i="1" u="sng" dirty="0">
+                <a:effectLst/>
+                <a:latin typeface="Arial" panose="020B0604020202020204" pitchFamily="34" charset="0"/>
+                <a:ea typeface="Cambria" panose="02040503050406030204" pitchFamily="18" charset="0"/>
+                <a:cs typeface="Arial" panose="020B0604020202020204" pitchFamily="34" charset="0"/>
+              </a:rPr>
+              <a:t>suboptimal</a:t>
+            </a:r>
+            <a:r>
+              <a:rPr lang="en-US" sz="3200" i="1" dirty="0">
+                <a:effectLst/>
+                <a:latin typeface="Arial" panose="020B0604020202020204" pitchFamily="34" charset="0"/>
+                <a:ea typeface="Cambria" panose="02040503050406030204" pitchFamily="18" charset="0"/>
+                <a:cs typeface="Arial" panose="020B0604020202020204" pitchFamily="34" charset="0"/>
+              </a:rPr>
+              <a:t>. In general, the currently available tools focus primarily on visualizing timetables or on basic conflict detection without offering optimized solutions.</a:t>
+            </a:r>
+          </a:p>
+        </p:txBody>
+      </p:sp>
+      <p:sp>
+        <p:nvSpPr>
+          <p:cNvPr id="37" name="Freeform 5">
+            <a:extLst>
+              <a:ext uri="{FF2B5EF4-FFF2-40B4-BE49-F238E27FC236}">
+                <a16:creationId xmlns:a16="http://schemas.microsoft.com/office/drawing/2014/main" id="{2C346AF3-2E91-48FE-85FC-36CA723FE626}"/>
+              </a:ext>
+            </a:extLst>
+          </p:cNvPr>
+          <p:cNvSpPr/>
+          <p:nvPr/>
+        </p:nvSpPr>
+        <p:spPr>
+          <a:xfrm>
+            <a:off x="24997530" y="39554981"/>
+            <a:ext cx="3710263" cy="2895975"/>
+          </a:xfrm>
+          <a:custGeom>
+            <a:avLst/>
+            <a:gdLst/>
+            <a:ahLst/>
+            <a:cxnLst/>
+            <a:rect l="l" t="t" r="r" b="b"/>
+            <a:pathLst>
+              <a:path w="3710263" h="2895975">
+                <a:moveTo>
+                  <a:pt x="0" y="0"/>
+                </a:moveTo>
+                <a:lnTo>
+                  <a:pt x="3710263" y="0"/>
+                </a:lnTo>
+                <a:lnTo>
+                  <a:pt x="3710263" y="2895976"/>
+                </a:lnTo>
+                <a:lnTo>
+                  <a:pt x="0" y="2895976"/>
+                </a:lnTo>
+                <a:lnTo>
+                  <a:pt x="0" y="0"/>
+                </a:lnTo>
+                <a:close/>
+              </a:path>
+            </a:pathLst>
+          </a:custGeom>
+          <a:blipFill>
+            <a:blip r:embed="rId9"/>
+            <a:stretch>
+              <a:fillRect/>
+            </a:stretch>
+          </a:blipFill>
+        </p:spPr>
+        <p:txBody>
+          <a:bodyPr/>
+          <a:lstStyle/>
+          <a:p>
+            <a:endParaRPr lang="pt-PT"/>
+          </a:p>
+        </p:txBody>
+      </p:sp>
+      <p:pic>
+        <p:nvPicPr>
+          <p:cNvPr id="39" name="Imagem 38">
+            <a:extLst>
+              <a:ext uri="{FF2B5EF4-FFF2-40B4-BE49-F238E27FC236}">
+                <a16:creationId xmlns:a16="http://schemas.microsoft.com/office/drawing/2014/main" id="{56BB636E-3ED5-47EB-8C33-D726D5F99DB4}"/>
+              </a:ext>
+            </a:extLst>
+          </p:cNvPr>
+          <p:cNvPicPr>
+            <a:picLocks noChangeAspect="1"/>
+          </p:cNvPicPr>
+          <p:nvPr/>
+        </p:nvPicPr>
+        <p:blipFill>
+          <a:blip r:embed="rId10"/>
+          <a:stretch>
+            <a:fillRect/>
+          </a:stretch>
+        </p:blipFill>
+        <p:spPr>
+          <a:xfrm>
+            <a:off x="17523269" y="40060893"/>
+            <a:ext cx="6672932" cy="2349903"/>
+          </a:xfrm>
+          <a:prstGeom prst="rect">
+            <a:avLst/>
+          </a:prstGeom>
+        </p:spPr>
+      </p:pic>
+      <p:pic>
+        <p:nvPicPr>
+          <p:cNvPr id="33" name="Imagem 32">
+            <a:extLst>
+              <a:ext uri="{FF2B5EF4-FFF2-40B4-BE49-F238E27FC236}">
+                <a16:creationId xmlns:a16="http://schemas.microsoft.com/office/drawing/2014/main" id="{88E9AA21-64A0-4C8F-908F-F9F8990B85E8}"/>
+              </a:ext>
+            </a:extLst>
+          </p:cNvPr>
+          <p:cNvPicPr>
+            <a:picLocks noChangeAspect="1"/>
+          </p:cNvPicPr>
+          <p:nvPr/>
+        </p:nvPicPr>
+        <p:blipFill>
+          <a:blip r:embed="rId11"/>
+          <a:stretch>
+            <a:fillRect/>
+          </a:stretch>
+        </p:blipFill>
+        <p:spPr>
+          <a:xfrm>
+            <a:off x="1239090" y="39176577"/>
+            <a:ext cx="3607764" cy="3607764"/>
+          </a:xfrm>
+          <a:prstGeom prst="rect">
+            <a:avLst/>
+          </a:prstGeom>
+        </p:spPr>
+      </p:pic>
+      <p:sp>
+        <p:nvSpPr>
+          <p:cNvPr id="32" name="Text Box 15">
+            <a:extLst>
+              <a:ext uri="{FF2B5EF4-FFF2-40B4-BE49-F238E27FC236}">
+                <a16:creationId xmlns:a16="http://schemas.microsoft.com/office/drawing/2014/main" id="{A424EA28-D588-26DC-CE43-0DF2BE7718E3}"/>
+              </a:ext>
+            </a:extLst>
+          </p:cNvPr>
+          <p:cNvSpPr txBox="1">
+            <a:spLocks noChangeArrowheads="1"/>
+          </p:cNvSpPr>
+          <p:nvPr/>
+        </p:nvSpPr>
+        <p:spPr bwMode="auto">
+          <a:xfrm>
+            <a:off x="15361465" y="15620814"/>
+            <a:ext cx="13897794" cy="515920"/>
+          </a:xfrm>
+          <a:prstGeom prst="rect">
+            <a:avLst/>
+          </a:prstGeom>
+          <a:noFill/>
+          <a:ln>
+            <a:noFill/>
+          </a:ln>
+          <a:effectLst/>
+          <a:extLst>
+            <a:ext uri="{909E8E84-426E-40DD-AFC4-6F175D3DCCD1}">
+              <a14:hiddenFill xmlns:a14="http://schemas.microsoft.com/office/drawing/2010/main">
+                <a:solidFill>
+                  <a:srgbClr val="FFFFFF"/>
+                </a:solidFill>
+              </a14:hiddenFill>
+            </a:ext>
+            <a:ext uri="{91240B29-F687-4F45-9708-019B960494DF}">
+              <a14:hiddenLine xmlns:a14="http://schemas.microsoft.com/office/drawing/2010/main" w="9525" cap="flat">
+                <a:solidFill>
+                  <a:srgbClr val="3465A4"/>
+                </a:solidFill>
+                <a:round/>
+                <a:headEnd/>
+                <a:tailEnd/>
+              </a14:hiddenLine>
+            </a:ext>
+            <a:ext uri="{AF507438-7753-43E0-B8FC-AC1667EBCBE1}">
+              <a14:hiddenEffects xmlns:a14="http://schemas.microsoft.com/office/drawing/2010/main">
+                <a:effectLst>
+                  <a:outerShdw dist="35921" dir="2700000" algn="ctr" rotWithShape="0">
+                    <a:srgbClr val="808080"/>
+                  </a:outerShdw>
+                </a:effectLst>
+              </a14:hiddenEffects>
+            </a:ext>
+          </a:extLst>
+        </p:spPr>
+        <p:txBody>
+          <a:bodyPr wrap="square" lIns="175649" tIns="87825" rIns="175649" bIns="87825">
+            <a:spAutoFit/>
+          </a:bodyPr>
+          <a:lstStyle>
+            <a:lvl1pPr>
+              <a:tabLst>
+                <a:tab pos="0" algn="l"/>
+                <a:tab pos="914400" algn="l"/>
+                <a:tab pos="1828800" algn="l"/>
+                <a:tab pos="2743200" algn="l"/>
+                <a:tab pos="3657600" algn="l"/>
+                <a:tab pos="4572000" algn="l"/>
+                <a:tab pos="5486400" algn="l"/>
+                <a:tab pos="6400800" algn="l"/>
+                <a:tab pos="7315200" algn="l"/>
+                <a:tab pos="8229600" algn="l"/>
+                <a:tab pos="9144000" algn="l"/>
+                <a:tab pos="10058400" algn="l"/>
+                <a:tab pos="10333038" algn="l"/>
+                <a:tab pos="10782300" algn="l"/>
+                <a:tab pos="11231563" algn="l"/>
+                <a:tab pos="11680825" algn="l"/>
+                <a:tab pos="12130088" algn="l"/>
+                <a:tab pos="12579350" algn="l"/>
+                <a:tab pos="13028613" algn="l"/>
+                <a:tab pos="13477875" algn="l"/>
+              </a:tabLst>
+              <a:defRPr sz="7800">
+                <a:solidFill>
+                  <a:srgbClr val="000000"/>
+                </a:solidFill>
+                <a:latin typeface="Arial" panose="020B0604020202020204" pitchFamily="34" charset="0"/>
+                <a:ea typeface="ＭＳ Ｐゴシック" panose="020B0600070205080204" pitchFamily="34" charset="-128"/>
+              </a:defRPr>
+            </a:lvl1pPr>
+            <a:lvl2pPr>
+              <a:tabLst>
+                <a:tab pos="0" algn="l"/>
+                <a:tab pos="914400" algn="l"/>
+                <a:tab pos="1828800" algn="l"/>
+                <a:tab pos="2743200" algn="l"/>
+                <a:tab pos="3657600" algn="l"/>
+                <a:tab pos="4572000" algn="l"/>
+                <a:tab pos="5486400" algn="l"/>
+                <a:tab pos="6400800" algn="l"/>
+                <a:tab pos="7315200" algn="l"/>
+                <a:tab pos="8229600" algn="l"/>
+                <a:tab pos="9144000" algn="l"/>
+                <a:tab pos="10058400" algn="l"/>
+                <a:tab pos="10333038" algn="l"/>
+                <a:tab pos="10782300" algn="l"/>
+                <a:tab pos="11231563" algn="l"/>
+                <a:tab pos="11680825" algn="l"/>
+                <a:tab pos="12130088" algn="l"/>
+                <a:tab pos="12579350" algn="l"/>
+                <a:tab pos="13028613" algn="l"/>
+                <a:tab pos="13477875" algn="l"/>
+              </a:tabLst>
+              <a:defRPr sz="7800">
+                <a:solidFill>
+                  <a:srgbClr val="000000"/>
+                </a:solidFill>
+                <a:latin typeface="Arial" panose="020B0604020202020204" pitchFamily="34" charset="0"/>
+                <a:ea typeface="ＭＳ Ｐゴシック" panose="020B0600070205080204" pitchFamily="34" charset="-128"/>
+              </a:defRPr>
+            </a:lvl2pPr>
+            <a:lvl3pPr>
+              <a:tabLst>
+                <a:tab pos="0" algn="l"/>
+                <a:tab pos="914400" algn="l"/>
+                <a:tab pos="1828800" algn="l"/>
+                <a:tab pos="2743200" algn="l"/>
+                <a:tab pos="3657600" algn="l"/>
+                <a:tab pos="4572000" algn="l"/>
+                <a:tab pos="5486400" algn="l"/>
+                <a:tab pos="6400800" algn="l"/>
+                <a:tab pos="7315200" algn="l"/>
+                <a:tab pos="8229600" algn="l"/>
+                <a:tab pos="9144000" algn="l"/>
+                <a:tab pos="10058400" algn="l"/>
+                <a:tab pos="10333038" algn="l"/>
+                <a:tab pos="10782300" algn="l"/>
+                <a:tab pos="11231563" algn="l"/>
+                <a:tab pos="11680825" algn="l"/>
+                <a:tab pos="12130088" algn="l"/>
+                <a:tab pos="12579350" algn="l"/>
+                <a:tab pos="13028613" algn="l"/>
+                <a:tab pos="13477875" algn="l"/>
+              </a:tabLst>
+              <a:defRPr sz="7800">
+                <a:solidFill>
+                  <a:srgbClr val="000000"/>
+                </a:solidFill>
+                <a:latin typeface="Arial" panose="020B0604020202020204" pitchFamily="34" charset="0"/>
+                <a:ea typeface="ＭＳ Ｐゴシック" panose="020B0600070205080204" pitchFamily="34" charset="-128"/>
+              </a:defRPr>
+            </a:lvl3pPr>
+            <a:lvl4pPr>
+              <a:tabLst>
+                <a:tab pos="0" algn="l"/>
+                <a:tab pos="914400" algn="l"/>
+                <a:tab pos="1828800" algn="l"/>
+                <a:tab pos="2743200" algn="l"/>
+                <a:tab pos="3657600" algn="l"/>
+                <a:tab pos="4572000" algn="l"/>
+                <a:tab pos="5486400" algn="l"/>
+                <a:tab pos="6400800" algn="l"/>
+                <a:tab pos="7315200" algn="l"/>
+                <a:tab pos="8229600" algn="l"/>
+                <a:tab pos="9144000" algn="l"/>
+                <a:tab pos="10058400" algn="l"/>
+                <a:tab pos="10333038" algn="l"/>
+                <a:tab pos="10782300" algn="l"/>
+                <a:tab pos="11231563" algn="l"/>
+                <a:tab pos="11680825" algn="l"/>
+                <a:tab pos="12130088" algn="l"/>
+                <a:tab pos="12579350" algn="l"/>
+                <a:tab pos="13028613" algn="l"/>
+                <a:tab pos="13477875" algn="l"/>
+              </a:tabLst>
+              <a:defRPr sz="7800">
+                <a:solidFill>
+                  <a:srgbClr val="000000"/>
+                </a:solidFill>
+                <a:latin typeface="Arial" panose="020B0604020202020204" pitchFamily="34" charset="0"/>
+                <a:ea typeface="ＭＳ Ｐゴシック" panose="020B0600070205080204" pitchFamily="34" charset="-128"/>
+              </a:defRPr>
+            </a:lvl4pPr>
+            <a:lvl5pPr>
+              <a:tabLst>
+                <a:tab pos="0" algn="l"/>
+                <a:tab pos="914400" algn="l"/>
+                <a:tab pos="1828800" algn="l"/>
+                <a:tab pos="2743200" algn="l"/>
+                <a:tab pos="3657600" algn="l"/>
+                <a:tab pos="4572000" algn="l"/>
+                <a:tab pos="5486400" algn="l"/>
+                <a:tab pos="6400800" algn="l"/>
+                <a:tab pos="7315200" algn="l"/>
+                <a:tab pos="8229600" algn="l"/>
+                <a:tab pos="9144000" algn="l"/>
+                <a:tab pos="10058400" algn="l"/>
+                <a:tab pos="10333038" algn="l"/>
+                <a:tab pos="10782300" algn="l"/>
+                <a:tab pos="11231563" algn="l"/>
+                <a:tab pos="11680825" algn="l"/>
+                <a:tab pos="12130088" algn="l"/>
+                <a:tab pos="12579350" algn="l"/>
+                <a:tab pos="13028613" algn="l"/>
+                <a:tab pos="13477875" algn="l"/>
+              </a:tabLst>
+              <a:defRPr sz="7800">
+                <a:solidFill>
+                  <a:srgbClr val="000000"/>
+                </a:solidFill>
+                <a:latin typeface="Arial" panose="020B0604020202020204" pitchFamily="34" charset="0"/>
+                <a:ea typeface="ＭＳ Ｐゴシック" panose="020B0600070205080204" pitchFamily="34" charset="-128"/>
+              </a:defRPr>
+            </a:lvl5pPr>
+            <a:lvl6pPr marL="2514600" indent="-228600" defTabSz="449263" eaLnBrk="0" fontAlgn="base" hangingPunct="0">
+              <a:spcBef>
+                <a:spcPct val="0"/>
+              </a:spcBef>
+              <a:spcAft>
+                <a:spcPct val="0"/>
+              </a:spcAft>
+              <a:buClr>
+                <a:srgbClr val="000000"/>
+              </a:buClr>
+              <a:buSzPct val="100000"/>
+              <a:buFont typeface="Times New Roman" panose="02020603050405020304" pitchFamily="18" charset="0"/>
+              <a:tabLst>
+                <a:tab pos="0" algn="l"/>
+                <a:tab pos="914400" algn="l"/>
+                <a:tab pos="1828800" algn="l"/>
+                <a:tab pos="2743200" algn="l"/>
+                <a:tab pos="3657600" algn="l"/>
+                <a:tab pos="4572000" algn="l"/>
+                <a:tab pos="5486400" algn="l"/>
+                <a:tab pos="6400800" algn="l"/>
+                <a:tab pos="7315200" algn="l"/>
+                <a:tab pos="8229600" algn="l"/>
+                <a:tab pos="9144000" algn="l"/>
+                <a:tab pos="10058400" algn="l"/>
+                <a:tab pos="10333038" algn="l"/>
+                <a:tab pos="10782300" algn="l"/>
+                <a:tab pos="11231563" algn="l"/>
+                <a:tab pos="11680825" algn="l"/>
+                <a:tab pos="12130088" algn="l"/>
+                <a:tab pos="12579350" algn="l"/>
+                <a:tab pos="13028613" algn="l"/>
+                <a:tab pos="13477875" algn="l"/>
+              </a:tabLst>
+              <a:defRPr sz="7800">
+                <a:solidFill>
+                  <a:srgbClr val="000000"/>
+                </a:solidFill>
+                <a:latin typeface="Arial" panose="020B0604020202020204" pitchFamily="34" charset="0"/>
+                <a:ea typeface="ＭＳ Ｐゴシック" panose="020B0600070205080204" pitchFamily="34" charset="-128"/>
+              </a:defRPr>
+            </a:lvl6pPr>
+            <a:lvl7pPr marL="2971800" indent="-228600" defTabSz="449263" eaLnBrk="0" fontAlgn="base" hangingPunct="0">
+              <a:spcBef>
+                <a:spcPct val="0"/>
+              </a:spcBef>
+              <a:spcAft>
+                <a:spcPct val="0"/>
+              </a:spcAft>
+              <a:buClr>
+                <a:srgbClr val="000000"/>
+              </a:buClr>
+              <a:buSzPct val="100000"/>
+              <a:buFont typeface="Times New Roman" panose="02020603050405020304" pitchFamily="18" charset="0"/>
+              <a:tabLst>
+                <a:tab pos="0" algn="l"/>
+                <a:tab pos="914400" algn="l"/>
+                <a:tab pos="1828800" algn="l"/>
+                <a:tab pos="2743200" algn="l"/>
+                <a:tab pos="3657600" algn="l"/>
+                <a:tab pos="4572000" algn="l"/>
+                <a:tab pos="5486400" algn="l"/>
+                <a:tab pos="6400800" algn="l"/>
+                <a:tab pos="7315200" algn="l"/>
+                <a:tab pos="8229600" algn="l"/>
+                <a:tab pos="9144000" algn="l"/>
+                <a:tab pos="10058400" algn="l"/>
+                <a:tab pos="10333038" algn="l"/>
+                <a:tab pos="10782300" algn="l"/>
+                <a:tab pos="11231563" algn="l"/>
+                <a:tab pos="11680825" algn="l"/>
+                <a:tab pos="12130088" algn="l"/>
+                <a:tab pos="12579350" algn="l"/>
+                <a:tab pos="13028613" algn="l"/>
+                <a:tab pos="13477875" algn="l"/>
+              </a:tabLst>
+              <a:defRPr sz="7800">
+                <a:solidFill>
+                  <a:srgbClr val="000000"/>
+                </a:solidFill>
+                <a:latin typeface="Arial" panose="020B0604020202020204" pitchFamily="34" charset="0"/>
+                <a:ea typeface="ＭＳ Ｐゴシック" panose="020B0600070205080204" pitchFamily="34" charset="-128"/>
+              </a:defRPr>
+            </a:lvl7pPr>
+            <a:lvl8pPr marL="3429000" indent="-228600" defTabSz="449263" eaLnBrk="0" fontAlgn="base" hangingPunct="0">
+              <a:spcBef>
+                <a:spcPct val="0"/>
+              </a:spcBef>
+              <a:spcAft>
+                <a:spcPct val="0"/>
+              </a:spcAft>
+              <a:buClr>
+                <a:srgbClr val="000000"/>
+              </a:buClr>
+              <a:buSzPct val="100000"/>
+              <a:buFont typeface="Times New Roman" panose="02020603050405020304" pitchFamily="18" charset="0"/>
+              <a:tabLst>
+                <a:tab pos="0" algn="l"/>
+                <a:tab pos="914400" algn="l"/>
+                <a:tab pos="1828800" algn="l"/>
+                <a:tab pos="2743200" algn="l"/>
+                <a:tab pos="3657600" algn="l"/>
+                <a:tab pos="4572000" algn="l"/>
+                <a:tab pos="5486400" algn="l"/>
+                <a:tab pos="6400800" algn="l"/>
+                <a:tab pos="7315200" algn="l"/>
+                <a:tab pos="8229600" algn="l"/>
+                <a:tab pos="9144000" algn="l"/>
+                <a:tab pos="10058400" algn="l"/>
+                <a:tab pos="10333038" algn="l"/>
+                <a:tab pos="10782300" algn="l"/>
+                <a:tab pos="11231563" algn="l"/>
+                <a:tab pos="11680825" algn="l"/>
+                <a:tab pos="12130088" algn="l"/>
+                <a:tab pos="12579350" algn="l"/>
+                <a:tab pos="13028613" algn="l"/>
+                <a:tab pos="13477875" algn="l"/>
+              </a:tabLst>
+              <a:defRPr sz="7800">
+                <a:solidFill>
+                  <a:srgbClr val="000000"/>
+                </a:solidFill>
+                <a:latin typeface="Arial" panose="020B0604020202020204" pitchFamily="34" charset="0"/>
+                <a:ea typeface="ＭＳ Ｐゴシック" panose="020B0600070205080204" pitchFamily="34" charset="-128"/>
+              </a:defRPr>
+            </a:lvl8pPr>
+            <a:lvl9pPr marL="3886200" indent="-228600" defTabSz="449263" eaLnBrk="0" fontAlgn="base" hangingPunct="0">
+              <a:spcBef>
+                <a:spcPct val="0"/>
+              </a:spcBef>
+              <a:spcAft>
+                <a:spcPct val="0"/>
+              </a:spcAft>
+              <a:buClr>
+                <a:srgbClr val="000000"/>
+              </a:buClr>
+              <a:buSzPct val="100000"/>
+              <a:buFont typeface="Times New Roman" panose="02020603050405020304" pitchFamily="18" charset="0"/>
+              <a:tabLst>
+                <a:tab pos="0" algn="l"/>
+                <a:tab pos="914400" algn="l"/>
+                <a:tab pos="1828800" algn="l"/>
+                <a:tab pos="2743200" algn="l"/>
+                <a:tab pos="3657600" algn="l"/>
+                <a:tab pos="4572000" algn="l"/>
+                <a:tab pos="5486400" algn="l"/>
+                <a:tab pos="6400800" algn="l"/>
+                <a:tab pos="7315200" algn="l"/>
+                <a:tab pos="8229600" algn="l"/>
+                <a:tab pos="9144000" algn="l"/>
+                <a:tab pos="10058400" algn="l"/>
+                <a:tab pos="10333038" algn="l"/>
+                <a:tab pos="10782300" algn="l"/>
+                <a:tab pos="11231563" algn="l"/>
+                <a:tab pos="11680825" algn="l"/>
+                <a:tab pos="12130088" algn="l"/>
+                <a:tab pos="12579350" algn="l"/>
+                <a:tab pos="13028613" algn="l"/>
+                <a:tab pos="13477875" algn="l"/>
+              </a:tabLst>
+              <a:defRPr sz="7800">
+                <a:solidFill>
+                  <a:srgbClr val="000000"/>
+                </a:solidFill>
+                <a:latin typeface="Arial" panose="020B0604020202020204" pitchFamily="34" charset="0"/>
+                <a:ea typeface="ＭＳ Ｐゴシック" panose="020B0600070205080204" pitchFamily="34" charset="-128"/>
+              </a:defRPr>
+            </a:lvl9pPr>
+          </a:lstStyle>
+          <a:p>
+            <a:pPr algn="ctr">
+              <a:buClrTx/>
+              <a:buFontTx/>
+              <a:buNone/>
+            </a:pPr>
+            <a:r>
+              <a:rPr lang="en-US" altLang="en-US" sz="2200" b="1" i="1" dirty="0"/>
+              <a:t>Figure 3– </a:t>
+            </a:r>
+            <a:r>
+              <a:rPr lang="en-US" altLang="en-US" sz="2200" i="1" dirty="0"/>
+              <a:t>Soft constraint progress for comp02 instance from ITC-2007.</a:t>
+            </a:r>
+          </a:p>
+        </p:txBody>
+      </p:sp>
+      <p:grpSp>
+        <p:nvGrpSpPr>
+          <p:cNvPr id="34" name="Group 33">
+            <a:extLst>
+              <a:ext uri="{FF2B5EF4-FFF2-40B4-BE49-F238E27FC236}">
+                <a16:creationId xmlns:a16="http://schemas.microsoft.com/office/drawing/2014/main" id="{5A40B9B8-F66C-04D3-11C0-39B46289C08A}"/>
+              </a:ext>
+            </a:extLst>
+          </p:cNvPr>
+          <p:cNvGrpSpPr/>
+          <p:nvPr/>
+        </p:nvGrpSpPr>
+        <p:grpSpPr>
+          <a:xfrm>
+            <a:off x="18596973" y="9324178"/>
+            <a:ext cx="7990592" cy="6139751"/>
+            <a:chOff x="9582857" y="10090716"/>
+            <a:chExt cx="8064732" cy="6196718"/>
+          </a:xfrm>
+        </p:grpSpPr>
+        <p:grpSp>
+          <p:nvGrpSpPr>
+            <p:cNvPr id="35" name="Group 34">
+              <a:extLst>
+                <a:ext uri="{FF2B5EF4-FFF2-40B4-BE49-F238E27FC236}">
+                  <a16:creationId xmlns:a16="http://schemas.microsoft.com/office/drawing/2014/main" id="{F238B9EF-7114-0EFC-01DF-DE5FBB73E7D2}"/>
+                </a:ext>
+              </a:extLst>
+            </p:cNvPr>
+            <p:cNvGrpSpPr/>
+            <p:nvPr/>
+          </p:nvGrpSpPr>
+          <p:grpSpPr>
+            <a:xfrm>
+              <a:off x="9582857" y="10090716"/>
+              <a:ext cx="7296606" cy="6196718"/>
+              <a:chOff x="9582858" y="10448870"/>
+              <a:chExt cx="6785382" cy="5735699"/>
+            </a:xfrm>
+          </p:grpSpPr>
+          <p:pic>
+            <p:nvPicPr>
+              <p:cNvPr id="38" name="Picture 37" descr="A graph with red and blue lines&#10;&#10;AI-generated content may be incorrect.">
+                <a:extLst>
+                  <a:ext uri="{FF2B5EF4-FFF2-40B4-BE49-F238E27FC236}">
+                    <a16:creationId xmlns:a16="http://schemas.microsoft.com/office/drawing/2014/main" id="{75ECEC33-E189-BEB6-635B-DE0F7215AAD4}"/>
+                  </a:ext>
+                </a:extLst>
+              </p:cNvPr>
+              <p:cNvPicPr>
+                <a:picLocks noChangeAspect="1"/>
+              </p:cNvPicPr>
+              <p:nvPr/>
+            </p:nvPicPr>
+            <p:blipFill>
+              <a:blip r:embed="rId12">
+                <a:extLst>
+                  <a:ext uri="{28A0092B-C50C-407E-A947-70E740481C1C}">
+                    <a14:useLocalDpi xmlns:a14="http://schemas.microsoft.com/office/drawing/2010/main" val="0"/>
+                  </a:ext>
+                </a:extLst>
+              </a:blip>
+              <a:srcRect t="1559" r="7445"/>
+              <a:stretch/>
+            </p:blipFill>
+            <p:spPr>
+              <a:xfrm>
+                <a:off x="9582858" y="10448870"/>
+                <a:ext cx="6785382" cy="5735699"/>
+              </a:xfrm>
+              <a:prstGeom prst="rect">
+                <a:avLst/>
+              </a:prstGeom>
+            </p:spPr>
+          </p:pic>
+          <p:pic>
+            <p:nvPicPr>
+              <p:cNvPr id="40" name="Picture 39" descr="A graph with red and blue lines&#10;&#10;AI-generated content may be incorrect.">
+                <a:extLst>
+                  <a:ext uri="{FF2B5EF4-FFF2-40B4-BE49-F238E27FC236}">
+                    <a16:creationId xmlns:a16="http://schemas.microsoft.com/office/drawing/2014/main" id="{8322D96A-F07C-4AE0-1B1E-2C6DD3956E22}"/>
+                  </a:ext>
+                </a:extLst>
+              </p:cNvPr>
+              <p:cNvPicPr>
+                <a:picLocks noChangeAspect="1"/>
+              </p:cNvPicPr>
+              <p:nvPr/>
+            </p:nvPicPr>
+            <p:blipFill>
+              <a:blip r:embed="rId12">
+                <a:extLst>
+                  <a:ext uri="{28A0092B-C50C-407E-A947-70E740481C1C}">
+                    <a14:useLocalDpi xmlns:a14="http://schemas.microsoft.com/office/drawing/2010/main" val="0"/>
+                  </a:ext>
+                </a:extLst>
+              </a:blip>
+              <a:srcRect l="85388" t="86580" r="7445"/>
+              <a:stretch/>
+            </p:blipFill>
+            <p:spPr>
+              <a:xfrm>
+                <a:off x="15876611" y="11323018"/>
+                <a:ext cx="333392" cy="762659"/>
+              </a:xfrm>
+              <a:prstGeom prst="rect">
+                <a:avLst/>
+              </a:prstGeom>
+            </p:spPr>
+          </p:pic>
+          <p:pic>
+            <p:nvPicPr>
+              <p:cNvPr id="41" name="Picture 40" descr="A graph with red and blue lines&#10;&#10;AI-generated content may be incorrect.">
+                <a:extLst>
+                  <a:ext uri="{FF2B5EF4-FFF2-40B4-BE49-F238E27FC236}">
+                    <a16:creationId xmlns:a16="http://schemas.microsoft.com/office/drawing/2014/main" id="{7AC65115-A461-8A75-1693-504ABA29F493}"/>
+                  </a:ext>
+                </a:extLst>
+              </p:cNvPr>
+              <p:cNvPicPr>
+                <a:picLocks noChangeAspect="1"/>
+              </p:cNvPicPr>
+              <p:nvPr/>
+            </p:nvPicPr>
+            <p:blipFill>
+              <a:blip r:embed="rId12">
+                <a:extLst>
+                  <a:ext uri="{28A0092B-C50C-407E-A947-70E740481C1C}">
+                    <a14:useLocalDpi xmlns:a14="http://schemas.microsoft.com/office/drawing/2010/main" val="0"/>
+                  </a:ext>
+                </a:extLst>
+              </a:blip>
+              <a:srcRect l="85388" t="86580" r="7445"/>
+              <a:stretch/>
+            </p:blipFill>
+            <p:spPr>
+              <a:xfrm>
+                <a:off x="15867741" y="10448870"/>
+                <a:ext cx="333392" cy="619166"/>
+              </a:xfrm>
+              <a:prstGeom prst="rect">
+                <a:avLst/>
+              </a:prstGeom>
+            </p:spPr>
+          </p:pic>
+        </p:grpSp>
+        <p:pic>
+          <p:nvPicPr>
+            <p:cNvPr id="36" name="Picture 35">
+              <a:extLst>
+                <a:ext uri="{FF2B5EF4-FFF2-40B4-BE49-F238E27FC236}">
+                  <a16:creationId xmlns:a16="http://schemas.microsoft.com/office/drawing/2014/main" id="{1AC05405-9F2F-62BE-F490-6D781CBF32FD}"/>
+                </a:ext>
+              </a:extLst>
+            </p:cNvPr>
+            <p:cNvPicPr>
+              <a:picLocks noChangeAspect="1"/>
+            </p:cNvPicPr>
+            <p:nvPr/>
+          </p:nvPicPr>
+          <p:blipFill>
+            <a:blip r:embed="rId13">
+              <a:extLst>
+                <a:ext uri="{28A0092B-C50C-407E-A947-70E740481C1C}">
+                  <a14:useLocalDpi xmlns:a14="http://schemas.microsoft.com/office/drawing/2010/main" val="0"/>
+                </a:ext>
+              </a:extLst>
+            </a:blip>
+            <a:srcRect l="4451"/>
+            <a:stretch/>
+          </p:blipFill>
+          <p:spPr>
+            <a:xfrm>
+              <a:off x="16273139" y="11246875"/>
+              <a:ext cx="1374450" cy="447737"/>
+            </a:xfrm>
+            <a:prstGeom prst="rect">
+              <a:avLst/>
+            </a:prstGeom>
+          </p:spPr>
+        </p:pic>
+      </p:grpSp>
+      <p:pic>
+        <p:nvPicPr>
+          <p:cNvPr id="43" name="Picture 42" descr="A diagram of a diagram&#10;&#10;AI-generated content may be incorrect.">
+            <a:extLst>
+              <a:ext uri="{FF2B5EF4-FFF2-40B4-BE49-F238E27FC236}">
+                <a16:creationId xmlns:a16="http://schemas.microsoft.com/office/drawing/2014/main" id="{A10D325B-ACB1-5B5A-33F8-47C9DFAF054F}"/>
+              </a:ext>
+            </a:extLst>
+          </p:cNvPr>
+          <p:cNvPicPr>
+            <a:picLocks noChangeAspect="1"/>
+          </p:cNvPicPr>
+          <p:nvPr/>
+        </p:nvPicPr>
+        <p:blipFill>
+          <a:blip r:embed="rId14"/>
+          <a:stretch>
+            <a:fillRect/>
+          </a:stretch>
+        </p:blipFill>
+        <p:spPr>
+          <a:xfrm>
+            <a:off x="2748715" y="29018799"/>
+            <a:ext cx="10614438" cy="10418194"/>
+          </a:xfrm>
+          <a:prstGeom prst="rect">
+            <a:avLst/>
+          </a:prstGeom>
+        </p:spPr>
+      </p:pic>
+      <p:pic>
+        <p:nvPicPr>
+          <p:cNvPr id="1030" name="Picture 6" descr="Academia Física FCUP">
+            <a:extLst>
+              <a:ext uri="{FF2B5EF4-FFF2-40B4-BE49-F238E27FC236}">
+                <a16:creationId xmlns:a16="http://schemas.microsoft.com/office/drawing/2014/main" id="{5E994D3A-4D8B-BD08-DE51-7C56B1A31C79}"/>
+              </a:ext>
+            </a:extLst>
+          </p:cNvPr>
+          <p:cNvPicPr>
+            <a:picLocks noChangeAspect="1" noChangeArrowheads="1"/>
+          </p:cNvPicPr>
+          <p:nvPr/>
+        </p:nvPicPr>
+        <p:blipFill>
+          <a:blip r:embed="rId15">
+            <a:extLst>
+              <a:ext uri="{28A0092B-C50C-407E-A947-70E740481C1C}">
+                <a14:useLocalDpi xmlns:a14="http://schemas.microsoft.com/office/drawing/2010/main" val="0"/>
+              </a:ext>
+            </a:extLst>
+          </a:blip>
+          <a:srcRect/>
+          <a:stretch>
+            <a:fillRect/>
+          </a:stretch>
+        </p:blipFill>
+        <p:spPr bwMode="auto">
+          <a:xfrm>
+            <a:off x="0" y="162893"/>
+            <a:ext cx="4511498" cy="1894829"/>
+          </a:xfrm>
+          <a:prstGeom prst="rect">
+            <a:avLst/>
+          </a:prstGeom>
+          <a:noFill/>
+          <a:extLst>
+            <a:ext uri="{909E8E84-426E-40DD-AFC4-6F175D3DCCD1}">
+              <a14:hiddenFill xmlns:a14="http://schemas.microsoft.com/office/drawing/2010/main">
+                <a:solidFill>
+                  <a:srgbClr val="FFFFFF"/>
+                </a:solidFill>
+              </a14:hiddenFill>
+            </a:ext>
+          </a:extLst>
+        </p:spPr>
+      </p:pic>
+      <p:pic>
+        <p:nvPicPr>
+          <p:cNvPr id="1032" name="Picture 8" descr="Departamento de Ciência de Computadores, FCUP">
+            <a:extLst>
+              <a:ext uri="{FF2B5EF4-FFF2-40B4-BE49-F238E27FC236}">
+                <a16:creationId xmlns:a16="http://schemas.microsoft.com/office/drawing/2014/main" id="{F4A36450-86BA-ADA7-AF66-218A71CF0C73}"/>
+              </a:ext>
+            </a:extLst>
+          </p:cNvPr>
+          <p:cNvPicPr>
+            <a:picLocks noChangeAspect="1" noChangeArrowheads="1"/>
+          </p:cNvPicPr>
+          <p:nvPr/>
+        </p:nvPicPr>
+        <p:blipFill rotWithShape="1">
+          <a:blip r:embed="rId16">
+            <a:extLst>
+              <a:ext uri="{28A0092B-C50C-407E-A947-70E740481C1C}">
+                <a14:useLocalDpi xmlns:a14="http://schemas.microsoft.com/office/drawing/2010/main" val="0"/>
+              </a:ext>
+            </a:extLst>
+          </a:blip>
+          <a:srcRect t="20655" b="16709"/>
+          <a:stretch/>
+        </p:blipFill>
+        <p:spPr bwMode="auto">
+          <a:xfrm>
+            <a:off x="26368577" y="249167"/>
+            <a:ext cx="2887460" cy="1808556"/>
+          </a:xfrm>
+          <a:prstGeom prst="rect">
+            <a:avLst/>
+          </a:prstGeom>
+          <a:noFill/>
+          <a:extLst>
+            <a:ext uri="{909E8E84-426E-40DD-AFC4-6F175D3DCCD1}">
+              <a14:hiddenFill xmlns:a14="http://schemas.microsoft.com/office/drawing/2010/main">
+                <a:solidFill>
+                  <a:srgbClr val="FFFFFF"/>
+                </a:solidFill>
+              </a14:hiddenFill>
+            </a:ext>
+          </a:extLst>
+        </p:spPr>
+      </p:pic>
+      <p:sp>
+        <p:nvSpPr>
+          <p:cNvPr id="47" name="Rectângulo 19">
+            <a:extLst>
+              <a:ext uri="{FF2B5EF4-FFF2-40B4-BE49-F238E27FC236}">
+                <a16:creationId xmlns:a16="http://schemas.microsoft.com/office/drawing/2014/main" id="{FD2CFC4C-0915-FA21-9C0A-92F9BFE330A0}"/>
+              </a:ext>
+            </a:extLst>
+          </p:cNvPr>
+          <p:cNvSpPr/>
+          <p:nvPr/>
+        </p:nvSpPr>
+        <p:spPr>
+          <a:xfrm>
+            <a:off x="16126584" y="30251080"/>
+            <a:ext cx="1800000" cy="144000"/>
+          </a:xfrm>
+          <a:prstGeom prst="rect">
+            <a:avLst/>
+          </a:prstGeom>
+          <a:solidFill>
+            <a:srgbClr val="88CFBC"/>
+          </a:solidFill>
+          <a:ln>
+            <a:noFill/>
+          </a:ln>
+        </p:spPr>
+        <p:style>
+          <a:lnRef idx="2">
+            <a:schemeClr val="accent1">
+              <a:shade val="50000"/>
+            </a:schemeClr>
+          </a:lnRef>
+          <a:fillRef idx="1">
+            <a:schemeClr val="accent1"/>
+          </a:fillRef>
+          <a:effectRef idx="0">
+            <a:schemeClr val="accent1"/>
+          </a:effectRef>
+          <a:fontRef idx="minor">
+            <a:schemeClr val="lt1"/>
+          </a:fontRef>
+        </p:style>
+        <p:txBody>
+          <a:bodyPr rtlCol="0" anchor="ctr"/>
+          <a:lstStyle/>
+          <a:p>
+            <a:pPr algn="ctr"/>
+            <a:endParaRPr lang="pt-PT"/>
+          </a:p>
+        </p:txBody>
+      </p:sp>
+      <p:sp>
+        <p:nvSpPr>
+          <p:cNvPr id="55" name="Text Box 15">
+            <a:extLst>
+              <a:ext uri="{FF2B5EF4-FFF2-40B4-BE49-F238E27FC236}">
+                <a16:creationId xmlns:a16="http://schemas.microsoft.com/office/drawing/2014/main" id="{6E4A0ABA-2CD2-F2E8-C410-FCA4F518BEFF}"/>
+              </a:ext>
+            </a:extLst>
+          </p:cNvPr>
+          <p:cNvSpPr txBox="1">
+            <a:spLocks noChangeArrowheads="1"/>
+          </p:cNvSpPr>
+          <p:nvPr/>
+        </p:nvSpPr>
+        <p:spPr bwMode="auto">
+          <a:xfrm>
+            <a:off x="5116950" y="17950054"/>
+            <a:ext cx="5115625" cy="515920"/>
+          </a:xfrm>
+          <a:prstGeom prst="rect">
+            <a:avLst/>
+          </a:prstGeom>
+          <a:noFill/>
+          <a:ln>
+            <a:noFill/>
+          </a:ln>
+          <a:effectLst/>
+          <a:extLst>
+            <a:ext uri="{909E8E84-426E-40DD-AFC4-6F175D3DCCD1}">
+              <a14:hiddenFill xmlns:a14="http://schemas.microsoft.com/office/drawing/2010/main">
+                <a:solidFill>
+                  <a:srgbClr val="FFFFFF"/>
+                </a:solidFill>
+              </a14:hiddenFill>
+            </a:ext>
+            <a:ext uri="{91240B29-F687-4F45-9708-019B960494DF}">
+              <a14:hiddenLine xmlns:a14="http://schemas.microsoft.com/office/drawing/2010/main" w="9525" cap="flat">
+                <a:solidFill>
+                  <a:srgbClr val="3465A4"/>
+                </a:solidFill>
+                <a:round/>
+                <a:headEnd/>
+                <a:tailEnd/>
+              </a14:hiddenLine>
+            </a:ext>
+            <a:ext uri="{AF507438-7753-43E0-B8FC-AC1667EBCBE1}">
+              <a14:hiddenEffects xmlns:a14="http://schemas.microsoft.com/office/drawing/2010/main">
+                <a:effectLst>
+                  <a:outerShdw dist="35921" dir="2700000" algn="ctr" rotWithShape="0">
+                    <a:srgbClr val="808080"/>
+                  </a:outerShdw>
+                </a:effectLst>
+              </a14:hiddenEffects>
+            </a:ext>
+          </a:extLst>
+        </p:spPr>
+        <p:txBody>
+          <a:bodyPr wrap="square" lIns="175649" tIns="87825" rIns="175649" bIns="87825">
+            <a:spAutoFit/>
+          </a:bodyPr>
+          <a:lstStyle>
+            <a:lvl1pPr>
+              <a:tabLst>
+                <a:tab pos="0" algn="l"/>
+                <a:tab pos="914400" algn="l"/>
+                <a:tab pos="1828800" algn="l"/>
+                <a:tab pos="2743200" algn="l"/>
+                <a:tab pos="3657600" algn="l"/>
+                <a:tab pos="4572000" algn="l"/>
+                <a:tab pos="5486400" algn="l"/>
+                <a:tab pos="6400800" algn="l"/>
+                <a:tab pos="7315200" algn="l"/>
+                <a:tab pos="8229600" algn="l"/>
+                <a:tab pos="9144000" algn="l"/>
+                <a:tab pos="10058400" algn="l"/>
+                <a:tab pos="10333038" algn="l"/>
+                <a:tab pos="10782300" algn="l"/>
+                <a:tab pos="11231563" algn="l"/>
+                <a:tab pos="11680825" algn="l"/>
+                <a:tab pos="12130088" algn="l"/>
+                <a:tab pos="12579350" algn="l"/>
+                <a:tab pos="13028613" algn="l"/>
+                <a:tab pos="13477875" algn="l"/>
+              </a:tabLst>
+              <a:defRPr sz="7800">
+                <a:solidFill>
+                  <a:srgbClr val="000000"/>
+                </a:solidFill>
+                <a:latin typeface="Arial" panose="020B0604020202020204" pitchFamily="34" charset="0"/>
+                <a:ea typeface="ＭＳ Ｐゴシック" panose="020B0600070205080204" pitchFamily="34" charset="-128"/>
+              </a:defRPr>
+            </a:lvl1pPr>
+            <a:lvl2pPr>
+              <a:tabLst>
+                <a:tab pos="0" algn="l"/>
+                <a:tab pos="914400" algn="l"/>
+                <a:tab pos="1828800" algn="l"/>
+                <a:tab pos="2743200" algn="l"/>
+                <a:tab pos="3657600" algn="l"/>
+                <a:tab pos="4572000" algn="l"/>
+                <a:tab pos="5486400" algn="l"/>
+                <a:tab pos="6400800" algn="l"/>
+                <a:tab pos="7315200" algn="l"/>
+                <a:tab pos="8229600" algn="l"/>
+                <a:tab pos="9144000" algn="l"/>
+                <a:tab pos="10058400" algn="l"/>
+                <a:tab pos="10333038" algn="l"/>
+                <a:tab pos="10782300" algn="l"/>
+                <a:tab pos="11231563" algn="l"/>
+                <a:tab pos="11680825" algn="l"/>
+                <a:tab pos="12130088" algn="l"/>
+                <a:tab pos="12579350" algn="l"/>
+                <a:tab pos="13028613" algn="l"/>
+                <a:tab pos="13477875" algn="l"/>
+              </a:tabLst>
+              <a:defRPr sz="7800">
+                <a:solidFill>
+                  <a:srgbClr val="000000"/>
+                </a:solidFill>
+                <a:latin typeface="Arial" panose="020B0604020202020204" pitchFamily="34" charset="0"/>
+                <a:ea typeface="ＭＳ Ｐゴシック" panose="020B0600070205080204" pitchFamily="34" charset="-128"/>
+              </a:defRPr>
+            </a:lvl2pPr>
+            <a:lvl3pPr>
+              <a:tabLst>
+                <a:tab pos="0" algn="l"/>
+                <a:tab pos="914400" algn="l"/>
+                <a:tab pos="1828800" algn="l"/>
+                <a:tab pos="2743200" algn="l"/>
+                <a:tab pos="3657600" algn="l"/>
+                <a:tab pos="4572000" algn="l"/>
+                <a:tab pos="5486400" algn="l"/>
+                <a:tab pos="6400800" algn="l"/>
+                <a:tab pos="7315200" algn="l"/>
+                <a:tab pos="8229600" algn="l"/>
+                <a:tab pos="9144000" algn="l"/>
+                <a:tab pos="10058400" algn="l"/>
+                <a:tab pos="10333038" algn="l"/>
+                <a:tab pos="10782300" algn="l"/>
+                <a:tab pos="11231563" algn="l"/>
+                <a:tab pos="11680825" algn="l"/>
+                <a:tab pos="12130088" algn="l"/>
+                <a:tab pos="12579350" algn="l"/>
+                <a:tab pos="13028613" algn="l"/>
+                <a:tab pos="13477875" algn="l"/>
+              </a:tabLst>
+              <a:defRPr sz="7800">
+                <a:solidFill>
+                  <a:srgbClr val="000000"/>
+                </a:solidFill>
+                <a:latin typeface="Arial" panose="020B0604020202020204" pitchFamily="34" charset="0"/>
+                <a:ea typeface="ＭＳ Ｐゴシック" panose="020B0600070205080204" pitchFamily="34" charset="-128"/>
+              </a:defRPr>
+            </a:lvl3pPr>
+            <a:lvl4pPr>
+              <a:tabLst>
+                <a:tab pos="0" algn="l"/>
+                <a:tab pos="914400" algn="l"/>
+                <a:tab pos="1828800" algn="l"/>
+                <a:tab pos="2743200" algn="l"/>
+                <a:tab pos="3657600" algn="l"/>
+                <a:tab pos="4572000" algn="l"/>
+                <a:tab pos="5486400" algn="l"/>
+                <a:tab pos="6400800" algn="l"/>
+                <a:tab pos="7315200" algn="l"/>
+                <a:tab pos="8229600" algn="l"/>
+                <a:tab pos="9144000" algn="l"/>
+                <a:tab pos="10058400" algn="l"/>
+                <a:tab pos="10333038" algn="l"/>
+                <a:tab pos="10782300" algn="l"/>
+                <a:tab pos="11231563" algn="l"/>
+                <a:tab pos="11680825" algn="l"/>
+                <a:tab pos="12130088" algn="l"/>
+                <a:tab pos="12579350" algn="l"/>
+                <a:tab pos="13028613" algn="l"/>
+                <a:tab pos="13477875" algn="l"/>
+              </a:tabLst>
+              <a:defRPr sz="7800">
+                <a:solidFill>
+                  <a:srgbClr val="000000"/>
+                </a:solidFill>
+                <a:latin typeface="Arial" panose="020B0604020202020204" pitchFamily="34" charset="0"/>
+                <a:ea typeface="ＭＳ Ｐゴシック" panose="020B0600070205080204" pitchFamily="34" charset="-128"/>
+              </a:defRPr>
+            </a:lvl4pPr>
+            <a:lvl5pPr>
+              <a:tabLst>
+                <a:tab pos="0" algn="l"/>
+                <a:tab pos="914400" algn="l"/>
+                <a:tab pos="1828800" algn="l"/>
+                <a:tab pos="2743200" algn="l"/>
+                <a:tab pos="3657600" algn="l"/>
+                <a:tab pos="4572000" algn="l"/>
+                <a:tab pos="5486400" algn="l"/>
+                <a:tab pos="6400800" algn="l"/>
+                <a:tab pos="7315200" algn="l"/>
+                <a:tab pos="8229600" algn="l"/>
+                <a:tab pos="9144000" algn="l"/>
+                <a:tab pos="10058400" algn="l"/>
+                <a:tab pos="10333038" algn="l"/>
+                <a:tab pos="10782300" algn="l"/>
+                <a:tab pos="11231563" algn="l"/>
+                <a:tab pos="11680825" algn="l"/>
+                <a:tab pos="12130088" algn="l"/>
+                <a:tab pos="12579350" algn="l"/>
+                <a:tab pos="13028613" algn="l"/>
+                <a:tab pos="13477875" algn="l"/>
+              </a:tabLst>
+              <a:defRPr sz="7800">
+                <a:solidFill>
+                  <a:srgbClr val="000000"/>
+                </a:solidFill>
+                <a:latin typeface="Arial" panose="020B0604020202020204" pitchFamily="34" charset="0"/>
+                <a:ea typeface="ＭＳ Ｐゴシック" panose="020B0600070205080204" pitchFamily="34" charset="-128"/>
+              </a:defRPr>
+            </a:lvl5pPr>
+            <a:lvl6pPr marL="2514600" indent="-228600" defTabSz="449263" eaLnBrk="0" fontAlgn="base" hangingPunct="0">
+              <a:spcBef>
+                <a:spcPct val="0"/>
+              </a:spcBef>
+              <a:spcAft>
+                <a:spcPct val="0"/>
+              </a:spcAft>
+              <a:buClr>
+                <a:srgbClr val="000000"/>
+              </a:buClr>
+              <a:buSzPct val="100000"/>
+              <a:buFont typeface="Times New Roman" panose="02020603050405020304" pitchFamily="18" charset="0"/>
+              <a:tabLst>
+                <a:tab pos="0" algn="l"/>
+                <a:tab pos="914400" algn="l"/>
+                <a:tab pos="1828800" algn="l"/>
+                <a:tab pos="2743200" algn="l"/>
+                <a:tab pos="3657600" algn="l"/>
+                <a:tab pos="4572000" algn="l"/>
+                <a:tab pos="5486400" algn="l"/>
+                <a:tab pos="6400800" algn="l"/>
+                <a:tab pos="7315200" algn="l"/>
+                <a:tab pos="8229600" algn="l"/>
+                <a:tab pos="9144000" algn="l"/>
+                <a:tab pos="10058400" algn="l"/>
+                <a:tab pos="10333038" algn="l"/>
+                <a:tab pos="10782300" algn="l"/>
+                <a:tab pos="11231563" algn="l"/>
+                <a:tab pos="11680825" algn="l"/>
+                <a:tab pos="12130088" algn="l"/>
+                <a:tab pos="12579350" algn="l"/>
+                <a:tab pos="13028613" algn="l"/>
+                <a:tab pos="13477875" algn="l"/>
+              </a:tabLst>
+              <a:defRPr sz="7800">
+                <a:solidFill>
+                  <a:srgbClr val="000000"/>
+                </a:solidFill>
+                <a:latin typeface="Arial" panose="020B0604020202020204" pitchFamily="34" charset="0"/>
+                <a:ea typeface="ＭＳ Ｐゴシック" panose="020B0600070205080204" pitchFamily="34" charset="-128"/>
+              </a:defRPr>
+            </a:lvl6pPr>
+            <a:lvl7pPr marL="2971800" indent="-228600" defTabSz="449263" eaLnBrk="0" fontAlgn="base" hangingPunct="0">
+              <a:spcBef>
+                <a:spcPct val="0"/>
+              </a:spcBef>
+              <a:spcAft>
+                <a:spcPct val="0"/>
+              </a:spcAft>
+              <a:buClr>
+                <a:srgbClr val="000000"/>
+              </a:buClr>
+              <a:buSzPct val="100000"/>
+              <a:buFont typeface="Times New Roman" panose="02020603050405020304" pitchFamily="18" charset="0"/>
+              <a:tabLst>
+                <a:tab pos="0" algn="l"/>
+                <a:tab pos="914400" algn="l"/>
+                <a:tab pos="1828800" algn="l"/>
+                <a:tab pos="2743200" algn="l"/>
+                <a:tab pos="3657600" algn="l"/>
+                <a:tab pos="4572000" algn="l"/>
+                <a:tab pos="5486400" algn="l"/>
+                <a:tab pos="6400800" algn="l"/>
+                <a:tab pos="7315200" algn="l"/>
+                <a:tab pos="8229600" algn="l"/>
+                <a:tab pos="9144000" algn="l"/>
+                <a:tab pos="10058400" algn="l"/>
+                <a:tab pos="10333038" algn="l"/>
+                <a:tab pos="10782300" algn="l"/>
+                <a:tab pos="11231563" algn="l"/>
+                <a:tab pos="11680825" algn="l"/>
+                <a:tab pos="12130088" algn="l"/>
+                <a:tab pos="12579350" algn="l"/>
+                <a:tab pos="13028613" algn="l"/>
+                <a:tab pos="13477875" algn="l"/>
+              </a:tabLst>
+              <a:defRPr sz="7800">
+                <a:solidFill>
+                  <a:srgbClr val="000000"/>
+                </a:solidFill>
+                <a:latin typeface="Arial" panose="020B0604020202020204" pitchFamily="34" charset="0"/>
+                <a:ea typeface="ＭＳ Ｐゴシック" panose="020B0600070205080204" pitchFamily="34" charset="-128"/>
+              </a:defRPr>
+            </a:lvl7pPr>
+            <a:lvl8pPr marL="3429000" indent="-228600" defTabSz="449263" eaLnBrk="0" fontAlgn="base" hangingPunct="0">
+              <a:spcBef>
+                <a:spcPct val="0"/>
+              </a:spcBef>
+              <a:spcAft>
+                <a:spcPct val="0"/>
+              </a:spcAft>
+              <a:buClr>
+                <a:srgbClr val="000000"/>
+              </a:buClr>
+              <a:buSzPct val="100000"/>
+              <a:buFont typeface="Times New Roman" panose="02020603050405020304" pitchFamily="18" charset="0"/>
+              <a:tabLst>
+                <a:tab pos="0" algn="l"/>
+                <a:tab pos="914400" algn="l"/>
+                <a:tab pos="1828800" algn="l"/>
+                <a:tab pos="2743200" algn="l"/>
+                <a:tab pos="3657600" algn="l"/>
+                <a:tab pos="4572000" algn="l"/>
+                <a:tab pos="5486400" algn="l"/>
+                <a:tab pos="6400800" algn="l"/>
+                <a:tab pos="7315200" algn="l"/>
+                <a:tab pos="8229600" algn="l"/>
+                <a:tab pos="9144000" algn="l"/>
+                <a:tab pos="10058400" algn="l"/>
+                <a:tab pos="10333038" algn="l"/>
+                <a:tab pos="10782300" algn="l"/>
+                <a:tab pos="11231563" algn="l"/>
+                <a:tab pos="11680825" algn="l"/>
+                <a:tab pos="12130088" algn="l"/>
+                <a:tab pos="12579350" algn="l"/>
+                <a:tab pos="13028613" algn="l"/>
+                <a:tab pos="13477875" algn="l"/>
+              </a:tabLst>
+              <a:defRPr sz="7800">
+                <a:solidFill>
+                  <a:srgbClr val="000000"/>
+                </a:solidFill>
+                <a:latin typeface="Arial" panose="020B0604020202020204" pitchFamily="34" charset="0"/>
+                <a:ea typeface="ＭＳ Ｐゴシック" panose="020B0600070205080204" pitchFamily="34" charset="-128"/>
+              </a:defRPr>
+            </a:lvl8pPr>
+            <a:lvl9pPr marL="3886200" indent="-228600" defTabSz="449263" eaLnBrk="0" fontAlgn="base" hangingPunct="0">
+              <a:spcBef>
+                <a:spcPct val="0"/>
+              </a:spcBef>
+              <a:spcAft>
+                <a:spcPct val="0"/>
+              </a:spcAft>
+              <a:buClr>
+                <a:srgbClr val="000000"/>
+              </a:buClr>
+              <a:buSzPct val="100000"/>
+              <a:buFont typeface="Times New Roman" panose="02020603050405020304" pitchFamily="18" charset="0"/>
+              <a:tabLst>
+                <a:tab pos="0" algn="l"/>
+                <a:tab pos="914400" algn="l"/>
+                <a:tab pos="1828800" algn="l"/>
+                <a:tab pos="2743200" algn="l"/>
+                <a:tab pos="3657600" algn="l"/>
+                <a:tab pos="4572000" algn="l"/>
+                <a:tab pos="5486400" algn="l"/>
+                <a:tab pos="6400800" algn="l"/>
+                <a:tab pos="7315200" algn="l"/>
+                <a:tab pos="8229600" algn="l"/>
+                <a:tab pos="9144000" algn="l"/>
+                <a:tab pos="10058400" algn="l"/>
+                <a:tab pos="10333038" algn="l"/>
+                <a:tab pos="10782300" algn="l"/>
+                <a:tab pos="11231563" algn="l"/>
+                <a:tab pos="11680825" algn="l"/>
+                <a:tab pos="12130088" algn="l"/>
+                <a:tab pos="12579350" algn="l"/>
+                <a:tab pos="13028613" algn="l"/>
+                <a:tab pos="13477875" algn="l"/>
+              </a:tabLst>
+              <a:defRPr sz="7800">
+                <a:solidFill>
+                  <a:srgbClr val="000000"/>
+                </a:solidFill>
+                <a:latin typeface="Arial" panose="020B0604020202020204" pitchFamily="34" charset="0"/>
+                <a:ea typeface="ＭＳ Ｐゴシック" panose="020B0600070205080204" pitchFamily="34" charset="-128"/>
+              </a:defRPr>
+            </a:lvl9pPr>
+          </a:lstStyle>
+          <a:p>
+            <a:pPr algn="ctr">
+              <a:buClrTx/>
+              <a:buFontTx/>
+              <a:buNone/>
+            </a:pPr>
+            <a:r>
+              <a:rPr lang="en-US" altLang="en-US" sz="2200" b="1" i="1" dirty="0"/>
+              <a:t>Figure 1 – </a:t>
+            </a:r>
+            <a:r>
+              <a:rPr lang="en-US" altLang="en-US" sz="2200" i="1" dirty="0"/>
+              <a:t>Hard and Soft constraints.</a:t>
+            </a:r>
+          </a:p>
+        </p:txBody>
+      </p:sp>
+      <p:pic>
+        <p:nvPicPr>
+          <p:cNvPr id="44" name="Picture 43" descr="A calendar with different colored squares&#10;&#10;AI-generated content may be incorrect.">
+            <a:extLst>
+              <a:ext uri="{FF2B5EF4-FFF2-40B4-BE49-F238E27FC236}">
+                <a16:creationId xmlns:a16="http://schemas.microsoft.com/office/drawing/2014/main" id="{45D56B33-A664-2A65-EBEF-014748855B9C}"/>
+              </a:ext>
+            </a:extLst>
+          </p:cNvPr>
+          <p:cNvPicPr>
+            <a:picLocks noChangeAspect="1"/>
+          </p:cNvPicPr>
+          <p:nvPr/>
+        </p:nvPicPr>
+        <p:blipFill>
+          <a:blip r:embed="rId17"/>
+          <a:srcRect l="3435" t="17844" r="7574" b="13864"/>
+          <a:stretch/>
+        </p:blipFill>
+        <p:spPr>
+          <a:xfrm>
+            <a:off x="3458417" y="12163253"/>
+            <a:ext cx="11343853" cy="5803539"/>
+          </a:xfrm>
+          <a:prstGeom prst="rect">
+            <a:avLst/>
+          </a:prstGeom>
+        </p:spPr>
+      </p:pic>
+      <p:sp>
+        <p:nvSpPr>
+          <p:cNvPr id="2" name="Text Box 15">
+            <a:extLst>
+              <a:ext uri="{FF2B5EF4-FFF2-40B4-BE49-F238E27FC236}">
+                <a16:creationId xmlns:a16="http://schemas.microsoft.com/office/drawing/2014/main" id="{CF7712A4-AD7C-F847-904E-64AA884C8499}"/>
+              </a:ext>
+            </a:extLst>
+          </p:cNvPr>
+          <p:cNvSpPr txBox="1">
+            <a:spLocks noChangeArrowheads="1"/>
+          </p:cNvSpPr>
+          <p:nvPr/>
+        </p:nvSpPr>
+        <p:spPr bwMode="auto">
+          <a:xfrm>
+            <a:off x="3170356" y="39291019"/>
+            <a:ext cx="9495466" cy="515920"/>
+          </a:xfrm>
+          <a:prstGeom prst="rect">
+            <a:avLst/>
+          </a:prstGeom>
+          <a:noFill/>
+          <a:ln>
+            <a:noFill/>
+          </a:ln>
+          <a:effectLst/>
+          <a:extLst>
+            <a:ext uri="{909E8E84-426E-40DD-AFC4-6F175D3DCCD1}">
+              <a14:hiddenFill xmlns:a14="http://schemas.microsoft.com/office/drawing/2010/main">
+                <a:solidFill>
+                  <a:srgbClr val="FFFFFF"/>
+                </a:solidFill>
+              </a14:hiddenFill>
+            </a:ext>
+            <a:ext uri="{91240B29-F687-4F45-9708-019B960494DF}">
+              <a14:hiddenLine xmlns:a14="http://schemas.microsoft.com/office/drawing/2010/main" w="9525" cap="flat">
+                <a:solidFill>
+                  <a:srgbClr val="3465A4"/>
+                </a:solidFill>
+                <a:round/>
+                <a:headEnd/>
+                <a:tailEnd/>
+              </a14:hiddenLine>
+            </a:ext>
+            <a:ext uri="{AF507438-7753-43E0-B8FC-AC1667EBCBE1}">
+              <a14:hiddenEffects xmlns:a14="http://schemas.microsoft.com/office/drawing/2010/main">
+                <a:effectLst>
+                  <a:outerShdw dist="35921" dir="2700000" algn="ctr" rotWithShape="0">
+                    <a:srgbClr val="808080"/>
+                  </a:outerShdw>
+                </a:effectLst>
+              </a14:hiddenEffects>
+            </a:ext>
+          </a:extLst>
+        </p:spPr>
+        <p:txBody>
+          <a:bodyPr wrap="square" lIns="175649" tIns="87825" rIns="175649" bIns="87825">
+            <a:spAutoFit/>
+          </a:bodyPr>
+          <a:lstStyle>
+            <a:lvl1pPr>
+              <a:tabLst>
+                <a:tab pos="0" algn="l"/>
+                <a:tab pos="914400" algn="l"/>
+                <a:tab pos="1828800" algn="l"/>
+                <a:tab pos="2743200" algn="l"/>
+                <a:tab pos="3657600" algn="l"/>
+                <a:tab pos="4572000" algn="l"/>
+                <a:tab pos="5486400" algn="l"/>
+                <a:tab pos="6400800" algn="l"/>
+                <a:tab pos="7315200" algn="l"/>
+                <a:tab pos="8229600" algn="l"/>
+                <a:tab pos="9144000" algn="l"/>
+                <a:tab pos="10058400" algn="l"/>
+                <a:tab pos="10333038" algn="l"/>
+                <a:tab pos="10782300" algn="l"/>
+                <a:tab pos="11231563" algn="l"/>
+                <a:tab pos="11680825" algn="l"/>
+                <a:tab pos="12130088" algn="l"/>
+                <a:tab pos="12579350" algn="l"/>
+                <a:tab pos="13028613" algn="l"/>
+                <a:tab pos="13477875" algn="l"/>
+              </a:tabLst>
+              <a:defRPr sz="7800">
+                <a:solidFill>
+                  <a:srgbClr val="000000"/>
+                </a:solidFill>
+                <a:latin typeface="Arial" panose="020B0604020202020204" pitchFamily="34" charset="0"/>
+                <a:ea typeface="ＭＳ Ｐゴシック" panose="020B0600070205080204" pitchFamily="34" charset="-128"/>
+              </a:defRPr>
+            </a:lvl1pPr>
+            <a:lvl2pPr>
+              <a:tabLst>
+                <a:tab pos="0" algn="l"/>
+                <a:tab pos="914400" algn="l"/>
+                <a:tab pos="1828800" algn="l"/>
+                <a:tab pos="2743200" algn="l"/>
+                <a:tab pos="3657600" algn="l"/>
+                <a:tab pos="4572000" algn="l"/>
+                <a:tab pos="5486400" algn="l"/>
+                <a:tab pos="6400800" algn="l"/>
+                <a:tab pos="7315200" algn="l"/>
+                <a:tab pos="8229600" algn="l"/>
+                <a:tab pos="9144000" algn="l"/>
+                <a:tab pos="10058400" algn="l"/>
+                <a:tab pos="10333038" algn="l"/>
+                <a:tab pos="10782300" algn="l"/>
+                <a:tab pos="11231563" algn="l"/>
+                <a:tab pos="11680825" algn="l"/>
+                <a:tab pos="12130088" algn="l"/>
+                <a:tab pos="12579350" algn="l"/>
+                <a:tab pos="13028613" algn="l"/>
+                <a:tab pos="13477875" algn="l"/>
+              </a:tabLst>
+              <a:defRPr sz="7800">
+                <a:solidFill>
+                  <a:srgbClr val="000000"/>
+                </a:solidFill>
+                <a:latin typeface="Arial" panose="020B0604020202020204" pitchFamily="34" charset="0"/>
+                <a:ea typeface="ＭＳ Ｐゴシック" panose="020B0600070205080204" pitchFamily="34" charset="-128"/>
+              </a:defRPr>
+            </a:lvl2pPr>
+            <a:lvl3pPr>
+              <a:tabLst>
+                <a:tab pos="0" algn="l"/>
+                <a:tab pos="914400" algn="l"/>
+                <a:tab pos="1828800" algn="l"/>
+                <a:tab pos="2743200" algn="l"/>
+                <a:tab pos="3657600" algn="l"/>
+                <a:tab pos="4572000" algn="l"/>
+                <a:tab pos="5486400" algn="l"/>
+                <a:tab pos="6400800" algn="l"/>
+                <a:tab pos="7315200" algn="l"/>
+                <a:tab pos="8229600" algn="l"/>
+                <a:tab pos="9144000" algn="l"/>
+                <a:tab pos="10058400" algn="l"/>
+                <a:tab pos="10333038" algn="l"/>
+                <a:tab pos="10782300" algn="l"/>
+                <a:tab pos="11231563" algn="l"/>
+                <a:tab pos="11680825" algn="l"/>
+                <a:tab pos="12130088" algn="l"/>
+                <a:tab pos="12579350" algn="l"/>
+                <a:tab pos="13028613" algn="l"/>
+                <a:tab pos="13477875" algn="l"/>
+              </a:tabLst>
+              <a:defRPr sz="7800">
+                <a:solidFill>
+                  <a:srgbClr val="000000"/>
+                </a:solidFill>
+                <a:latin typeface="Arial" panose="020B0604020202020204" pitchFamily="34" charset="0"/>
+                <a:ea typeface="ＭＳ Ｐゴシック" panose="020B0600070205080204" pitchFamily="34" charset="-128"/>
+              </a:defRPr>
+            </a:lvl3pPr>
+            <a:lvl4pPr>
+              <a:tabLst>
+                <a:tab pos="0" algn="l"/>
+                <a:tab pos="914400" algn="l"/>
+                <a:tab pos="1828800" algn="l"/>
+                <a:tab pos="2743200" algn="l"/>
+                <a:tab pos="3657600" algn="l"/>
+                <a:tab pos="4572000" algn="l"/>
+                <a:tab pos="5486400" algn="l"/>
+                <a:tab pos="6400800" algn="l"/>
+                <a:tab pos="7315200" algn="l"/>
+                <a:tab pos="8229600" algn="l"/>
+                <a:tab pos="9144000" algn="l"/>
+                <a:tab pos="10058400" algn="l"/>
+                <a:tab pos="10333038" algn="l"/>
+                <a:tab pos="10782300" algn="l"/>
+                <a:tab pos="11231563" algn="l"/>
+                <a:tab pos="11680825" algn="l"/>
+                <a:tab pos="12130088" algn="l"/>
+                <a:tab pos="12579350" algn="l"/>
+                <a:tab pos="13028613" algn="l"/>
+                <a:tab pos="13477875" algn="l"/>
+              </a:tabLst>
+              <a:defRPr sz="7800">
+                <a:solidFill>
+                  <a:srgbClr val="000000"/>
+                </a:solidFill>
+                <a:latin typeface="Arial" panose="020B0604020202020204" pitchFamily="34" charset="0"/>
+                <a:ea typeface="ＭＳ Ｐゴシック" panose="020B0600070205080204" pitchFamily="34" charset="-128"/>
+              </a:defRPr>
+            </a:lvl4pPr>
+            <a:lvl5pPr>
+              <a:tabLst>
+                <a:tab pos="0" algn="l"/>
+                <a:tab pos="914400" algn="l"/>
+                <a:tab pos="1828800" algn="l"/>
+                <a:tab pos="2743200" algn="l"/>
+                <a:tab pos="3657600" algn="l"/>
+                <a:tab pos="4572000" algn="l"/>
+                <a:tab pos="5486400" algn="l"/>
+                <a:tab pos="6400800" algn="l"/>
+                <a:tab pos="7315200" algn="l"/>
+                <a:tab pos="8229600" algn="l"/>
+                <a:tab pos="9144000" algn="l"/>
+                <a:tab pos="10058400" algn="l"/>
+                <a:tab pos="10333038" algn="l"/>
+                <a:tab pos="10782300" algn="l"/>
+                <a:tab pos="11231563" algn="l"/>
+                <a:tab pos="11680825" algn="l"/>
+                <a:tab pos="12130088" algn="l"/>
+                <a:tab pos="12579350" algn="l"/>
+                <a:tab pos="13028613" algn="l"/>
+                <a:tab pos="13477875" algn="l"/>
+              </a:tabLst>
+              <a:defRPr sz="7800">
+                <a:solidFill>
+                  <a:srgbClr val="000000"/>
+                </a:solidFill>
+                <a:latin typeface="Arial" panose="020B0604020202020204" pitchFamily="34" charset="0"/>
+                <a:ea typeface="ＭＳ Ｐゴシック" panose="020B0600070205080204" pitchFamily="34" charset="-128"/>
+              </a:defRPr>
+            </a:lvl5pPr>
+            <a:lvl6pPr marL="2514600" indent="-228600" defTabSz="449263" eaLnBrk="0" fontAlgn="base" hangingPunct="0">
+              <a:spcBef>
+                <a:spcPct val="0"/>
+              </a:spcBef>
+              <a:spcAft>
+                <a:spcPct val="0"/>
+              </a:spcAft>
+              <a:buClr>
+                <a:srgbClr val="000000"/>
+              </a:buClr>
+              <a:buSzPct val="100000"/>
+              <a:buFont typeface="Times New Roman" panose="02020603050405020304" pitchFamily="18" charset="0"/>
+              <a:tabLst>
+                <a:tab pos="0" algn="l"/>
+                <a:tab pos="914400" algn="l"/>
+                <a:tab pos="1828800" algn="l"/>
+                <a:tab pos="2743200" algn="l"/>
+                <a:tab pos="3657600" algn="l"/>
+                <a:tab pos="4572000" algn="l"/>
+                <a:tab pos="5486400" algn="l"/>
+                <a:tab pos="6400800" algn="l"/>
+                <a:tab pos="7315200" algn="l"/>
+                <a:tab pos="8229600" algn="l"/>
+                <a:tab pos="9144000" algn="l"/>
+                <a:tab pos="10058400" algn="l"/>
+                <a:tab pos="10333038" algn="l"/>
+                <a:tab pos="10782300" algn="l"/>
+                <a:tab pos="11231563" algn="l"/>
+                <a:tab pos="11680825" algn="l"/>
+                <a:tab pos="12130088" algn="l"/>
+                <a:tab pos="12579350" algn="l"/>
+                <a:tab pos="13028613" algn="l"/>
+                <a:tab pos="13477875" algn="l"/>
+              </a:tabLst>
+              <a:defRPr sz="7800">
+                <a:solidFill>
+                  <a:srgbClr val="000000"/>
+                </a:solidFill>
+                <a:latin typeface="Arial" panose="020B0604020202020204" pitchFamily="34" charset="0"/>
+                <a:ea typeface="ＭＳ Ｐゴシック" panose="020B0600070205080204" pitchFamily="34" charset="-128"/>
+              </a:defRPr>
+            </a:lvl6pPr>
+            <a:lvl7pPr marL="2971800" indent="-228600" defTabSz="449263" eaLnBrk="0" fontAlgn="base" hangingPunct="0">
+              <a:spcBef>
+                <a:spcPct val="0"/>
+              </a:spcBef>
+              <a:spcAft>
+                <a:spcPct val="0"/>
+              </a:spcAft>
+              <a:buClr>
+                <a:srgbClr val="000000"/>
+              </a:buClr>
+              <a:buSzPct val="100000"/>
+              <a:buFont typeface="Times New Roman" panose="02020603050405020304" pitchFamily="18" charset="0"/>
+              <a:tabLst>
+                <a:tab pos="0" algn="l"/>
+                <a:tab pos="914400" algn="l"/>
+                <a:tab pos="1828800" algn="l"/>
+                <a:tab pos="2743200" algn="l"/>
+                <a:tab pos="3657600" algn="l"/>
+                <a:tab pos="4572000" algn="l"/>
+                <a:tab pos="5486400" algn="l"/>
+                <a:tab pos="6400800" algn="l"/>
+                <a:tab pos="7315200" algn="l"/>
+                <a:tab pos="8229600" algn="l"/>
+                <a:tab pos="9144000" algn="l"/>
+                <a:tab pos="10058400" algn="l"/>
+                <a:tab pos="10333038" algn="l"/>
+                <a:tab pos="10782300" algn="l"/>
+                <a:tab pos="11231563" algn="l"/>
+                <a:tab pos="11680825" algn="l"/>
+                <a:tab pos="12130088" algn="l"/>
+                <a:tab pos="12579350" algn="l"/>
+                <a:tab pos="13028613" algn="l"/>
+                <a:tab pos="13477875" algn="l"/>
+              </a:tabLst>
+              <a:defRPr sz="7800">
+                <a:solidFill>
+                  <a:srgbClr val="000000"/>
+                </a:solidFill>
+                <a:latin typeface="Arial" panose="020B0604020202020204" pitchFamily="34" charset="0"/>
+                <a:ea typeface="ＭＳ Ｐゴシック" panose="020B0600070205080204" pitchFamily="34" charset="-128"/>
+              </a:defRPr>
+            </a:lvl7pPr>
+            <a:lvl8pPr marL="3429000" indent="-228600" defTabSz="449263" eaLnBrk="0" fontAlgn="base" hangingPunct="0">
+              <a:spcBef>
+                <a:spcPct val="0"/>
+              </a:spcBef>
+              <a:spcAft>
+                <a:spcPct val="0"/>
+              </a:spcAft>
+              <a:buClr>
+                <a:srgbClr val="000000"/>
+              </a:buClr>
+              <a:buSzPct val="100000"/>
+              <a:buFont typeface="Times New Roman" panose="02020603050405020304" pitchFamily="18" charset="0"/>
+              <a:tabLst>
+                <a:tab pos="0" algn="l"/>
+                <a:tab pos="914400" algn="l"/>
+                <a:tab pos="1828800" algn="l"/>
+                <a:tab pos="2743200" algn="l"/>
+                <a:tab pos="3657600" algn="l"/>
+                <a:tab pos="4572000" algn="l"/>
+                <a:tab pos="5486400" algn="l"/>
+                <a:tab pos="6400800" algn="l"/>
+                <a:tab pos="7315200" algn="l"/>
+                <a:tab pos="8229600" algn="l"/>
+                <a:tab pos="9144000" algn="l"/>
+                <a:tab pos="10058400" algn="l"/>
+                <a:tab pos="10333038" algn="l"/>
+                <a:tab pos="10782300" algn="l"/>
+                <a:tab pos="11231563" algn="l"/>
+                <a:tab pos="11680825" algn="l"/>
+                <a:tab pos="12130088" algn="l"/>
+                <a:tab pos="12579350" algn="l"/>
+                <a:tab pos="13028613" algn="l"/>
+                <a:tab pos="13477875" algn="l"/>
+              </a:tabLst>
+              <a:defRPr sz="7800">
+                <a:solidFill>
+                  <a:srgbClr val="000000"/>
+                </a:solidFill>
+                <a:latin typeface="Arial" panose="020B0604020202020204" pitchFamily="34" charset="0"/>
+                <a:ea typeface="ＭＳ Ｐゴシック" panose="020B0600070205080204" pitchFamily="34" charset="-128"/>
+              </a:defRPr>
+            </a:lvl8pPr>
+            <a:lvl9pPr marL="3886200" indent="-228600" defTabSz="449263" eaLnBrk="0" fontAlgn="base" hangingPunct="0">
+              <a:spcBef>
+                <a:spcPct val="0"/>
+              </a:spcBef>
+              <a:spcAft>
+                <a:spcPct val="0"/>
+              </a:spcAft>
+              <a:buClr>
+                <a:srgbClr val="000000"/>
+              </a:buClr>
+              <a:buSzPct val="100000"/>
+              <a:buFont typeface="Times New Roman" panose="02020603050405020304" pitchFamily="18" charset="0"/>
+              <a:tabLst>
+                <a:tab pos="0" algn="l"/>
+                <a:tab pos="914400" algn="l"/>
+                <a:tab pos="1828800" algn="l"/>
+                <a:tab pos="2743200" algn="l"/>
+                <a:tab pos="3657600" algn="l"/>
+                <a:tab pos="4572000" algn="l"/>
+                <a:tab pos="5486400" algn="l"/>
+                <a:tab pos="6400800" algn="l"/>
+                <a:tab pos="7315200" algn="l"/>
+                <a:tab pos="8229600" algn="l"/>
+                <a:tab pos="9144000" algn="l"/>
+                <a:tab pos="10058400" algn="l"/>
+                <a:tab pos="10333038" algn="l"/>
+                <a:tab pos="10782300" algn="l"/>
+                <a:tab pos="11231563" algn="l"/>
+                <a:tab pos="11680825" algn="l"/>
+                <a:tab pos="12130088" algn="l"/>
+                <a:tab pos="12579350" algn="l"/>
+                <a:tab pos="13028613" algn="l"/>
+                <a:tab pos="13477875" algn="l"/>
+              </a:tabLst>
+              <a:defRPr sz="7800">
+                <a:solidFill>
+                  <a:srgbClr val="000000"/>
+                </a:solidFill>
+                <a:latin typeface="Arial" panose="020B0604020202020204" pitchFamily="34" charset="0"/>
+                <a:ea typeface="ＭＳ Ｐゴシック" panose="020B0600070205080204" pitchFamily="34" charset="-128"/>
+              </a:defRPr>
+            </a:lvl9pPr>
+          </a:lstStyle>
+          <a:p>
+            <a:pPr algn="ctr">
+              <a:buClrTx/>
+              <a:buFontTx/>
+              <a:buNone/>
+            </a:pPr>
+            <a:r>
+              <a:rPr lang="en-US" altLang="en-US" sz="2200" b="1" i="1" dirty="0"/>
+              <a:t>Figure 2 – </a:t>
+            </a:r>
+            <a:r>
+              <a:rPr lang="en-US" altLang="en-US" sz="2200" i="1" dirty="0"/>
+              <a:t>Monte Carlo Tree Search steps.</a:t>
+            </a:r>
+          </a:p>
+        </p:txBody>
+      </p:sp>
+    </p:spTree>
+    <p:extLst>
+      <p:ext uri="{BB962C8B-B14F-4D97-AF65-F5344CB8AC3E}">
+        <p14:creationId xmlns:p14="http://schemas.microsoft.com/office/powerpoint/2010/main" val="375526471"/>
+      </p:ext>
+    </p:extLst>
+  </p:cSld>
+  <p:clrMapOvr>
+    <a:masterClrMapping/>
+  </p:clrMapOvr>
+</p:sld>
+</file>
+
+<file path=ppt/slides/slide2.xml><?xml version="1.0" encoding="utf-8"?>
+<p:sld xmlns:a="http://schemas.openxmlformats.org/drawingml/2006/main" xmlns:r="http://schemas.openxmlformats.org/officeDocument/2006/relationships" xmlns:p="http://schemas.openxmlformats.org/presentationml/2006/main">
+  <p:cSld>
+    <p:spTree>
+      <p:nvGrpSpPr>
+        <p:cNvPr id="1" name=""/>
+        <p:cNvGrpSpPr/>
+        <p:nvPr/>
+      </p:nvGrpSpPr>
+      <p:grpSpPr>
+        <a:xfrm>
+          <a:off x="0" y="0"/>
+          <a:ext cx="0" cy="0"/>
+          <a:chOff x="0" y="0"/>
+          <a:chExt cx="0" cy="0"/>
+        </a:xfrm>
+      </p:grpSpPr>
+      <p:sp>
+        <p:nvSpPr>
+          <p:cNvPr id="4" name="Rectangle 8">
+            <a:extLst>
+              <a:ext uri="{FF2B5EF4-FFF2-40B4-BE49-F238E27FC236}">
+                <a16:creationId xmlns:a16="http://schemas.microsoft.com/office/drawing/2014/main" id="{2A090ED7-E030-E8D5-D81B-37D2B3C03C26}"/>
+              </a:ext>
+            </a:extLst>
+          </p:cNvPr>
+          <p:cNvSpPr>
+            <a:spLocks noChangeArrowheads="1"/>
+          </p:cNvSpPr>
+          <p:nvPr/>
+        </p:nvSpPr>
+        <p:spPr bwMode="auto">
+          <a:xfrm>
+            <a:off x="3434295" y="613412"/>
+            <a:ext cx="23451071" cy="920246"/>
+          </a:xfrm>
+          <a:prstGeom prst="rect">
+            <a:avLst/>
+          </a:prstGeom>
+          <a:noFill/>
+          <a:ln w="9525">
+            <a:noFill/>
+            <a:miter lim="800000"/>
+            <a:headEnd/>
+            <a:tailEnd/>
+          </a:ln>
+        </p:spPr>
+        <p:txBody>
+          <a:bodyPr wrap="square" lIns="88386" tIns="44193" rIns="88386" bIns="44193" anchor="ctr">
+            <a:spAutoFit/>
+          </a:bodyPr>
+          <a:lstStyle/>
+          <a:p>
+            <a:pPr algn="ctr" defTabSz="884238">
+              <a:defRPr/>
+            </a:pPr>
+            <a:r>
               <a:rPr lang="en-US" sz="5400" b="1" dirty="0">
                 <a:ln w="3175" cap="flat">
                   <a:noFill/>
@@ -9686,6 +14372,13 @@
             </a:stretch>
           </a:blipFill>
         </p:spPr>
+        <p:txBody>
+          <a:bodyPr/>
+          <a:lstStyle/>
+          <a:p>
+            <a:endParaRPr lang="pt-PT"/>
+          </a:p>
+        </p:txBody>
       </p:sp>
       <p:pic>
         <p:nvPicPr>
@@ -9750,7 +14443,7 @@
     </p:spTree>
     <p:extLst>
       <p:ext uri="{BB962C8B-B14F-4D97-AF65-F5344CB8AC3E}">
-        <p14:creationId xmlns:p14="http://schemas.microsoft.com/office/powerpoint/2010/main" val="375526471"/>
+        <p14:creationId xmlns:p14="http://schemas.microsoft.com/office/powerpoint/2010/main" val="2422135682"/>
       </p:ext>
     </p:extLst>
   </p:cSld>

--- a/Docs/IJUP/IJUP_2025_posterpresentation.pptx
+++ b/Docs/IJUP/IJUP_2025_posterpresentation.pptx
@@ -1779,7 +1779,7 @@
           <a:p>
             <a:fld id="{C6D3E51D-861D-B14D-BFD8-573430A28870}" type="datetimeFigureOut">
               <a:rPr lang="en-US" smtClean="0"/>
-              <a:t>4/27/2025</a:t>
+              <a:t>5/1/2025</a:t>
             </a:fld>
             <a:endParaRPr lang="en-US"/>
           </a:p>
@@ -1989,7 +1989,7 @@
           <a:p>
             <a:fld id="{C6D3E51D-861D-B14D-BFD8-573430A28870}" type="datetimeFigureOut">
               <a:rPr lang="en-US" smtClean="0"/>
-              <a:t>4/27/2025</a:t>
+              <a:t>5/1/2025</a:t>
             </a:fld>
             <a:endParaRPr lang="en-US"/>
           </a:p>
@@ -2265,7 +2265,7 @@
           <a:p>
             <a:fld id="{C6D3E51D-861D-B14D-BFD8-573430A28870}" type="datetimeFigureOut">
               <a:rPr lang="en-US" smtClean="0"/>
-              <a:t>4/27/2025</a:t>
+              <a:t>5/1/2025</a:t>
             </a:fld>
             <a:endParaRPr lang="en-US"/>
           </a:p>
@@ -2591,7 +2591,7 @@
           <a:p>
             <a:fld id="{C6D3E51D-861D-B14D-BFD8-573430A28870}" type="datetimeFigureOut">
               <a:rPr lang="en-US" smtClean="0"/>
-              <a:t>4/27/2025</a:t>
+              <a:t>5/1/2025</a:t>
             </a:fld>
             <a:endParaRPr lang="en-US"/>
           </a:p>
@@ -3094,7 +3094,7 @@
                 </a:spcAft>
                 <a:defRPr/>
               </a:pPr>
-              <a:t>abril de 25</a:t>
+              <a:t>maio de 25</a:t>
             </a:fld>
             <a:endParaRPr lang="pt-PT" u="sng" dirty="0">
               <a:solidFill>
@@ -3611,7 +3611,7 @@
           <a:p>
             <a:fld id="{C6D3E51D-861D-B14D-BFD8-573430A28870}" type="datetimeFigureOut">
               <a:rPr lang="en-US" smtClean="0"/>
-              <a:t>4/27/2025</a:t>
+              <a:t>5/1/2025</a:t>
             </a:fld>
             <a:endParaRPr lang="en-US"/>
           </a:p>
@@ -3761,7 +3761,7 @@
           <a:p>
             <a:fld id="{C6D3E51D-861D-B14D-BFD8-573430A28870}" type="datetimeFigureOut">
               <a:rPr lang="en-US" smtClean="0"/>
-              <a:t>4/27/2025</a:t>
+              <a:t>5/1/2025</a:t>
             </a:fld>
             <a:endParaRPr lang="en-US"/>
           </a:p>
@@ -3880,7 +3880,7 @@
           <a:p>
             <a:fld id="{C6D3E51D-861D-B14D-BFD8-573430A28870}" type="datetimeFigureOut">
               <a:rPr lang="en-US" smtClean="0"/>
-              <a:t>4/27/2025</a:t>
+              <a:t>5/1/2025</a:t>
             </a:fld>
             <a:endParaRPr lang="en-US"/>
           </a:p>
@@ -4190,7 +4190,7 @@
           <a:p>
             <a:fld id="{C6D3E51D-861D-B14D-BFD8-573430A28870}" type="datetimeFigureOut">
               <a:rPr lang="en-US" smtClean="0"/>
-              <a:t>4/27/2025</a:t>
+              <a:t>5/1/2025</a:t>
             </a:fld>
             <a:endParaRPr lang="en-US"/>
           </a:p>
@@ -4476,7 +4476,7 @@
           <a:p>
             <a:fld id="{C6D3E51D-861D-B14D-BFD8-573430A28870}" type="datetimeFigureOut">
               <a:rPr lang="en-US" smtClean="0"/>
-              <a:t>4/27/2025</a:t>
+              <a:t>5/1/2025</a:t>
             </a:fld>
             <a:endParaRPr lang="en-US"/>
           </a:p>
@@ -4686,7 +4686,7 @@
           <a:p>
             <a:fld id="{C6D3E51D-861D-B14D-BFD8-573430A28870}" type="datetimeFigureOut">
               <a:rPr lang="en-US" smtClean="0"/>
-              <a:t>4/27/2025</a:t>
+              <a:t>5/1/2025</a:t>
             </a:fld>
             <a:endParaRPr lang="en-US"/>
           </a:p>
@@ -4896,7 +4896,7 @@
           <a:p>
             <a:fld id="{C6D3E51D-861D-B14D-BFD8-573430A28870}" type="datetimeFigureOut">
               <a:rPr lang="en-US" smtClean="0"/>
-              <a:t>4/27/2025</a:t>
+              <a:t>5/1/2025</a:t>
             </a:fld>
             <a:endParaRPr lang="en-US"/>
           </a:p>
@@ -6597,7 +6597,7 @@
               <a:pPr defTabSz="1513367">
                 <a:defRPr/>
               </a:pPr>
-              <a:t>4/27/2025</a:t>
+              <a:t>5/1/2025</a:t>
             </a:fld>
             <a:endParaRPr lang="en-US" sz="3973">
               <a:solidFill>
@@ -6766,7 +6766,7 @@
               <a:pPr defTabSz="1513367">
                 <a:defRPr/>
               </a:pPr>
-              <a:t>4/27/2025</a:t>
+              <a:t>5/1/2025</a:t>
             </a:fld>
             <a:endParaRPr lang="en-US" sz="3973">
               <a:solidFill>
@@ -7838,6 +7838,91 @@
           <a:chExt cx="0" cy="0"/>
         </a:xfrm>
       </p:grpSpPr>
+      <p:grpSp>
+        <p:nvGrpSpPr>
+          <p:cNvPr id="49" name="Group 48">
+            <a:extLst>
+              <a:ext uri="{FF2B5EF4-FFF2-40B4-BE49-F238E27FC236}">
+                <a16:creationId xmlns:a16="http://schemas.microsoft.com/office/drawing/2014/main" id="{B834A93D-83AA-0C44-063A-92E47C06C32D}"/>
+              </a:ext>
+            </a:extLst>
+          </p:cNvPr>
+          <p:cNvGrpSpPr/>
+          <p:nvPr/>
+        </p:nvGrpSpPr>
+        <p:grpSpPr>
+          <a:xfrm>
+            <a:off x="16399445" y="10146580"/>
+            <a:ext cx="12353705" cy="9360230"/>
+            <a:chOff x="12108992" y="10333278"/>
+            <a:chExt cx="14259585" cy="10804289"/>
+          </a:xfrm>
+        </p:grpSpPr>
+        <p:pic>
+          <p:nvPicPr>
+            <p:cNvPr id="46" name="Picture 45">
+              <a:extLst>
+                <a:ext uri="{FF2B5EF4-FFF2-40B4-BE49-F238E27FC236}">
+                  <a16:creationId xmlns:a16="http://schemas.microsoft.com/office/drawing/2014/main" id="{5E317648-8EF3-AC6A-1579-8982E83BCCE0}"/>
+                </a:ext>
+              </a:extLst>
+            </p:cNvPr>
+            <p:cNvPicPr>
+              <a:picLocks noChangeAspect="1"/>
+            </p:cNvPicPr>
+            <p:nvPr/>
+          </p:nvPicPr>
+          <p:blipFill>
+            <a:blip r:embed="rId2"/>
+            <a:srcRect t="1876"/>
+            <a:stretch/>
+          </p:blipFill>
+          <p:spPr>
+            <a:xfrm>
+              <a:off x="12108992" y="10333278"/>
+              <a:ext cx="14179485" cy="10804289"/>
+            </a:xfrm>
+            <a:prstGeom prst="rect">
+              <a:avLst/>
+            </a:prstGeom>
+          </p:spPr>
+        </p:pic>
+        <p:pic>
+          <p:nvPicPr>
+            <p:cNvPr id="48" name="Picture 47">
+              <a:extLst>
+                <a:ext uri="{FF2B5EF4-FFF2-40B4-BE49-F238E27FC236}">
+                  <a16:creationId xmlns:a16="http://schemas.microsoft.com/office/drawing/2014/main" id="{30627FF2-7E3F-3B2F-1E11-675FF5EA0624}"/>
+                </a:ext>
+              </a:extLst>
+            </p:cNvPr>
+            <p:cNvPicPr>
+              <a:picLocks noChangeAspect="1"/>
+            </p:cNvPicPr>
+            <p:nvPr/>
+          </p:nvPicPr>
+          <p:blipFill>
+            <a:blip r:embed="rId3">
+              <a:extLst>
+                <a:ext uri="{28A0092B-C50C-407E-A947-70E740481C1C}">
+                  <a14:useLocalDpi xmlns:a14="http://schemas.microsoft.com/office/drawing/2010/main" val="0"/>
+                </a:ext>
+              </a:extLst>
+            </a:blip>
+            <a:srcRect l="4451"/>
+            <a:stretch/>
+          </p:blipFill>
+          <p:spPr>
+            <a:xfrm>
+              <a:off x="24094884" y="12340667"/>
+              <a:ext cx="2273693" cy="740672"/>
+            </a:xfrm>
+            <a:prstGeom prst="rect">
+              <a:avLst/>
+            </a:prstGeom>
+          </p:spPr>
+        </p:pic>
+      </p:grpSp>
       <p:sp>
         <p:nvSpPr>
           <p:cNvPr id="4" name="Rectangle 8">
@@ -8529,7 +8614,7 @@
         </p:nvSpPr>
         <p:spPr>
           <a:xfrm>
-            <a:off x="4478580" y="26065677"/>
+            <a:off x="4478580" y="25760877"/>
             <a:ext cx="251190" cy="507831"/>
           </a:xfrm>
           <a:prstGeom prst="rect">
@@ -8581,7 +8666,7 @@
         </p:nvSpPr>
         <p:spPr>
           <a:xfrm>
-            <a:off x="5728069" y="24992732"/>
+            <a:off x="5728069" y="24687932"/>
             <a:ext cx="311529" cy="512144"/>
           </a:xfrm>
           <a:prstGeom prst="rect">
@@ -8685,7 +8770,7 @@
         </p:nvSpPr>
         <p:spPr>
           <a:xfrm>
-            <a:off x="7403235" y="28098368"/>
+            <a:off x="7403235" y="27793568"/>
             <a:ext cx="182695" cy="586920"/>
           </a:xfrm>
           <a:prstGeom prst="rect">
@@ -8843,7 +8928,7 @@
         </p:nvSpPr>
         <p:spPr bwMode="auto">
           <a:xfrm>
-            <a:off x="15902738" y="29181876"/>
+            <a:off x="15902738" y="25524276"/>
             <a:ext cx="8424863" cy="1079500"/>
           </a:xfrm>
           <a:prstGeom prst="snip2DiagRect">
@@ -8897,7 +8982,7 @@
         </p:nvSpPr>
         <p:spPr bwMode="auto">
           <a:xfrm>
-            <a:off x="1033425" y="22970936"/>
+            <a:off x="1033425" y="22666136"/>
             <a:ext cx="10608085" cy="1079500"/>
           </a:xfrm>
           <a:prstGeom prst="snip2DiagRect">
@@ -8949,7 +9034,7 @@
         </p:nvSpPr>
         <p:spPr>
           <a:xfrm>
-            <a:off x="1239090" y="24044165"/>
+            <a:off x="1239090" y="23739365"/>
             <a:ext cx="1800000" cy="144000"/>
           </a:xfrm>
           <a:prstGeom prst="rect">
@@ -9005,8 +9090,8 @@
         </p:nvSpPr>
         <p:spPr>
           <a:xfrm>
-            <a:off x="1033909" y="24494484"/>
-            <a:ext cx="13768361" cy="4524315"/>
+            <a:off x="1226047" y="23996631"/>
+            <a:ext cx="13768361" cy="7478970"/>
           </a:xfrm>
           <a:prstGeom prst="rect">
             <a:avLst/>
@@ -9022,12 +9107,20 @@
             <a:pPr algn="just"/>
             <a:r>
               <a:rPr lang="en-US" sz="3200" b="1" i="1" dirty="0">
+                <a:latin typeface="Arial" panose="020B0604020202020204" pitchFamily="34" charset="0"/>
+                <a:ea typeface="Cambria" panose="02040503050406030204" pitchFamily="18" charset="0"/>
+                <a:cs typeface="Arial" panose="020B0604020202020204" pitchFamily="34" charset="0"/>
+              </a:rPr>
+              <a:t>M</a:t>
+            </a:r>
+            <a:r>
+              <a:rPr lang="en-US" sz="3200" b="1" i="1" dirty="0">
                 <a:effectLst/>
                 <a:latin typeface="Arial" panose="020B0604020202020204" pitchFamily="34" charset="0"/>
                 <a:ea typeface="Cambria" panose="02040503050406030204" pitchFamily="18" charset="0"/>
                 <a:cs typeface="Arial" panose="020B0604020202020204" pitchFamily="34" charset="0"/>
               </a:rPr>
-              <a:t>Monte Carlo Tree Search </a:t>
+              <a:t>onte Carlo Tree Search </a:t>
             </a:r>
             <a:r>
               <a:rPr lang="en-US" sz="3200" i="1" dirty="0">
@@ -9083,7 +9176,7 @@
                 <a:ea typeface="Cambria" panose="02040503050406030204" pitchFamily="18" charset="0"/>
                 <a:cs typeface="Arial" panose="020B0604020202020204" pitchFamily="34" charset="0"/>
               </a:rPr>
-              <a:t>(HC) used in simulation phase for local optimization.</a:t>
+              <a:t>(HC) used in simulation phase for local optimization but only if a feasible and improved solution is found.</a:t>
             </a:r>
           </a:p>
           <a:p>
@@ -9103,43 +9196,85 @@
                 <a:ea typeface="Cambria" panose="02040503050406030204" pitchFamily="18" charset="0"/>
                 <a:cs typeface="Arial" panose="020B0604020202020204" pitchFamily="34" charset="0"/>
               </a:rPr>
-              <a:t>To get an idea of how the algorithm is performing, the </a:t>
+              <a:t>Additionally, a </a:t>
             </a:r>
             <a:r>
               <a:rPr lang="en-US" sz="3200" b="1" i="1" dirty="0">
-                <a:effectLst/>
-                <a:latin typeface="Arial" panose="020B0604020202020204" pitchFamily="34" charset="0"/>
-                <a:ea typeface="Cambria" panose="02040503050406030204" pitchFamily="18" charset="0"/>
-                <a:cs typeface="Arial" panose="020B0604020202020204" pitchFamily="34" charset="0"/>
-              </a:rPr>
-              <a:t>benchmark datasets </a:t>
+                <a:latin typeface="Arial" panose="020B0604020202020204" pitchFamily="34" charset="0"/>
+                <a:cs typeface="Arial" panose="020B0604020202020204" pitchFamily="34" charset="0"/>
+              </a:rPr>
+              <a:t>diving strategy</a:t>
             </a:r>
             <a:r>
               <a:rPr lang="en-US" sz="3200" i="1" dirty="0">
-                <a:effectLst/>
-                <a:latin typeface="Arial" panose="020B0604020202020204" pitchFamily="34" charset="0"/>
-                <a:ea typeface="Cambria" panose="02040503050406030204" pitchFamily="18" charset="0"/>
-                <a:cs typeface="Arial" panose="020B0604020202020204" pitchFamily="34" charset="0"/>
-              </a:rPr>
-              <a:t>from the </a:t>
+                <a:latin typeface="Arial" panose="020B0604020202020204" pitchFamily="34" charset="0"/>
+                <a:cs typeface="Arial" panose="020B0604020202020204" pitchFamily="34" charset="0"/>
+              </a:rPr>
+              <a:t> is under investigation to enhance MCTS. Instead of restarting from the root each iteration, the algorithm follow and deepen promising paths, aiming to improve the convergence speed and solution quality.</a:t>
+            </a:r>
+            <a:endParaRPr lang="pt-PT" sz="3200" i="1" dirty="0">
+              <a:latin typeface="Arial" panose="020B0604020202020204" pitchFamily="34" charset="0"/>
+              <a:cs typeface="Arial" panose="020B0604020202020204" pitchFamily="34" charset="0"/>
+            </a:endParaRPr>
+          </a:p>
+          <a:p>
+            <a:pPr algn="just"/>
+            <a:endParaRPr lang="en-US" sz="1600" i="1" dirty="0">
+              <a:latin typeface="Arial" panose="020B0604020202020204" pitchFamily="34" charset="0"/>
+              <a:ea typeface="Cambria" panose="02040503050406030204" pitchFamily="18" charset="0"/>
+              <a:cs typeface="Arial" panose="020B0604020202020204" pitchFamily="34" charset="0"/>
+            </a:endParaRPr>
+          </a:p>
+          <a:p>
+            <a:pPr algn="just"/>
+            <a:r>
+              <a:rPr lang="en-US" sz="3200" i="1" dirty="0">
+                <a:latin typeface="Arial" panose="020B0604020202020204" pitchFamily="34" charset="0"/>
+                <a:cs typeface="Arial" panose="020B0604020202020204" pitchFamily="34" charset="0"/>
+              </a:rPr>
+              <a:t>Performance is evaluated using the </a:t>
             </a:r>
             <a:r>
               <a:rPr lang="en-US" sz="3200" b="1" i="1" dirty="0">
-                <a:effectLst/>
-                <a:latin typeface="Arial" panose="020B0604020202020204" pitchFamily="34" charset="0"/>
-                <a:ea typeface="Cambria" panose="02040503050406030204" pitchFamily="18" charset="0"/>
-                <a:cs typeface="Arial" panose="020B0604020202020204" pitchFamily="34" charset="0"/>
-              </a:rPr>
-              <a:t>ITC-2007 track 3 </a:t>
+                <a:latin typeface="Arial" panose="020B0604020202020204" pitchFamily="34" charset="0"/>
+                <a:cs typeface="Arial" panose="020B0604020202020204" pitchFamily="34" charset="0"/>
+              </a:rPr>
+              <a:t>benchmark datasets</a:t>
             </a:r>
             <a:r>
               <a:rPr lang="en-US" sz="3200" i="1" dirty="0">
-                <a:effectLst/>
-                <a:latin typeface="Arial" panose="020B0604020202020204" pitchFamily="34" charset="0"/>
-                <a:ea typeface="Cambria" panose="02040503050406030204" pitchFamily="18" charset="0"/>
-                <a:cs typeface="Arial" panose="020B0604020202020204" pitchFamily="34" charset="0"/>
-              </a:rPr>
-              <a:t>are being used.</a:t>
+                <a:latin typeface="Arial" panose="020B0604020202020204" pitchFamily="34" charset="0"/>
+                <a:cs typeface="Arial" panose="020B0604020202020204" pitchFamily="34" charset="0"/>
+              </a:rPr>
+              <a:t> from </a:t>
+            </a:r>
+            <a:r>
+              <a:rPr lang="en-US" sz="3200" b="1" i="1" dirty="0">
+                <a:latin typeface="Arial" panose="020B0604020202020204" pitchFamily="34" charset="0"/>
+                <a:cs typeface="Arial" panose="020B0604020202020204" pitchFamily="34" charset="0"/>
+              </a:rPr>
+              <a:t>ITC-2007 track 3</a:t>
+            </a:r>
+            <a:r>
+              <a:rPr lang="en-US" sz="3200" i="1" dirty="0">
+                <a:latin typeface="Arial" panose="020B0604020202020204" pitchFamily="34" charset="0"/>
+                <a:cs typeface="Arial" panose="020B0604020202020204" pitchFamily="34" charset="0"/>
+              </a:rPr>
+              <a:t> </a:t>
+            </a:r>
+            <a:r>
+              <a:rPr lang="en-US" sz="3200" dirty="0">
+                <a:latin typeface="Arial" panose="020B0604020202020204" pitchFamily="34" charset="0"/>
+                <a:cs typeface="Arial" panose="020B0604020202020204" pitchFamily="34" charset="0"/>
+              </a:rPr>
+              <a:t>[1]</a:t>
+            </a:r>
+            <a:r>
+              <a:rPr lang="en-US" sz="3200" i="1" dirty="0">
+                <a:latin typeface="Arial" panose="020B0604020202020204" pitchFamily="34" charset="0"/>
+                <a:cs typeface="Arial" panose="020B0604020202020204" pitchFamily="34" charset="0"/>
+              </a:rPr>
+              <a:t>.</a:t>
             </a:r>
             <a:endParaRPr lang="pt-PT" sz="3200" i="1" dirty="0">
               <a:effectLst/>
@@ -9166,7 +9301,7 @@
         </p:nvSpPr>
         <p:spPr bwMode="auto">
           <a:xfrm>
-            <a:off x="1033909" y="19585628"/>
+            <a:off x="1033909" y="19280828"/>
             <a:ext cx="14103698" cy="4164107"/>
           </a:xfrm>
           <a:prstGeom prst="rect">
@@ -9421,7 +9556,7 @@
         </p:nvSpPr>
         <p:spPr bwMode="auto">
           <a:xfrm>
-            <a:off x="15903699" y="23124230"/>
+            <a:off x="15903699" y="20304830"/>
             <a:ext cx="8424863" cy="1079500"/>
           </a:xfrm>
           <a:prstGeom prst="snip2DiagRect">
@@ -9473,7 +9608,7 @@
         </p:nvSpPr>
         <p:spPr>
           <a:xfrm>
-            <a:off x="16126584" y="24197459"/>
+            <a:off x="16126584" y="21378059"/>
             <a:ext cx="1800000" cy="144000"/>
           </a:xfrm>
           <a:prstGeom prst="rect">
@@ -9525,7 +9660,7 @@
         </p:nvSpPr>
         <p:spPr>
           <a:xfrm>
-            <a:off x="15989424" y="24780496"/>
+            <a:off x="15989424" y="21656296"/>
             <a:ext cx="13173749" cy="4278094"/>
           </a:xfrm>
           <a:prstGeom prst="rect">
@@ -9585,7 +9720,25 @@
                 <a:ea typeface="Cambria" panose="02040503050406030204" pitchFamily="18" charset="0"/>
                 <a:cs typeface="Arial" panose="020B0604020202020204" pitchFamily="34" charset="0"/>
               </a:rPr>
-              <a:t>Future work will focus on </a:t>
+              <a:t>Future work will focus on the </a:t>
+            </a:r>
+            <a:r>
+              <a:rPr lang="en-US" sz="3200" b="1" i="1" dirty="0">
+                <a:effectLst/>
+                <a:latin typeface="Arial" panose="020B0604020202020204" pitchFamily="34" charset="0"/>
+                <a:ea typeface="Cambria" panose="02040503050406030204" pitchFamily="18" charset="0"/>
+                <a:cs typeface="Arial" panose="020B0604020202020204" pitchFamily="34" charset="0"/>
+              </a:rPr>
+              <a:t>diving strategy</a:t>
+            </a:r>
+            <a:r>
+              <a:rPr lang="en-US" sz="3200" i="1" dirty="0">
+                <a:effectLst/>
+                <a:latin typeface="Arial" panose="020B0604020202020204" pitchFamily="34" charset="0"/>
+                <a:ea typeface="Cambria" panose="02040503050406030204" pitchFamily="18" charset="0"/>
+                <a:cs typeface="Arial" panose="020B0604020202020204" pitchFamily="34" charset="0"/>
+              </a:rPr>
+              <a:t>, </a:t>
             </a:r>
             <a:r>
               <a:rPr lang="en-US" sz="3200" b="1" i="1" dirty="0">
@@ -9661,8 +9814,8 @@
         </p:nvSpPr>
         <p:spPr>
           <a:xfrm>
-            <a:off x="15902738" y="5265254"/>
-            <a:ext cx="13299664" cy="3046988"/>
+            <a:off x="15902738" y="5074754"/>
+            <a:ext cx="13299664" cy="5755422"/>
           </a:xfrm>
           <a:prstGeom prst="rect">
             <a:avLst/>
@@ -9740,7 +9893,7 @@
                 <a:latin typeface="Arial" panose="020B0604020202020204" pitchFamily="34" charset="0"/>
                 <a:cs typeface="Arial" panose="020B0604020202020204" pitchFamily="34" charset="0"/>
               </a:rPr>
-              <a:t>So far, all the executed tests have found </a:t>
+              <a:t>All tests so far have consistently produced </a:t>
             </a:r>
             <a:r>
               <a:rPr lang="en-US" sz="3200" b="1" i="1" dirty="0">
@@ -9754,15 +9907,8 @@
                 <a:latin typeface="Arial" panose="020B0604020202020204" pitchFamily="34" charset="0"/>
                 <a:cs typeface="Arial" panose="020B0604020202020204" pitchFamily="34" charset="0"/>
               </a:rPr>
-              <a:t>. </a:t>
-            </a:r>
-            <a:endParaRPr lang="pt-PT" sz="3200" i="1" dirty="0">
-              <a:solidFill>
-                <a:schemeClr val="tx1"/>
-              </a:solidFill>
-              <a:latin typeface="Arial" panose="020B0604020202020204" pitchFamily="34" charset="0"/>
-              <a:cs typeface="Arial" panose="020B0604020202020204" pitchFamily="34" charset="0"/>
-            </a:endParaRPr>
+              <a:t>.</a:t>
+            </a:r>
           </a:p>
           <a:p>
             <a:pPr algn="just"/>
@@ -9778,8 +9924,53 @@
                 <a:latin typeface="Arial" panose="020B0604020202020204" pitchFamily="34" charset="0"/>
                 <a:cs typeface="Arial" panose="020B0604020202020204" pitchFamily="34" charset="0"/>
               </a:rPr>
-              <a:t>C = 100 in the alternative UCT formula yielded the best results in most instances (Figure 2) but remains less competitive than top solutions.</a:t>
-            </a:r>
+              <a:t>In 10-minute runs with different fixed seeds, </a:t>
+            </a:r>
+            <a:r>
+              <a:rPr lang="en-US" sz="3200" b="1" i="1" dirty="0">
+                <a:latin typeface="Arial" panose="020B0604020202020204" pitchFamily="34" charset="0"/>
+                <a:cs typeface="Arial" panose="020B0604020202020204" pitchFamily="34" charset="0"/>
+              </a:rPr>
+              <a:t>C showed minimal impact on results</a:t>
+            </a:r>
+            <a:r>
+              <a:rPr lang="en-US" sz="3200" i="1" dirty="0">
+                <a:latin typeface="Arial" panose="020B0604020202020204" pitchFamily="34" charset="0"/>
+                <a:cs typeface="Arial" panose="020B0604020202020204" pitchFamily="34" charset="0"/>
+              </a:rPr>
+              <a:t>, indicating a weaker-than-expected influence on node selection.</a:t>
+            </a:r>
+          </a:p>
+          <a:p>
+            <a:pPr algn="just"/>
+            <a:endParaRPr lang="en-US" sz="1600" i="1" dirty="0">
+              <a:latin typeface="Arial" panose="020B0604020202020204" pitchFamily="34" charset="0"/>
+              <a:cs typeface="Arial" panose="020B0604020202020204" pitchFamily="34" charset="0"/>
+            </a:endParaRPr>
+          </a:p>
+          <a:p>
+            <a:pPr algn="just"/>
+            <a:r>
+              <a:rPr lang="en-US" sz="3200" b="1" i="1" dirty="0">
+                <a:latin typeface="Arial" panose="020B0604020202020204" pitchFamily="34" charset="0"/>
+                <a:cs typeface="Arial" panose="020B0604020202020204" pitchFamily="34" charset="0"/>
+              </a:rPr>
+              <a:t>Diving strategy</a:t>
+            </a:r>
+            <a:r>
+              <a:rPr lang="en-US" sz="3200" i="1" dirty="0">
+                <a:latin typeface="Arial" panose="020B0604020202020204" pitchFamily="34" charset="0"/>
+                <a:cs typeface="Arial" panose="020B0604020202020204" pitchFamily="34" charset="0"/>
+              </a:rPr>
+              <a:t> is still under development, but early results (Figure 3) are encouraging, though not yet competitive with state-of-the-art solutions.</a:t>
+            </a:r>
+          </a:p>
+          <a:p>
+            <a:pPr algn="just"/>
+            <a:endParaRPr lang="en-US" sz="3200" i="1" dirty="0">
+              <a:latin typeface="Arial" panose="020B0604020202020204" pitchFamily="34" charset="0"/>
+              <a:cs typeface="Arial" panose="020B0604020202020204" pitchFamily="34" charset="0"/>
+            </a:endParaRPr>
           </a:p>
         </p:txBody>
       </p:sp>
@@ -9797,8 +9988,8 @@
         </p:nvSpPr>
         <p:spPr>
           <a:xfrm>
-            <a:off x="15959596" y="30707578"/>
-            <a:ext cx="13203577" cy="8279190"/>
+            <a:off x="15959596" y="26859478"/>
+            <a:ext cx="13203577" cy="12403395"/>
           </a:xfrm>
           <a:prstGeom prst="rect">
             <a:avLst/>
@@ -9813,120 +10004,30 @@
           <a:p>
             <a:pPr marL="0" indent="0"/>
             <a:r>
-              <a:rPr lang="en-US" altLang="en-US" sz="2800" dirty="0">
+              <a:rPr lang="en-US" altLang="en-US" sz="3200" dirty="0">
                 <a:solidFill>
                   <a:schemeClr val="tx1"/>
                 </a:solidFill>
-                <a:latin typeface="Arial Narrow" panose="020B0606020202030204" pitchFamily="34" charset="0"/>
+                <a:latin typeface="Arial" panose="020B0604020202020204" pitchFamily="34" charset="0"/>
+                <a:cs typeface="Arial" panose="020B0604020202020204" pitchFamily="34" charset="0"/>
               </a:rPr>
               <a:t>[1] </a:t>
             </a:r>
             <a:r>
-              <a:rPr lang="en-US" sz="2800" dirty="0">
+              <a:rPr lang="en-US" sz="3200" dirty="0">
                 <a:effectLst/>
-                <a:latin typeface="Arial Narrow" panose="020B0606020202030204" pitchFamily="34" charset="0"/>
+                <a:latin typeface="Arial" panose="020B0604020202020204" pitchFamily="34" charset="0"/>
                 <a:ea typeface="Cambria" panose="02040503050406030204" pitchFamily="18" charset="0"/>
+                <a:cs typeface="Arial" panose="020B0604020202020204" pitchFamily="34" charset="0"/>
               </a:rPr>
               <a:t>International Timetabling Competition --- eeecs.qub.ac.uk. </a:t>
             </a:r>
             <a:r>
-              <a:rPr lang="en-US" sz="2800" u="sng" dirty="0">
+              <a:rPr lang="en-US" sz="3200" u="sng" dirty="0">
                 <a:effectLst/>
-                <a:latin typeface="Arial Narrow" panose="020B0606020202030204" pitchFamily="34" charset="0"/>
+                <a:latin typeface="Arial" panose="020B0604020202020204" pitchFamily="34" charset="0"/>
                 <a:ea typeface="Cambria" panose="02040503050406030204" pitchFamily="18" charset="0"/>
-                <a:cs typeface="Times New Roman" panose="02020603050405020304" pitchFamily="18" charset="0"/>
-                <a:hlinkClick r:id="rId2">
-                  <a:extLst>
-                    <a:ext uri="{A12FA001-AC4F-418D-AE19-62706E023703}">
-                      <ahyp:hlinkClr xmlns:ahyp="http://schemas.microsoft.com/office/drawing/2018/hyperlinkcolor" val="tx"/>
-                    </a:ext>
-                  </a:extLst>
-                </a:hlinkClick>
-              </a:rPr>
-              <a:t>https://www.eeecs.qub.ac.uk/itc2007/Login/SecretPage.php</a:t>
-            </a:r>
-            <a:endParaRPr lang="en-US" altLang="en-US" sz="2800" dirty="0">
-              <a:latin typeface="Arial Narrow" panose="020B0606020202030204" pitchFamily="34" charset="0"/>
-            </a:endParaRPr>
-          </a:p>
-          <a:p>
-            <a:pPr marL="0" indent="0"/>
-            <a:r>
-              <a:rPr lang="en-US" altLang="en-US" sz="2800">
-                <a:solidFill>
-                  <a:schemeClr val="tx1"/>
-                </a:solidFill>
-                <a:latin typeface="Arial Narrow" panose="020B0606020202030204" pitchFamily="34" charset="0"/>
-              </a:rPr>
-              <a:t>[2] R</a:t>
-            </a:r>
-            <a:r>
-              <a:rPr lang="en-US" altLang="en-US" sz="2800" dirty="0">
-                <a:solidFill>
-                  <a:schemeClr val="tx1"/>
-                </a:solidFill>
-                <a:latin typeface="Arial Narrow" panose="020B0606020202030204" pitchFamily="34" charset="0"/>
-              </a:rPr>
-              <a:t>. Lewis, “A survey of metaheuristic-based techniques for university timetabling problems,” OR Spectrum, vol. 30, no. 1, pp. 167–190, Jan. 2008.  Available: 	</a:t>
-            </a:r>
-            <a:r>
-              <a:rPr lang="en-US" altLang="en-US" sz="2800" dirty="0">
-                <a:solidFill>
-                  <a:schemeClr val="tx1"/>
-                </a:solidFill>
-                <a:latin typeface="Arial Narrow" panose="020B0606020202030204" pitchFamily="34" charset="0"/>
-                <a:hlinkClick r:id="rId3">
-                  <a:extLst>
-                    <a:ext uri="{A12FA001-AC4F-418D-AE19-62706E023703}">
-                      <ahyp:hlinkClr xmlns:ahyp="http://schemas.microsoft.com/office/drawing/2018/hyperlinkcolor" val="tx"/>
-                    </a:ext>
-                  </a:extLst>
-                </a:hlinkClick>
-              </a:rPr>
-              <a:t>https://doi.org/10.1007/s00291-007-0097-0</a:t>
-            </a:r>
-            <a:endParaRPr lang="en-US" altLang="en-US" sz="2800" dirty="0">
-              <a:solidFill>
-                <a:schemeClr val="tx1"/>
-              </a:solidFill>
-              <a:latin typeface="Arial Narrow" panose="020B0606020202030204" pitchFamily="34" charset="0"/>
-            </a:endParaRPr>
-          </a:p>
-          <a:p>
-            <a:pPr marL="0" indent="0"/>
-            <a:r>
-              <a:rPr lang="en-US" altLang="en-US" sz="2800" dirty="0">
-                <a:solidFill>
-                  <a:schemeClr val="tx1"/>
-                </a:solidFill>
-                <a:latin typeface="Arial Narrow" panose="020B0606020202030204" pitchFamily="34" charset="0"/>
-              </a:rPr>
-              <a:t>[2] S. </a:t>
-            </a:r>
-            <a:r>
-              <a:rPr lang="en-US" altLang="en-US" sz="2800" dirty="0" err="1">
-                <a:solidFill>
-                  <a:schemeClr val="tx1"/>
-                </a:solidFill>
-                <a:latin typeface="Arial Narrow" panose="020B0606020202030204" pitchFamily="34" charset="0"/>
-              </a:rPr>
-              <a:t>Abdipoor</a:t>
-            </a:r>
-            <a:r>
-              <a:rPr lang="en-US" altLang="en-US" sz="2800" dirty="0">
-                <a:solidFill>
-                  <a:schemeClr val="tx1"/>
-                </a:solidFill>
-                <a:latin typeface="Arial Narrow" panose="020B0606020202030204" pitchFamily="34" charset="0"/>
-              </a:rPr>
-              <a:t>, R. Yaakob, S. L. Goh, and S. Abdullah, “Meta-heuristic approaches for the university course timetabling problem,” Intelligent Systems with Applications, vol. 19, p. 200253, Sep. 2023. Available: </a:t>
-            </a:r>
-            <a:r>
-              <a:rPr lang="en-US" altLang="en-US" sz="2800" dirty="0">
-                <a:solidFill>
-                  <a:schemeClr val="tx1"/>
-                </a:solidFill>
-                <a:latin typeface="Arial Narrow" panose="020B0606020202030204" pitchFamily="34" charset="0"/>
+                <a:cs typeface="Arial" panose="020B0604020202020204" pitchFamily="34" charset="0"/>
                 <a:hlinkClick r:id="rId4">
                   <a:extLst>
                     <a:ext uri="{A12FA001-AC4F-418D-AE19-62706E023703}">
@@ -9935,50 +10036,32 @@
                   </a:extLst>
                 </a:hlinkClick>
               </a:rPr>
-              <a:t>https://linkinghub.elsevier.com/retrieve/pii/S2667305323000789</a:t>
-            </a:r>
-            <a:endParaRPr lang="en-US" altLang="en-US" sz="2800" dirty="0">
-              <a:solidFill>
-                <a:schemeClr val="tx1"/>
-              </a:solidFill>
-              <a:latin typeface="Arial Narrow" panose="020B0606020202030204" pitchFamily="34" charset="0"/>
+              <a:t>https://www.eeecs.qub.ac.uk/itc2007/Login/SecretPage.php</a:t>
+            </a:r>
+            <a:endParaRPr lang="en-US" altLang="en-US" sz="3200" dirty="0">
+              <a:latin typeface="Arial" panose="020B0604020202020204" pitchFamily="34" charset="0"/>
+              <a:cs typeface="Arial" panose="020B0604020202020204" pitchFamily="34" charset="0"/>
             </a:endParaRPr>
           </a:p>
           <a:p>
             <a:pPr marL="0" indent="0"/>
             <a:r>
-              <a:rPr lang="en-US" altLang="en-US" sz="2800" dirty="0">
+              <a:rPr lang="en-US" altLang="en-US" sz="3200" dirty="0">
                 <a:solidFill>
                   <a:schemeClr val="tx1"/>
                 </a:solidFill>
-                <a:latin typeface="Arial Narrow" panose="020B0606020202030204" pitchFamily="34" charset="0"/>
-              </a:rPr>
-              <a:t>[3] H. Babaei, J. Karimpour, and A. </a:t>
-            </a:r>
-            <a:r>
-              <a:rPr lang="en-US" altLang="en-US" sz="2800" dirty="0" err="1">
+                <a:latin typeface="Arial" panose="020B0604020202020204" pitchFamily="34" charset="0"/>
+                <a:cs typeface="Arial" panose="020B0604020202020204" pitchFamily="34" charset="0"/>
+              </a:rPr>
+              <a:t>[2] R. Lewis, “A survey of metaheuristic-based techniques for university timetabling problems,” OR Spectrum, vol. 30, no. 1, pp. 167–190, Jan. 2008.  Available: </a:t>
+            </a:r>
+            <a:r>
+              <a:rPr lang="en-US" altLang="en-US" sz="3200" dirty="0">
                 <a:solidFill>
                   <a:schemeClr val="tx1"/>
                 </a:solidFill>
-                <a:latin typeface="Arial Narrow" panose="020B0606020202030204" pitchFamily="34" charset="0"/>
-              </a:rPr>
-              <a:t>Hadidi</a:t>
-            </a:r>
-            <a:r>
-              <a:rPr lang="en-US" altLang="en-US" sz="2800" dirty="0">
-                <a:solidFill>
-                  <a:schemeClr val="tx1"/>
-                </a:solidFill>
-                <a:latin typeface="Arial Narrow" panose="020B0606020202030204" pitchFamily="34" charset="0"/>
-              </a:rPr>
-              <a:t>, “A survey of approaches for university course timetabling problem,” Computers &amp; Industrial Engineering, vol. 86, pp.43–59, Aug. 2015. Available: </a:t>
-            </a:r>
-            <a:r>
-              <a:rPr lang="en-US" altLang="en-US" sz="2800" dirty="0">
-                <a:solidFill>
-                  <a:schemeClr val="tx1"/>
-                </a:solidFill>
-                <a:latin typeface="Arial Narrow" panose="020B0606020202030204" pitchFamily="34" charset="0"/>
+                <a:latin typeface="Arial" panose="020B0604020202020204" pitchFamily="34" charset="0"/>
+                <a:cs typeface="Arial" panose="020B0604020202020204" pitchFamily="34" charset="0"/>
                 <a:hlinkClick r:id="rId5">
                   <a:extLst>
                     <a:ext uri="{A12FA001-AC4F-418D-AE19-62706E023703}">
@@ -9987,32 +10070,55 @@
                   </a:extLst>
                 </a:hlinkClick>
               </a:rPr>
-              <a:t>https://linkinghub.elsevier.com/retrieve/pii/S0360835214003714</a:t>
-            </a:r>
-            <a:endParaRPr lang="en-US" altLang="en-US" sz="2800" dirty="0">
+              <a:t>https://doi.org/10.1007/s00291-007-0097-0</a:t>
+            </a:r>
+            <a:endParaRPr lang="en-US" altLang="en-US" sz="3200" dirty="0">
               <a:solidFill>
                 <a:schemeClr val="tx1"/>
               </a:solidFill>
-              <a:latin typeface="Arial Narrow" panose="020B0606020202030204" pitchFamily="34" charset="0"/>
+              <a:latin typeface="Arial" panose="020B0604020202020204" pitchFamily="34" charset="0"/>
+              <a:cs typeface="Arial" panose="020B0604020202020204" pitchFamily="34" charset="0"/>
             </a:endParaRPr>
           </a:p>
           <a:p>
             <a:pPr marL="0" indent="0"/>
             <a:r>
-              <a:rPr lang="en-US" altLang="en-US" sz="2800" dirty="0">
+              <a:rPr lang="en-US" altLang="en-US" sz="3200" dirty="0">
                 <a:solidFill>
                   <a:schemeClr val="tx1"/>
                 </a:solidFill>
-                <a:latin typeface="Arial Narrow" panose="020B0606020202030204" pitchFamily="34" charset="0"/>
-              </a:rPr>
-              <a:t>[4] M. C. Chen, S. N. Sze, S. L. Goh, N. R. Sabar, and G. Kendall, “A survey of 	university course timetabling problem: Perspectives, trends and opportunities,” IEEE Access, vol. 9, pp. 106 515–106 529, 2021, conference Name: IEEE Access. Available: </a:t>
-            </a:r>
-            <a:r>
-              <a:rPr lang="en-US" altLang="en-US" sz="2800" dirty="0">
+                <a:latin typeface="Arial" panose="020B0604020202020204" pitchFamily="34" charset="0"/>
+                <a:cs typeface="Arial" panose="020B0604020202020204" pitchFamily="34" charset="0"/>
+              </a:rPr>
+              <a:t>[2] S. </a:t>
+            </a:r>
+            <a:r>
+              <a:rPr lang="en-US" altLang="en-US" sz="3200" dirty="0" err="1">
                 <a:solidFill>
                   <a:schemeClr val="tx1"/>
                 </a:solidFill>
-                <a:latin typeface="Arial Narrow" panose="020B0606020202030204" pitchFamily="34" charset="0"/>
+                <a:latin typeface="Arial" panose="020B0604020202020204" pitchFamily="34" charset="0"/>
+                <a:cs typeface="Arial" panose="020B0604020202020204" pitchFamily="34" charset="0"/>
+              </a:rPr>
+              <a:t>Abdipoor</a:t>
+            </a:r>
+            <a:r>
+              <a:rPr lang="en-US" altLang="en-US" sz="3200" dirty="0">
+                <a:solidFill>
+                  <a:schemeClr val="tx1"/>
+                </a:solidFill>
+                <a:latin typeface="Arial" panose="020B0604020202020204" pitchFamily="34" charset="0"/>
+                <a:cs typeface="Arial" panose="020B0604020202020204" pitchFamily="34" charset="0"/>
+              </a:rPr>
+              <a:t>, R. Yaakob, S. L. Goh, and S. Abdullah, “Meta-heuristic approaches for the university course timetabling problem,” Intelligent Systems with Applications, vol. 19, p. 200253, Sep. 2023. Available: </a:t>
+            </a:r>
+            <a:r>
+              <a:rPr lang="en-US" altLang="en-US" sz="3200" dirty="0">
+                <a:solidFill>
+                  <a:schemeClr val="tx1"/>
+                </a:solidFill>
+                <a:latin typeface="Arial" panose="020B0604020202020204" pitchFamily="34" charset="0"/>
+                <a:cs typeface="Arial" panose="020B0604020202020204" pitchFamily="34" charset="0"/>
                 <a:hlinkClick r:id="rId6">
                   <a:extLst>
                     <a:ext uri="{A12FA001-AC4F-418D-AE19-62706E023703}">
@@ -10021,29 +10127,55 @@
                   </a:extLst>
                 </a:hlinkClick>
               </a:rPr>
-              <a:t>https://ieeexplore.ieee.org/document/9499056/?arnumber=9499056</a:t>
-            </a:r>
-            <a:endParaRPr lang="en-US" altLang="en-US" sz="2800" dirty="0">
+              <a:t>https://linkinghub.elsevier.com/retrieve/pii/S2667305323000789</a:t>
+            </a:r>
+            <a:endParaRPr lang="en-US" altLang="en-US" sz="3200" dirty="0">
               <a:solidFill>
                 <a:schemeClr val="tx1"/>
               </a:solidFill>
-              <a:latin typeface="Arial Narrow" panose="020B0606020202030204" pitchFamily="34" charset="0"/>
+              <a:latin typeface="Arial" panose="020B0604020202020204" pitchFamily="34" charset="0"/>
+              <a:cs typeface="Arial" panose="020B0604020202020204" pitchFamily="34" charset="0"/>
             </a:endParaRPr>
           </a:p>
           <a:p>
             <a:pPr marL="0" indent="0"/>
             <a:r>
-              <a:rPr lang="en-US" altLang="en-US" sz="2800" dirty="0">
-                <a:latin typeface="Arial Narrow" panose="020B0606020202030204" pitchFamily="34" charset="0"/>
-              </a:rPr>
-              <a:t>[5] T. Müller, “Itc2007 solver description: a hybrid approach,” Annals of Operations Research, vol. 172, no. 1, pp. 429–446, Nov. 2009. Available: </a:t>
-            </a:r>
-            <a:r>
-              <a:rPr lang="en-US" altLang="en-US" sz="2800" dirty="0">
+              <a:rPr lang="en-US" altLang="en-US" sz="3200" dirty="0">
                 <a:solidFill>
                   <a:schemeClr val="tx1"/>
                 </a:solidFill>
-                <a:latin typeface="Arial Narrow" panose="020B0606020202030204" pitchFamily="34" charset="0"/>
+                <a:latin typeface="Arial" panose="020B0604020202020204" pitchFamily="34" charset="0"/>
+                <a:cs typeface="Arial" panose="020B0604020202020204" pitchFamily="34" charset="0"/>
+              </a:rPr>
+              <a:t>[3] H. Babaei, J. Karimpour, and A. </a:t>
+            </a:r>
+            <a:r>
+              <a:rPr lang="en-US" altLang="en-US" sz="3200" dirty="0" err="1">
+                <a:solidFill>
+                  <a:schemeClr val="tx1"/>
+                </a:solidFill>
+                <a:latin typeface="Arial" panose="020B0604020202020204" pitchFamily="34" charset="0"/>
+                <a:cs typeface="Arial" panose="020B0604020202020204" pitchFamily="34" charset="0"/>
+              </a:rPr>
+              <a:t>Hadidi</a:t>
+            </a:r>
+            <a:r>
+              <a:rPr lang="en-US" altLang="en-US" sz="3200" dirty="0">
+                <a:solidFill>
+                  <a:schemeClr val="tx1"/>
+                </a:solidFill>
+                <a:latin typeface="Arial" panose="020B0604020202020204" pitchFamily="34" charset="0"/>
+                <a:cs typeface="Arial" panose="020B0604020202020204" pitchFamily="34" charset="0"/>
+              </a:rPr>
+              <a:t>, “A survey of approaches for university course timetabling problem,” Computers &amp; Industrial Engineering, vol. 86, pp.43–59, Aug. 2015. Available: </a:t>
+            </a:r>
+            <a:r>
+              <a:rPr lang="en-US" altLang="en-US" sz="3200" dirty="0">
+                <a:solidFill>
+                  <a:schemeClr val="tx1"/>
+                </a:solidFill>
+                <a:latin typeface="Arial" panose="020B0604020202020204" pitchFamily="34" charset="0"/>
+                <a:cs typeface="Arial" panose="020B0604020202020204" pitchFamily="34" charset="0"/>
                 <a:hlinkClick r:id="rId7">
                   <a:extLst>
                     <a:ext uri="{A12FA001-AC4F-418D-AE19-62706E023703}">
@@ -10052,50 +10184,35 @@
                   </a:extLst>
                 </a:hlinkClick>
               </a:rPr>
-              <a:t>http://link.springer.com/10.1007/s10479-009-0644-y</a:t>
-            </a:r>
-            <a:endParaRPr lang="en-US" altLang="en-US" sz="2800" dirty="0">
+              <a:t>https://linkinghub.elsevier.com/retrieve/pii/S0360835214003714</a:t>
+            </a:r>
+            <a:endParaRPr lang="en-US" altLang="en-US" sz="3200" dirty="0">
               <a:solidFill>
                 <a:schemeClr val="tx1"/>
               </a:solidFill>
-              <a:latin typeface="Arial Narrow" panose="020B0606020202030204" pitchFamily="34" charset="0"/>
+              <a:latin typeface="Arial" panose="020B0604020202020204" pitchFamily="34" charset="0"/>
+              <a:cs typeface="Arial" panose="020B0604020202020204" pitchFamily="34" charset="0"/>
             </a:endParaRPr>
           </a:p>
           <a:p>
             <a:pPr marL="0" indent="0"/>
             <a:r>
-              <a:rPr lang="en-US" sz="2800" dirty="0">
+              <a:rPr lang="en-US" altLang="en-US" sz="3200" dirty="0">
                 <a:solidFill>
                   <a:schemeClr val="tx1"/>
                 </a:solidFill>
-                <a:latin typeface="Arial Narrow" panose="020B0606020202030204" pitchFamily="34" charset="0"/>
-              </a:rPr>
-              <a:t>[6] </a:t>
-            </a:r>
-            <a:r>
-              <a:rPr lang="en-US" sz="2800" dirty="0">
-                <a:latin typeface="Arial Narrow" panose="020B0606020202030204" pitchFamily="34" charset="0"/>
-              </a:rPr>
-              <a:t>S. L. Goh, “An investigation of monte </a:t>
-            </a:r>
-            <a:r>
-              <a:rPr lang="en-US" sz="2800" dirty="0" err="1">
-                <a:latin typeface="Arial Narrow" panose="020B0606020202030204" pitchFamily="34" charset="0"/>
-              </a:rPr>
-              <a:t>carlo</a:t>
-            </a:r>
-            <a:r>
-              <a:rPr lang="en-US" sz="2800" dirty="0">
-                <a:latin typeface="Arial Narrow" panose="020B0606020202030204" pitchFamily="34" charset="0"/>
-              </a:rPr>
-              <a:t> tree search and local search for course timetabling problems,”, pp. 76–105, Jul. 2017. Available: </a:t>
-            </a:r>
-            <a:r>
-              <a:rPr lang="en-US" sz="2800" dirty="0">
+                <a:latin typeface="Arial" panose="020B0604020202020204" pitchFamily="34" charset="0"/>
+                <a:cs typeface="Arial" panose="020B0604020202020204" pitchFamily="34" charset="0"/>
+              </a:rPr>
+              <a:t>[4] M. C. Chen, S. N. Sze, S. L. Goh, N. R. Sabar, and G. Kendall, “A survey of university course timetabling problem: Perspectives, trends and opportunities,” IEEE Access, vol. 9, pp. 106 515–106 529, 2021, conference Name: IEEE Access. Available: </a:t>
+            </a:r>
+            <a:r>
+              <a:rPr lang="en-US" altLang="en-US" sz="3200" dirty="0">
                 <a:solidFill>
                   <a:schemeClr val="tx1"/>
                 </a:solidFill>
-                <a:latin typeface="Arial Narrow" panose="020B0606020202030204" pitchFamily="34" charset="0"/>
+                <a:latin typeface="Arial" panose="020B0604020202020204" pitchFamily="34" charset="0"/>
+                <a:cs typeface="Arial" panose="020B0604020202020204" pitchFamily="34" charset="0"/>
                 <a:hlinkClick r:id="rId8">
                   <a:extLst>
                     <a:ext uri="{A12FA001-AC4F-418D-AE19-62706E023703}">
@@ -10104,13 +10221,106 @@
                   </a:extLst>
                 </a:hlinkClick>
               </a:rPr>
-              <a:t>https://eprints.nottingham.ac.uk/43558/</a:t>
-            </a:r>
-            <a:endParaRPr lang="en-US" sz="2800" dirty="0">
+              <a:t>https://ieeexplore.ieee.org/document/9499056/?arnumber=9499056</a:t>
+            </a:r>
+            <a:endParaRPr lang="en-US" altLang="en-US" sz="3200" dirty="0">
               <a:solidFill>
                 <a:schemeClr val="tx1"/>
               </a:solidFill>
-              <a:latin typeface="Arial Narrow" panose="020B0606020202030204" pitchFamily="34" charset="0"/>
+              <a:latin typeface="Arial" panose="020B0604020202020204" pitchFamily="34" charset="0"/>
+              <a:cs typeface="Arial" panose="020B0604020202020204" pitchFamily="34" charset="0"/>
+            </a:endParaRPr>
+          </a:p>
+          <a:p>
+            <a:pPr marL="0" indent="0"/>
+            <a:r>
+              <a:rPr lang="en-US" altLang="en-US" sz="3200" dirty="0">
+                <a:latin typeface="Arial" panose="020B0604020202020204" pitchFamily="34" charset="0"/>
+                <a:cs typeface="Arial" panose="020B0604020202020204" pitchFamily="34" charset="0"/>
+              </a:rPr>
+              <a:t>[5] T. Müller, “Itc2007 solver description: a hybrid approach,” Annals of Operations Research, vol. 172, no. 1, pp. 429–446, Nov. 2009. Available: </a:t>
+            </a:r>
+            <a:r>
+              <a:rPr lang="en-US" altLang="en-US" sz="3200" dirty="0">
+                <a:solidFill>
+                  <a:schemeClr val="tx1"/>
+                </a:solidFill>
+                <a:latin typeface="Arial" panose="020B0604020202020204" pitchFamily="34" charset="0"/>
+                <a:cs typeface="Arial" panose="020B0604020202020204" pitchFamily="34" charset="0"/>
+                <a:hlinkClick r:id="rId9">
+                  <a:extLst>
+                    <a:ext uri="{A12FA001-AC4F-418D-AE19-62706E023703}">
+                      <ahyp:hlinkClr xmlns:ahyp="http://schemas.microsoft.com/office/drawing/2018/hyperlinkcolor" val="tx"/>
+                    </a:ext>
+                  </a:extLst>
+                </a:hlinkClick>
+              </a:rPr>
+              <a:t>http://link.springer.com/10.1007/s10479-009-0644-y</a:t>
+            </a:r>
+            <a:endParaRPr lang="en-US" altLang="en-US" sz="3200" dirty="0">
+              <a:solidFill>
+                <a:schemeClr val="tx1"/>
+              </a:solidFill>
+              <a:latin typeface="Arial" panose="020B0604020202020204" pitchFamily="34" charset="0"/>
+              <a:cs typeface="Arial" panose="020B0604020202020204" pitchFamily="34" charset="0"/>
+            </a:endParaRPr>
+          </a:p>
+          <a:p>
+            <a:pPr marL="0" indent="0"/>
+            <a:r>
+              <a:rPr lang="en-US" sz="3200" dirty="0">
+                <a:solidFill>
+                  <a:schemeClr val="tx1"/>
+                </a:solidFill>
+                <a:latin typeface="Arial" panose="020B0604020202020204" pitchFamily="34" charset="0"/>
+                <a:cs typeface="Arial" panose="020B0604020202020204" pitchFamily="34" charset="0"/>
+              </a:rPr>
+              <a:t>[6] </a:t>
+            </a:r>
+            <a:r>
+              <a:rPr lang="en-US" sz="3200" dirty="0">
+                <a:latin typeface="Arial" panose="020B0604020202020204" pitchFamily="34" charset="0"/>
+                <a:cs typeface="Arial" panose="020B0604020202020204" pitchFamily="34" charset="0"/>
+              </a:rPr>
+              <a:t>S. L. Goh, “An investigation of monte </a:t>
+            </a:r>
+            <a:r>
+              <a:rPr lang="en-US" sz="3200" dirty="0" err="1">
+                <a:latin typeface="Arial" panose="020B0604020202020204" pitchFamily="34" charset="0"/>
+                <a:cs typeface="Arial" panose="020B0604020202020204" pitchFamily="34" charset="0"/>
+              </a:rPr>
+              <a:t>carlo</a:t>
+            </a:r>
+            <a:r>
+              <a:rPr lang="en-US" sz="3200" dirty="0">
+                <a:latin typeface="Arial" panose="020B0604020202020204" pitchFamily="34" charset="0"/>
+                <a:cs typeface="Arial" panose="020B0604020202020204" pitchFamily="34" charset="0"/>
+              </a:rPr>
+              <a:t> tree search and local search for course timetabling problems,”, pp. 76–105, Jul. 2017. Available: </a:t>
+            </a:r>
+            <a:r>
+              <a:rPr lang="en-US" sz="3200" dirty="0">
+                <a:solidFill>
+                  <a:schemeClr val="tx1"/>
+                </a:solidFill>
+                <a:latin typeface="Arial" panose="020B0604020202020204" pitchFamily="34" charset="0"/>
+                <a:cs typeface="Arial" panose="020B0604020202020204" pitchFamily="34" charset="0"/>
+                <a:hlinkClick r:id="rId10">
+                  <a:extLst>
+                    <a:ext uri="{A12FA001-AC4F-418D-AE19-62706E023703}">
+                      <ahyp:hlinkClr xmlns:ahyp="http://schemas.microsoft.com/office/drawing/2018/hyperlinkcolor" val="tx"/>
+                    </a:ext>
+                  </a:extLst>
+                </a:hlinkClick>
+              </a:rPr>
+              <a:t>https://eprints.nottingham.ac.uk/43558/</a:t>
+            </a:r>
+            <a:endParaRPr lang="en-US" sz="3200" dirty="0">
+              <a:solidFill>
+                <a:schemeClr val="tx1"/>
+              </a:solidFill>
+              <a:latin typeface="Arial" panose="020B0604020202020204" pitchFamily="34" charset="0"/>
+              <a:cs typeface="Arial" panose="020B0604020202020204" pitchFamily="34" charset="0"/>
             </a:endParaRPr>
           </a:p>
         </p:txBody>
@@ -10129,7 +10339,7 @@
         </p:nvSpPr>
         <p:spPr>
           <a:xfrm>
-            <a:off x="1033909" y="5265254"/>
+            <a:off x="1033909" y="4998554"/>
             <a:ext cx="13281709" cy="6986528"/>
           </a:xfrm>
           <a:prstGeom prst="rect">
@@ -10783,6 +10993,36 @@
           </a:p>
         </p:txBody>
       </p:sp>
+      <p:pic>
+        <p:nvPicPr>
+          <p:cNvPr id="39" name="Imagem 38">
+            <a:extLst>
+              <a:ext uri="{FF2B5EF4-FFF2-40B4-BE49-F238E27FC236}">
+                <a16:creationId xmlns:a16="http://schemas.microsoft.com/office/drawing/2014/main" id="{56BB636E-3ED5-47EB-8C33-D726D5F99DB4}"/>
+              </a:ext>
+            </a:extLst>
+          </p:cNvPr>
+          <p:cNvPicPr>
+            <a:picLocks noChangeAspect="1"/>
+          </p:cNvPicPr>
+          <p:nvPr/>
+        </p:nvPicPr>
+        <p:blipFill>
+          <a:blip r:embed="rId11"/>
+          <a:stretch>
+            <a:fillRect/>
+          </a:stretch>
+        </p:blipFill>
+        <p:spPr>
+          <a:xfrm>
+            <a:off x="19914633" y="40060893"/>
+            <a:ext cx="6672932" cy="2349903"/>
+          </a:xfrm>
+          <a:prstGeom prst="rect">
+            <a:avLst/>
+          </a:prstGeom>
+        </p:spPr>
+      </p:pic>
       <p:sp>
         <p:nvSpPr>
           <p:cNvPr id="37" name="Freeform 5">
@@ -10797,7 +11037,7 @@
         </p:nvSpPr>
         <p:spPr>
           <a:xfrm>
-            <a:off x="24997530" y="39554981"/>
+            <a:off x="25986234" y="39551893"/>
             <a:ext cx="3710263" cy="2895975"/>
           </a:xfrm>
           <a:custGeom>
@@ -10828,7 +11068,7 @@
             </a:pathLst>
           </a:custGeom>
           <a:blipFill>
-            <a:blip r:embed="rId9"/>
+            <a:blip r:embed="rId12"/>
             <a:stretch>
               <a:fillRect/>
             </a:stretch>
@@ -10842,36 +11082,6 @@
           </a:p>
         </p:txBody>
       </p:sp>
-      <p:pic>
-        <p:nvPicPr>
-          <p:cNvPr id="39" name="Imagem 38">
-            <a:extLst>
-              <a:ext uri="{FF2B5EF4-FFF2-40B4-BE49-F238E27FC236}">
-                <a16:creationId xmlns:a16="http://schemas.microsoft.com/office/drawing/2014/main" id="{56BB636E-3ED5-47EB-8C33-D726D5F99DB4}"/>
-              </a:ext>
-            </a:extLst>
-          </p:cNvPr>
-          <p:cNvPicPr>
-            <a:picLocks noChangeAspect="1"/>
-          </p:cNvPicPr>
-          <p:nvPr/>
-        </p:nvPicPr>
-        <p:blipFill>
-          <a:blip r:embed="rId10"/>
-          <a:stretch>
-            <a:fillRect/>
-          </a:stretch>
-        </p:blipFill>
-        <p:spPr>
-          <a:xfrm>
-            <a:off x="17523269" y="40060893"/>
-            <a:ext cx="6672932" cy="2349903"/>
-          </a:xfrm>
-          <a:prstGeom prst="rect">
-            <a:avLst/>
-          </a:prstGeom>
-        </p:spPr>
-      </p:pic>
       <p:pic>
         <p:nvPicPr>
           <p:cNvPr id="33" name="Imagem 32">
@@ -10887,14 +11097,14 @@
           <p:nvPr/>
         </p:nvPicPr>
         <p:blipFill>
-          <a:blip r:embed="rId11"/>
+          <a:blip r:embed="rId13"/>
           <a:stretch>
             <a:fillRect/>
           </a:stretch>
         </p:blipFill>
         <p:spPr>
           <a:xfrm>
-            <a:off x="1239090" y="39176577"/>
+            <a:off x="15902737" y="39119332"/>
             <a:ext cx="3607764" cy="3607764"/>
           </a:xfrm>
           <a:prstGeom prst="rect">
@@ -10918,7 +11128,7 @@
         </p:nvSpPr>
         <p:spPr bwMode="auto">
           <a:xfrm>
-            <a:off x="15361465" y="15620814"/>
+            <a:off x="15592703" y="19595552"/>
             <a:ext cx="13897794" cy="515920"/>
           </a:xfrm>
           <a:prstGeom prst="rect">
@@ -11295,197 +11505,15 @@
             </a:pPr>
             <a:r>
               <a:rPr lang="en-US" altLang="en-US" sz="2200" b="1" i="1" dirty="0"/>
-              <a:t>Figure 3– </a:t>
+              <a:t>Figure 3 – </a:t>
             </a:r>
             <a:r>
               <a:rPr lang="en-US" altLang="en-US" sz="2200" i="1" dirty="0"/>
-              <a:t>Soft constraint progress for comp02 instance from ITC-2007.</a:t>
-            </a:r>
-          </a:p>
-        </p:txBody>
-      </p:sp>
-      <p:grpSp>
-        <p:nvGrpSpPr>
-          <p:cNvPr id="34" name="Group 33">
-            <a:extLst>
-              <a:ext uri="{FF2B5EF4-FFF2-40B4-BE49-F238E27FC236}">
-                <a16:creationId xmlns:a16="http://schemas.microsoft.com/office/drawing/2014/main" id="{5A40B9B8-F66C-04D3-11C0-39B46289C08A}"/>
-              </a:ext>
-            </a:extLst>
-          </p:cNvPr>
-          <p:cNvGrpSpPr/>
-          <p:nvPr/>
-        </p:nvGrpSpPr>
-        <p:grpSpPr>
-          <a:xfrm>
-            <a:off x="18596973" y="9324178"/>
-            <a:ext cx="7990592" cy="6139751"/>
-            <a:chOff x="9582857" y="10090716"/>
-            <a:chExt cx="8064732" cy="6196718"/>
-          </a:xfrm>
-        </p:grpSpPr>
-        <p:grpSp>
-          <p:nvGrpSpPr>
-            <p:cNvPr id="35" name="Group 34">
-              <a:extLst>
-                <a:ext uri="{FF2B5EF4-FFF2-40B4-BE49-F238E27FC236}">
-                  <a16:creationId xmlns:a16="http://schemas.microsoft.com/office/drawing/2014/main" id="{F238B9EF-7114-0EFC-01DF-DE5FBB73E7D2}"/>
-                </a:ext>
-              </a:extLst>
-            </p:cNvPr>
-            <p:cNvGrpSpPr/>
-            <p:nvPr/>
-          </p:nvGrpSpPr>
-          <p:grpSpPr>
-            <a:xfrm>
-              <a:off x="9582857" y="10090716"/>
-              <a:ext cx="7296606" cy="6196718"/>
-              <a:chOff x="9582858" y="10448870"/>
-              <a:chExt cx="6785382" cy="5735699"/>
-            </a:xfrm>
-          </p:grpSpPr>
-          <p:pic>
-            <p:nvPicPr>
-              <p:cNvPr id="38" name="Picture 37" descr="A graph with red and blue lines&#10;&#10;AI-generated content may be incorrect.">
-                <a:extLst>
-                  <a:ext uri="{FF2B5EF4-FFF2-40B4-BE49-F238E27FC236}">
-                    <a16:creationId xmlns:a16="http://schemas.microsoft.com/office/drawing/2014/main" id="{75ECEC33-E189-BEB6-635B-DE0F7215AAD4}"/>
-                  </a:ext>
-                </a:extLst>
-              </p:cNvPr>
-              <p:cNvPicPr>
-                <a:picLocks noChangeAspect="1"/>
-              </p:cNvPicPr>
-              <p:nvPr/>
-            </p:nvPicPr>
-            <p:blipFill>
-              <a:blip r:embed="rId12">
-                <a:extLst>
-                  <a:ext uri="{28A0092B-C50C-407E-A947-70E740481C1C}">
-                    <a14:useLocalDpi xmlns:a14="http://schemas.microsoft.com/office/drawing/2010/main" val="0"/>
-                  </a:ext>
-                </a:extLst>
-              </a:blip>
-              <a:srcRect t="1559" r="7445"/>
-              <a:stretch/>
-            </p:blipFill>
-            <p:spPr>
-              <a:xfrm>
-                <a:off x="9582858" y="10448870"/>
-                <a:ext cx="6785382" cy="5735699"/>
-              </a:xfrm>
-              <a:prstGeom prst="rect">
-                <a:avLst/>
-              </a:prstGeom>
-            </p:spPr>
-          </p:pic>
-          <p:pic>
-            <p:nvPicPr>
-              <p:cNvPr id="40" name="Picture 39" descr="A graph with red and blue lines&#10;&#10;AI-generated content may be incorrect.">
-                <a:extLst>
-                  <a:ext uri="{FF2B5EF4-FFF2-40B4-BE49-F238E27FC236}">
-                    <a16:creationId xmlns:a16="http://schemas.microsoft.com/office/drawing/2014/main" id="{8322D96A-F07C-4AE0-1B1E-2C6DD3956E22}"/>
-                  </a:ext>
-                </a:extLst>
-              </p:cNvPr>
-              <p:cNvPicPr>
-                <a:picLocks noChangeAspect="1"/>
-              </p:cNvPicPr>
-              <p:nvPr/>
-            </p:nvPicPr>
-            <p:blipFill>
-              <a:blip r:embed="rId12">
-                <a:extLst>
-                  <a:ext uri="{28A0092B-C50C-407E-A947-70E740481C1C}">
-                    <a14:useLocalDpi xmlns:a14="http://schemas.microsoft.com/office/drawing/2010/main" val="0"/>
-                  </a:ext>
-                </a:extLst>
-              </a:blip>
-              <a:srcRect l="85388" t="86580" r="7445"/>
-              <a:stretch/>
-            </p:blipFill>
-            <p:spPr>
-              <a:xfrm>
-                <a:off x="15876611" y="11323018"/>
-                <a:ext cx="333392" cy="762659"/>
-              </a:xfrm>
-              <a:prstGeom prst="rect">
-                <a:avLst/>
-              </a:prstGeom>
-            </p:spPr>
-          </p:pic>
-          <p:pic>
-            <p:nvPicPr>
-              <p:cNvPr id="41" name="Picture 40" descr="A graph with red and blue lines&#10;&#10;AI-generated content may be incorrect.">
-                <a:extLst>
-                  <a:ext uri="{FF2B5EF4-FFF2-40B4-BE49-F238E27FC236}">
-                    <a16:creationId xmlns:a16="http://schemas.microsoft.com/office/drawing/2014/main" id="{7AC65115-A461-8A75-1693-504ABA29F493}"/>
-                  </a:ext>
-                </a:extLst>
-              </p:cNvPr>
-              <p:cNvPicPr>
-                <a:picLocks noChangeAspect="1"/>
-              </p:cNvPicPr>
-              <p:nvPr/>
-            </p:nvPicPr>
-            <p:blipFill>
-              <a:blip r:embed="rId12">
-                <a:extLst>
-                  <a:ext uri="{28A0092B-C50C-407E-A947-70E740481C1C}">
-                    <a14:useLocalDpi xmlns:a14="http://schemas.microsoft.com/office/drawing/2010/main" val="0"/>
-                  </a:ext>
-                </a:extLst>
-              </a:blip>
-              <a:srcRect l="85388" t="86580" r="7445"/>
-              <a:stretch/>
-            </p:blipFill>
-            <p:spPr>
-              <a:xfrm>
-                <a:off x="15867741" y="10448870"/>
-                <a:ext cx="333392" cy="619166"/>
-              </a:xfrm>
-              <a:prstGeom prst="rect">
-                <a:avLst/>
-              </a:prstGeom>
-            </p:spPr>
-          </p:pic>
-        </p:grpSp>
-        <p:pic>
-          <p:nvPicPr>
-            <p:cNvPr id="36" name="Picture 35">
-              <a:extLst>
-                <a:ext uri="{FF2B5EF4-FFF2-40B4-BE49-F238E27FC236}">
-                  <a16:creationId xmlns:a16="http://schemas.microsoft.com/office/drawing/2014/main" id="{1AC05405-9F2F-62BE-F490-6D781CBF32FD}"/>
-                </a:ext>
-              </a:extLst>
-            </p:cNvPr>
-            <p:cNvPicPr>
-              <a:picLocks noChangeAspect="1"/>
-            </p:cNvPicPr>
-            <p:nvPr/>
-          </p:nvPicPr>
-          <p:blipFill>
-            <a:blip r:embed="rId13">
-              <a:extLst>
-                <a:ext uri="{28A0092B-C50C-407E-A947-70E740481C1C}">
-                  <a14:useLocalDpi xmlns:a14="http://schemas.microsoft.com/office/drawing/2010/main" val="0"/>
-                </a:ext>
-              </a:extLst>
-            </a:blip>
-            <a:srcRect l="4451"/>
-            <a:stretch/>
-          </p:blipFill>
-          <p:spPr>
-            <a:xfrm>
-              <a:off x="16273139" y="11246875"/>
-              <a:ext cx="1374450" cy="447737"/>
-            </a:xfrm>
-            <a:prstGeom prst="rect">
-              <a:avLst/>
-            </a:prstGeom>
-          </p:spPr>
-        </p:pic>
-      </p:grpSp>
+              <a:t>Soft constraint progress using the diving approach on the comp01 instance from ITC-2007.</a:t>
+            </a:r>
+          </a:p>
+        </p:txBody>
+      </p:sp>
       <p:pic>
         <p:nvPicPr>
           <p:cNvPr id="43" name="Picture 42" descr="A diagram of a diagram&#10;&#10;AI-generated content may be incorrect.">
@@ -11501,15 +11529,121 @@
           <p:nvPr/>
         </p:nvPicPr>
         <p:blipFill>
-          <a:blip r:embed="rId14"/>
+          <a:blip r:embed="rId14">
+            <a:extLst>
+              <a:ext uri="{BEBA8EAE-BF5A-486C-A8C5-ECC9F3942E4B}">
+                <a14:imgProps xmlns:a14="http://schemas.microsoft.com/office/drawing/2010/main">
+                  <a14:imgLayer r:embed="rId15">
+                    <a14:imgEffect>
+                      <a14:backgroundRemoval t="499" b="99668" l="3263" r="99511">
+                        <a14:foregroundMark x1="29853" y1="7091" x2="19630" y2="13518"/>
+                        <a14:foregroundMark x1="19630" y1="13518" x2="14301" y2="38061"/>
+                        <a14:foregroundMark x1="14301" y1="38061" x2="35889" y2="72687"/>
+                        <a14:foregroundMark x1="35889" y1="72687" x2="85536" y2="82825"/>
+                        <a14:foregroundMark x1="85536" y1="82825" x2="85101" y2="30693"/>
+                        <a14:foregroundMark x1="85101" y1="30693" x2="40511" y2="3490"/>
+                        <a14:foregroundMark x1="40511" y1="3490" x2="17156" y2="8358"/>
+                        <a14:foregroundMark x1="11531" y1="11706" x2="11256" y2="11967"/>
+                        <a14:foregroundMark x1="10616" y1="12250" x2="5003" y2="27978"/>
+                        <a14:foregroundMark x1="5003" y1="27978" x2="23654" y2="80720"/>
+                        <a14:foregroundMark x1="23654" y1="80720" x2="78032" y2="91579"/>
+                        <a14:foregroundMark x1="78032" y1="91579" x2="64274" y2="52798"/>
+                        <a14:foregroundMark x1="64274" y1="52798" x2="59108" y2="48809"/>
+                        <a14:foregroundMark x1="83524" y1="7756" x2="49048" y2="8476"/>
+                        <a14:foregroundMark x1="49048" y1="8476" x2="12616" y2="42438"/>
+                        <a14:foregroundMark x1="12616" y1="42438" x2="83850" y2="89751"/>
+                        <a14:foregroundMark x1="83850" y1="89751" x2="99347" y2="87368"/>
+                        <a14:foregroundMark x1="99347" y1="87368" x2="99347" y2="87368"/>
+                        <a14:foregroundMark x1="90321" y1="6260" x2="62643" y2="554"/>
+                        <a14:foregroundMark x1="62643" y1="554" x2="62643" y2="554"/>
+                        <a14:foregroundMark x1="12344" y1="40222" x2="9788" y2="89751"/>
+                        <a14:foregroundMark x1="9788" y1="89751" x2="10114" y2="91745"/>
+                        <a14:foregroundMark x1="94236" y1="14404" x2="87113" y2="38560"/>
+                        <a14:foregroundMark x1="87113" y1="38560" x2="49538" y2="91524"/>
+                        <a14:foregroundMark x1="49538" y1="91524" x2="15933" y2="42659"/>
+                        <a14:foregroundMark x1="15933" y1="42659" x2="48124" y2="30083"/>
+                        <a14:foregroundMark x1="48124" y1="30083" x2="99511" y2="32465"/>
+                        <a14:foregroundMark x1="80914" y1="17230" x2="80914" y2="17230"/>
+                        <a14:foregroundMark x1="86895" y1="8421" x2="78521" y2="8255"/>
+                        <a14:foregroundMark x1="78521" y1="8255" x2="65525" y2="21828"/>
+                        <a14:foregroundMark x1="65525" y1="21828" x2="88798" y2="30970"/>
+                        <a14:foregroundMark x1="88798" y1="30970" x2="89723" y2="9529"/>
+                        <a14:foregroundMark x1="89723" y1="9529" x2="83687" y2="8310"/>
+                        <a14:foregroundMark x1="83687" y1="8310" x2="82871" y2="8975"/>
+                        <a14:foregroundMark x1="91789" y1="44765" x2="85536" y2="48033"/>
+                        <a14:foregroundMark x1="85536" y1="48033" x2="74388" y2="59612"/>
+                        <a14:foregroundMark x1="74388" y1="59612" x2="78195" y2="74626"/>
+                        <a14:foregroundMark x1="78195" y1="74626" x2="93312" y2="78892"/>
+                        <a14:foregroundMark x1="93312" y1="78892" x2="96357" y2="61385"/>
+                        <a14:foregroundMark x1="96357" y1="61385" x2="93910" y2="50194"/>
+                        <a14:foregroundMark x1="93910" y1="50194" x2="90103" y2="46205"/>
+                        <a14:foregroundMark x1="90103" y1="46205" x2="88472" y2="45540"/>
+                        <a14:foregroundMark x1="87711" y1="52742" x2="83306" y2="55014"/>
+                        <a14:foregroundMark x1="83306" y1="55014" x2="81620" y2="65319"/>
+                        <a14:foregroundMark x1="81620" y1="65319" x2="94834" y2="64155"/>
+                        <a14:foregroundMark x1="94834" y1="64155" x2="86079" y2="50471"/>
+                        <a14:foregroundMark x1="86079" y1="50471" x2="84285" y2="50471"/>
+                        <a14:foregroundMark x1="48124" y1="10139" x2="35019" y2="4931"/>
+                        <a14:foregroundMark x1="35019" y1="4931" x2="29853" y2="499"/>
+                        <a14:foregroundMark x1="29853" y1="499" x2="21191" y2="3098"/>
+                        <a14:foregroundMark x1="4482" y1="15900" x2="1088" y2="27867"/>
+                        <a14:foregroundMark x1="1088" y1="27867" x2="3317" y2="45540"/>
+                        <a14:foregroundMark x1="3317" y1="45540" x2="25829" y2="43490"/>
+                        <a14:foregroundMark x1="25829" y1="43490" x2="44372" y2="22936"/>
+                        <a14:foregroundMark x1="44372" y1="22936" x2="44426" y2="8532"/>
+                        <a14:foregroundMark x1="96357" y1="94848" x2="13377" y2="96177"/>
+                        <a14:foregroundMark x1="85209" y1="97784" x2="5275" y2="98837"/>
+                        <a14:foregroundMark x1="5275" y1="98837" x2="3806" y2="99668"/>
+                        <a14:backgroundMark x1="20609" y1="1053" x2="15987" y2="7147"/>
+                        <a14:backgroundMark x1="15987" y1="7147" x2="7287" y2="13463"/>
+                        <a14:backgroundMark x1="7287" y1="13463" x2="1958" y2="10360"/>
+                        <a14:backgroundMark x1="1958" y1="10360" x2="1523" y2="5983"/>
+                        <a14:backgroundMark x1="1523" y1="5983" x2="5710" y2="554"/>
+                        <a14:backgroundMark x1="5710" y1="554" x2="21262" y2="1330"/>
+                        <a14:backgroundMark x1="14682" y1="2548" x2="11637" y2="8255"/>
+                        <a14:backgroundMark x1="11637" y1="8255" x2="4133" y2="13296"/>
+                        <a14:backgroundMark x1="4133" y1="13296" x2="54" y2="11468"/>
+                        <a14:backgroundMark x1="54" y1="11468" x2="6743" y2="1717"/>
+                        <a14:backgroundMark x1="6743" y1="1717" x2="6797" y2="1717"/>
+                        <a14:backgroundMark x1="15334" y1="2936" x2="10821" y2="6427"/>
+                        <a14:backgroundMark x1="10821" y1="6427" x2="5873" y2="7313"/>
+                        <a14:backgroundMark x1="5873" y1="7313" x2="11419" y2="2715"/>
+                        <a14:backgroundMark x1="11419" y1="2715" x2="14410" y2="3324"/>
+                        <a14:backgroundMark x1="15063" y1="2936" x2="8265" y2="1440"/>
+                        <a14:backgroundMark x1="8265" y1="1440" x2="6145" y2="2382"/>
+                        <a14:backgroundMark x1="17673" y1="2161" x2="10821" y2="2770"/>
+                        <a14:backgroundMark x1="10821" y1="2770" x2="1468" y2="0"/>
+                        <a14:backgroundMark x1="4731" y1="7645" x2="13757" y2="831"/>
+                        <a14:backgroundMark x1="13757" y1="831" x2="13757" y2="831"/>
+                        <a14:backgroundMark x1="8265" y1="11634" x2="19358" y2="3158"/>
+                        <a14:backgroundMark x1="19358" y1="3158" x2="20718" y2="166"/>
+                        <a14:backgroundMark x1="12072" y1="9474" x2="18543" y2="886"/>
+                        <a14:backgroundMark x1="18543" y1="886" x2="18760" y2="166"/>
+                        <a14:backgroundMark x1="16368" y1="4543" x2="19902" y2="665"/>
+                        <a14:backgroundMark x1="21479" y1="831" x2="8265" y2="10803"/>
+                        <a14:backgroundMark x1="19902" y1="5762" x2="20609" y2="1607"/>
+                        <a14:backgroundMark x1="20174" y1="4931" x2="14573" y2="7756"/>
+                        <a14:backgroundMark x1="19141" y1="5097" x2="20337" y2="1994"/>
+                        <a14:backgroundMark x1="21914" y1="554" x2="13975" y2="7202"/>
+                        <a14:backgroundMark x1="13975" y1="7202" x2="381" y2="13075"/>
+                        <a14:backgroundMark x1="381" y1="13075" x2="381" y2="13075"/>
+                        <a14:backgroundMark x1="21751" y1="388" x2="17781" y2="6925"/>
+                        <a14:backgroundMark x1="17781" y1="6925" x2="0" y2="17507"/>
+                      </a14:backgroundRemoval>
+                    </a14:imgEffect>
+                  </a14:imgLayer>
+                </a14:imgProps>
+              </a:ext>
+            </a:extLst>
+          </a:blip>
           <a:stretch>
             <a:fillRect/>
           </a:stretch>
         </p:blipFill>
         <p:spPr>
           <a:xfrm>
-            <a:off x="2748715" y="29018799"/>
-            <a:ext cx="10614438" cy="10418194"/>
+            <a:off x="1904738" y="30742566"/>
+            <a:ext cx="11543081" cy="11329668"/>
           </a:xfrm>
           <a:prstGeom prst="rect">
             <a:avLst/>
@@ -11531,7 +11665,7 @@
           <p:nvPr/>
         </p:nvPicPr>
         <p:blipFill>
-          <a:blip r:embed="rId15">
+          <a:blip r:embed="rId16">
             <a:extLst>
               <a:ext uri="{28A0092B-C50C-407E-A947-70E740481C1C}">
                 <a14:useLocalDpi xmlns:a14="http://schemas.microsoft.com/office/drawing/2010/main" val="0"/>
@@ -11578,7 +11712,7 @@
           <p:nvPr/>
         </p:nvPicPr>
         <p:blipFill rotWithShape="1">
-          <a:blip r:embed="rId16">
+          <a:blip r:embed="rId17">
             <a:extLst>
               <a:ext uri="{28A0092B-C50C-407E-A947-70E740481C1C}">
                 <a14:useLocalDpi xmlns:a14="http://schemas.microsoft.com/office/drawing/2010/main" val="0"/>
@@ -11622,7 +11756,7 @@
         </p:nvSpPr>
         <p:spPr>
           <a:xfrm>
-            <a:off x="16126584" y="30251080"/>
+            <a:off x="16126584" y="26593480"/>
             <a:ext cx="1800000" cy="144000"/>
           </a:xfrm>
           <a:prstGeom prst="rect">
@@ -11676,7 +11810,7 @@
         </p:nvSpPr>
         <p:spPr bwMode="auto">
           <a:xfrm>
-            <a:off x="5116950" y="17950054"/>
+            <a:off x="4826863" y="17641175"/>
             <a:ext cx="5115625" cy="515920"/>
           </a:xfrm>
           <a:prstGeom prst="rect">
@@ -12077,14 +12211,14 @@
           <p:nvPr/>
         </p:nvPicPr>
         <p:blipFill>
-          <a:blip r:embed="rId17"/>
+          <a:blip r:embed="rId18"/>
           <a:srcRect l="3435" t="17844" r="7574" b="13864"/>
           <a:stretch/>
         </p:blipFill>
         <p:spPr>
           <a:xfrm>
-            <a:off x="3458417" y="12163253"/>
-            <a:ext cx="11343853" cy="5803539"/>
+            <a:off x="2622240" y="11971126"/>
+            <a:ext cx="10927035" cy="5590294"/>
           </a:xfrm>
           <a:prstGeom prst="rect">
             <a:avLst/>
@@ -12107,7 +12241,7 @@
         </p:nvSpPr>
         <p:spPr bwMode="auto">
           <a:xfrm>
-            <a:off x="3170356" y="39291019"/>
+            <a:off x="2838197" y="41894876"/>
             <a:ext cx="9495466" cy="515920"/>
           </a:xfrm>
           <a:prstGeom prst="rect">

--- a/Docs/IJUP/IJUP_2025_posterpresentation.pptx
+++ b/Docs/IJUP/IJUP_2025_posterpresentation.pptx
@@ -1779,7 +1779,7 @@
           <a:p>
             <a:fld id="{C6D3E51D-861D-B14D-BFD8-573430A28870}" type="datetimeFigureOut">
               <a:rPr lang="en-US" smtClean="0"/>
-              <a:t>5/1/2025</a:t>
+              <a:t>5/4/2025</a:t>
             </a:fld>
             <a:endParaRPr lang="en-US"/>
           </a:p>
@@ -1989,7 +1989,7 @@
           <a:p>
             <a:fld id="{C6D3E51D-861D-B14D-BFD8-573430A28870}" type="datetimeFigureOut">
               <a:rPr lang="en-US" smtClean="0"/>
-              <a:t>5/1/2025</a:t>
+              <a:t>5/4/2025</a:t>
             </a:fld>
             <a:endParaRPr lang="en-US"/>
           </a:p>
@@ -2265,7 +2265,7 @@
           <a:p>
             <a:fld id="{C6D3E51D-861D-B14D-BFD8-573430A28870}" type="datetimeFigureOut">
               <a:rPr lang="en-US" smtClean="0"/>
-              <a:t>5/1/2025</a:t>
+              <a:t>5/4/2025</a:t>
             </a:fld>
             <a:endParaRPr lang="en-US"/>
           </a:p>
@@ -2591,7 +2591,7 @@
           <a:p>
             <a:fld id="{C6D3E51D-861D-B14D-BFD8-573430A28870}" type="datetimeFigureOut">
               <a:rPr lang="en-US" smtClean="0"/>
-              <a:t>5/1/2025</a:t>
+              <a:t>5/4/2025</a:t>
             </a:fld>
             <a:endParaRPr lang="en-US"/>
           </a:p>
@@ -3611,7 +3611,7 @@
           <a:p>
             <a:fld id="{C6D3E51D-861D-B14D-BFD8-573430A28870}" type="datetimeFigureOut">
               <a:rPr lang="en-US" smtClean="0"/>
-              <a:t>5/1/2025</a:t>
+              <a:t>5/4/2025</a:t>
             </a:fld>
             <a:endParaRPr lang="en-US"/>
           </a:p>
@@ -3761,7 +3761,7 @@
           <a:p>
             <a:fld id="{C6D3E51D-861D-B14D-BFD8-573430A28870}" type="datetimeFigureOut">
               <a:rPr lang="en-US" smtClean="0"/>
-              <a:t>5/1/2025</a:t>
+              <a:t>5/4/2025</a:t>
             </a:fld>
             <a:endParaRPr lang="en-US"/>
           </a:p>
@@ -3880,7 +3880,7 @@
           <a:p>
             <a:fld id="{C6D3E51D-861D-B14D-BFD8-573430A28870}" type="datetimeFigureOut">
               <a:rPr lang="en-US" smtClean="0"/>
-              <a:t>5/1/2025</a:t>
+              <a:t>5/4/2025</a:t>
             </a:fld>
             <a:endParaRPr lang="en-US"/>
           </a:p>
@@ -4190,7 +4190,7 @@
           <a:p>
             <a:fld id="{C6D3E51D-861D-B14D-BFD8-573430A28870}" type="datetimeFigureOut">
               <a:rPr lang="en-US" smtClean="0"/>
-              <a:t>5/1/2025</a:t>
+              <a:t>5/4/2025</a:t>
             </a:fld>
             <a:endParaRPr lang="en-US"/>
           </a:p>
@@ -4476,7 +4476,7 @@
           <a:p>
             <a:fld id="{C6D3E51D-861D-B14D-BFD8-573430A28870}" type="datetimeFigureOut">
               <a:rPr lang="en-US" smtClean="0"/>
-              <a:t>5/1/2025</a:t>
+              <a:t>5/4/2025</a:t>
             </a:fld>
             <a:endParaRPr lang="en-US"/>
           </a:p>
@@ -4686,7 +4686,7 @@
           <a:p>
             <a:fld id="{C6D3E51D-861D-B14D-BFD8-573430A28870}" type="datetimeFigureOut">
               <a:rPr lang="en-US" smtClean="0"/>
-              <a:t>5/1/2025</a:t>
+              <a:t>5/4/2025</a:t>
             </a:fld>
             <a:endParaRPr lang="en-US"/>
           </a:p>
@@ -4896,7 +4896,7 @@
           <a:p>
             <a:fld id="{C6D3E51D-861D-B14D-BFD8-573430A28870}" type="datetimeFigureOut">
               <a:rPr lang="en-US" smtClean="0"/>
-              <a:t>5/1/2025</a:t>
+              <a:t>5/4/2025</a:t>
             </a:fld>
             <a:endParaRPr lang="en-US"/>
           </a:p>
@@ -6597,7 +6597,7 @@
               <a:pPr defTabSz="1513367">
                 <a:defRPr/>
               </a:pPr>
-              <a:t>5/1/2025</a:t>
+              <a:t>5/4/2025</a:t>
             </a:fld>
             <a:endParaRPr lang="en-US" sz="3973">
               <a:solidFill>
@@ -6766,7 +6766,7 @@
               <a:pPr defTabSz="1513367">
                 <a:defRPr/>
               </a:pPr>
-              <a:t>5/1/2025</a:t>
+              <a:t>5/4/2025</a:t>
             </a:fld>
             <a:endParaRPr lang="en-US" sz="3973">
               <a:solidFill>
@@ -7838,91 +7838,71 @@
           <a:chExt cx="0" cy="0"/>
         </a:xfrm>
       </p:grpSpPr>
-      <p:grpSp>
-        <p:nvGrpSpPr>
-          <p:cNvPr id="49" name="Group 48">
+      <p:pic>
+        <p:nvPicPr>
+          <p:cNvPr id="35" name="Picture 34" descr="A graph with red and blue lines&#10;&#10;AI-generated content may be incorrect.">
             <a:extLst>
               <a:ext uri="{FF2B5EF4-FFF2-40B4-BE49-F238E27FC236}">
-                <a16:creationId xmlns:a16="http://schemas.microsoft.com/office/drawing/2014/main" id="{B834A93D-83AA-0C44-063A-92E47C06C32D}"/>
+                <a16:creationId xmlns:a16="http://schemas.microsoft.com/office/drawing/2014/main" id="{6941F7D5-93D0-4A1A-2219-23499AA1BDC2}"/>
               </a:ext>
             </a:extLst>
           </p:cNvPr>
-          <p:cNvGrpSpPr/>
+          <p:cNvPicPr>
+            <a:picLocks noChangeAspect="1"/>
+          </p:cNvPicPr>
           <p:nvPr/>
-        </p:nvGrpSpPr>
-        <p:grpSpPr>
-          <a:xfrm>
-            <a:off x="16399445" y="10146580"/>
-            <a:ext cx="12353705" cy="9360230"/>
-            <a:chOff x="12108992" y="10333278"/>
-            <a:chExt cx="14259585" cy="10804289"/>
-          </a:xfrm>
-        </p:grpSpPr>
-        <p:pic>
-          <p:nvPicPr>
-            <p:cNvPr id="46" name="Picture 45">
-              <a:extLst>
-                <a:ext uri="{FF2B5EF4-FFF2-40B4-BE49-F238E27FC236}">
-                  <a16:creationId xmlns:a16="http://schemas.microsoft.com/office/drawing/2014/main" id="{5E317648-8EF3-AC6A-1579-8982E83BCCE0}"/>
-                </a:ext>
-              </a:extLst>
-            </p:cNvPr>
-            <p:cNvPicPr>
-              <a:picLocks noChangeAspect="1"/>
-            </p:cNvPicPr>
-            <p:nvPr/>
-          </p:nvPicPr>
-          <p:blipFill>
-            <a:blip r:embed="rId2"/>
-            <a:srcRect t="1876"/>
-            <a:stretch/>
-          </p:blipFill>
-          <p:spPr>
-            <a:xfrm>
-              <a:off x="12108992" y="10333278"/>
-              <a:ext cx="14179485" cy="10804289"/>
-            </a:xfrm>
-            <a:prstGeom prst="rect">
-              <a:avLst/>
-            </a:prstGeom>
-          </p:spPr>
-        </p:pic>
-        <p:pic>
-          <p:nvPicPr>
-            <p:cNvPr id="48" name="Picture 47">
-              <a:extLst>
-                <a:ext uri="{FF2B5EF4-FFF2-40B4-BE49-F238E27FC236}">
-                  <a16:creationId xmlns:a16="http://schemas.microsoft.com/office/drawing/2014/main" id="{30627FF2-7E3F-3B2F-1E11-675FF5EA0624}"/>
-                </a:ext>
-              </a:extLst>
-            </p:cNvPr>
-            <p:cNvPicPr>
-              <a:picLocks noChangeAspect="1"/>
-            </p:cNvPicPr>
-            <p:nvPr/>
-          </p:nvPicPr>
-          <p:blipFill>
-            <a:blip r:embed="rId3">
-              <a:extLst>
-                <a:ext uri="{28A0092B-C50C-407E-A947-70E740481C1C}">
-                  <a14:useLocalDpi xmlns:a14="http://schemas.microsoft.com/office/drawing/2010/main" val="0"/>
-                </a:ext>
-              </a:extLst>
-            </a:blip>
-            <a:srcRect l="4451"/>
-            <a:stretch/>
-          </p:blipFill>
-          <p:spPr>
-            <a:xfrm>
-              <a:off x="24094884" y="12340667"/>
-              <a:ext cx="2273693" cy="740672"/>
-            </a:xfrm>
-            <a:prstGeom prst="rect">
-              <a:avLst/>
-            </a:prstGeom>
-          </p:spPr>
-        </p:pic>
-      </p:grpSp>
+        </p:nvPicPr>
+        <p:blipFill>
+          <a:blip r:embed="rId2"/>
+          <a:stretch>
+            <a:fillRect/>
+          </a:stretch>
+        </p:blipFill>
+        <p:spPr>
+          <a:xfrm>
+            <a:off x="16197113" y="10427439"/>
+            <a:ext cx="12758370" cy="9514500"/>
+          </a:xfrm>
+          <a:prstGeom prst="rect">
+            <a:avLst/>
+          </a:prstGeom>
+        </p:spPr>
+      </p:pic>
+      <p:pic>
+        <p:nvPicPr>
+          <p:cNvPr id="48" name="Picture 47">
+            <a:extLst>
+              <a:ext uri="{FF2B5EF4-FFF2-40B4-BE49-F238E27FC236}">
+                <a16:creationId xmlns:a16="http://schemas.microsoft.com/office/drawing/2014/main" id="{30627FF2-7E3F-3B2F-1E11-675FF5EA0624}"/>
+              </a:ext>
+            </a:extLst>
+          </p:cNvPr>
+          <p:cNvPicPr>
+            <a:picLocks noChangeAspect="1"/>
+          </p:cNvPicPr>
+          <p:nvPr/>
+        </p:nvPicPr>
+        <p:blipFill>
+          <a:blip r:embed="rId3">
+            <a:extLst>
+              <a:ext uri="{28A0092B-C50C-407E-A947-70E740481C1C}">
+                <a14:useLocalDpi xmlns:a14="http://schemas.microsoft.com/office/drawing/2010/main" val="0"/>
+              </a:ext>
+            </a:extLst>
+          </a:blip>
+          <a:srcRect l="4451"/>
+          <a:stretch/>
+        </p:blipFill>
+        <p:spPr>
+          <a:xfrm>
+            <a:off x="26778445" y="11645902"/>
+            <a:ext cx="1969800" cy="641677"/>
+          </a:xfrm>
+          <a:prstGeom prst="rect">
+            <a:avLst/>
+          </a:prstGeom>
+        </p:spPr>
+      </p:pic>
       <p:sp>
         <p:nvSpPr>
           <p:cNvPr id="4" name="Rectangle 8">
@@ -9815,7 +9795,7 @@
         <p:spPr>
           <a:xfrm>
             <a:off x="15902738" y="5074754"/>
-            <a:ext cx="13299664" cy="5755422"/>
+            <a:ext cx="13299664" cy="6247864"/>
           </a:xfrm>
           <a:prstGeom prst="rect">
             <a:avLst/>
@@ -9907,7 +9887,7 @@
                 <a:latin typeface="Arial" panose="020B0604020202020204" pitchFamily="34" charset="0"/>
                 <a:cs typeface="Arial" panose="020B0604020202020204" pitchFamily="34" charset="0"/>
               </a:rPr>
-              <a:t>.</a:t>
+              <a:t>, in the challenging ITC-2007 set of benchmark instances.</a:t>
             </a:r>
           </a:p>
           <a:p>
@@ -10340,7 +10320,7 @@
         <p:spPr>
           <a:xfrm>
             <a:off x="1033909" y="4998554"/>
-            <a:ext cx="13281709" cy="6986528"/>
+            <a:ext cx="13281709" cy="7478970"/>
           </a:xfrm>
           <a:prstGeom prst="rect">
             <a:avLst/>
@@ -10460,7 +10440,7 @@
                 <a:ea typeface="Cambria" panose="02040503050406030204" pitchFamily="18" charset="0"/>
                 <a:cs typeface="Arial" panose="020B0604020202020204" pitchFamily="34" charset="0"/>
               </a:rPr>
-              <a:t>. </a:t>
+              <a:t> (Figure 1). </a:t>
             </a:r>
             <a:r>
               <a:rPr kumimoji="0" lang="pt-PT" altLang="pt-PT" sz="3200" b="0" i="1" strike="noStrike" cap="none" normalizeH="0" baseline="0" dirty="0" err="1">
@@ -11128,7 +11108,7 @@
         </p:nvSpPr>
         <p:spPr bwMode="auto">
           <a:xfrm>
-            <a:off x="15592703" y="19595552"/>
+            <a:off x="15592703" y="19949516"/>
             <a:ext cx="13897794" cy="515920"/>
           </a:xfrm>
           <a:prstGeom prst="rect">
@@ -11810,7 +11790,7 @@
         </p:nvSpPr>
         <p:spPr bwMode="auto">
           <a:xfrm>
-            <a:off x="4826863" y="17641175"/>
+            <a:off x="4826863" y="17965642"/>
             <a:ext cx="5115625" cy="515920"/>
           </a:xfrm>
           <a:prstGeom prst="rect">
@@ -12217,7 +12197,7 @@
         </p:blipFill>
         <p:spPr>
           <a:xfrm>
-            <a:off x="2622240" y="11971126"/>
+            <a:off x="2622240" y="12354587"/>
             <a:ext cx="10927035" cy="5590294"/>
           </a:xfrm>
           <a:prstGeom prst="rect">
